--- a/Hackathon-Proposed Architecture.pptx
+++ b/Hackathon-Proposed Architecture.pptx
@@ -5,18 +5,20 @@
     <p:sldMasterId id="2147483705" r:id="rId1"/>
   </p:sldMasterIdLst>
   <p:notesMasterIdLst>
-    <p:notesMasterId r:id="rId8"/>
+    <p:notesMasterId r:id="rId10"/>
   </p:notesMasterIdLst>
   <p:handoutMasterIdLst>
-    <p:handoutMasterId r:id="rId9"/>
+    <p:handoutMasterId r:id="rId11"/>
   </p:handoutMasterIdLst>
   <p:sldIdLst>
     <p:sldId id="305" r:id="rId2"/>
-    <p:sldId id="337" r:id="rId3"/>
+    <p:sldId id="348" r:id="rId3"/>
     <p:sldId id="329" r:id="rId4"/>
-    <p:sldId id="348" r:id="rId5"/>
-    <p:sldId id="349" r:id="rId6"/>
-    <p:sldId id="334" r:id="rId7"/>
+    <p:sldId id="349" r:id="rId5"/>
+    <p:sldId id="350" r:id="rId6"/>
+    <p:sldId id="337" r:id="rId7"/>
+    <p:sldId id="351" r:id="rId8"/>
+    <p:sldId id="334" r:id="rId9"/>
   </p:sldIdLst>
   <p:sldSz cx="9144000" cy="5143500" type="screen16x9"/>
   <p:notesSz cx="6858000" cy="9144000"/>
@@ -229,7 +231,7 @@
           <a:p>
             <a:fld id="{DB7E6384-165F-4C74-A91E-1A5B2CA7A8C7}" type="datetimeFigureOut">
               <a:rPr lang="en-US" smtClean="0"/>
-              <a:t>11/13/2019</a:t>
+              <a:t>11/17/2019</a:t>
             </a:fld>
             <a:endParaRPr lang="en-US"/>
           </a:p>
@@ -394,7 +396,7 @@
           <a:p>
             <a:fld id="{C036ACDD-C55B-4FC4-89E7-E9F98F22F217}" type="datetimeFigureOut">
               <a:rPr lang="en-US" smtClean="0"/>
-              <a:t>11/13/2019</a:t>
+              <a:t>11/17/2019</a:t>
             </a:fld>
             <a:endParaRPr lang="en-US"/>
           </a:p>
@@ -2523,7 +2525,7 @@
           <a:p>
             <a:fld id="{C2F3A780-F595-46C5-B28D-7823673835C2}" type="datetime4">
               <a:rPr lang="en-US" smtClean="0"/>
-              <a:t>November 13, 2019</a:t>
+              <a:t>November 17, 2019</a:t>
             </a:fld>
             <a:endParaRPr lang="en-US" dirty="0"/>
           </a:p>
@@ -3004,7 +3006,7 @@
           <p:cNvPr id="2" name="Title 1">
             <a:extLst>
               <a:ext uri="{FF2B5EF4-FFF2-40B4-BE49-F238E27FC236}">
-                <a16:creationId xmlns:a16="http://schemas.microsoft.com/office/drawing/2014/main" id="{94AD45F1-1ACD-4FF6-855C-9D03C38FD8F0}"/>
+                <a16:creationId xmlns:a16="http://schemas.microsoft.com/office/drawing/2014/main" id="{643C8D8D-7962-4C43-AEE0-F47FA2F063C6}"/>
               </a:ext>
             </a:extLst>
           </p:cNvPr>
@@ -3017,32 +3019,26 @@
         </p:nvSpPr>
         <p:spPr/>
         <p:txBody>
-          <a:bodyPr>
+          <a:bodyPr wrap="square">
             <a:normAutofit/>
           </a:bodyPr>
           <a:lstStyle/>
           <a:p>
             <a:r>
-              <a:rPr lang="en-US" sz="1800" b="1" dirty="0">
+              <a:rPr lang="en-US" sz="2400" dirty="0">
                 <a:solidFill>
-                  <a:schemeClr val="tx2">
-                    <a:lumMod val="75000"/>
-                  </a:schemeClr>
+                  <a:schemeClr val="tx2"/>
                 </a:solidFill>
+                <a:cs typeface="Arial" pitchFamily="34" charset="0"/>
               </a:rPr>
-              <a:t>ARIMA CASE </a:t>
-            </a:r>
-            <a:r>
-              <a:rPr lang="en-US" sz="1800" b="1" dirty="0" smtClean="0">
-                <a:solidFill>
-                  <a:schemeClr val="tx2">
-                    <a:lumMod val="75000"/>
-                  </a:schemeClr>
-                </a:solidFill>
-              </a:rPr>
-              <a:t>STUDY</a:t>
-            </a:r>
-            <a:endParaRPr lang="en-US" sz="1800" b="1" dirty="0"/>
+              <a:t>Group 4 – Team Details</a:t>
+            </a:r>
+            <a:endParaRPr lang="en-US" sz="2400" dirty="0">
+              <a:solidFill>
+                <a:schemeClr val="tx2"/>
+              </a:solidFill>
+              <a:cs typeface="Arial" pitchFamily="34" charset="0"/>
+            </a:endParaRPr>
           </a:p>
         </p:txBody>
       </p:sp>
@@ -3051,7 +3047,7 @@
           <p:cNvPr id="3" name="Text Placeholder 2">
             <a:extLst>
               <a:ext uri="{FF2B5EF4-FFF2-40B4-BE49-F238E27FC236}">
-                <a16:creationId xmlns:a16="http://schemas.microsoft.com/office/drawing/2014/main" id="{A42A8A70-7637-4BC1-965E-708BD66D7B01}"/>
+                <a16:creationId xmlns:a16="http://schemas.microsoft.com/office/drawing/2014/main" id="{863503B4-2F64-411E-AFCB-FDF7DCE8BC10}"/>
               </a:ext>
             </a:extLst>
           </p:cNvPr>
@@ -3071,509 +3067,578 @@
           </a:p>
         </p:txBody>
       </p:sp>
-      <p:sp>
-        <p:nvSpPr>
-          <p:cNvPr id="4" name="Content Placeholder 3">
-            <a:extLst>
-              <a:ext uri="{FF2B5EF4-FFF2-40B4-BE49-F238E27FC236}">
-                <a16:creationId xmlns:a16="http://schemas.microsoft.com/office/drawing/2014/main" id="{1CBD2DBB-598F-4F2C-8F73-3E25641634E1}"/>
-              </a:ext>
-            </a:extLst>
-          </p:cNvPr>
-          <p:cNvSpPr>
-            <a:spLocks noGrp="1"/>
-          </p:cNvSpPr>
+      <p:graphicFrame>
+        <p:nvGraphicFramePr>
+          <p:cNvPr id="5" name="Table 4"/>
+          <p:cNvGraphicFramePr>
+            <a:graphicFrameLocks noGrp="1"/>
+          </p:cNvGraphicFramePr>
           <p:nvPr>
-            <p:ph idx="1"/>
+            <p:extLst>
+              <p:ext uri="{D42A27DB-BD31-4B8C-83A1-F6EECF244321}">
+                <p14:modId xmlns:p14="http://schemas.microsoft.com/office/powerpoint/2010/main" val="1411628476"/>
+              </p:ext>
+            </p:extLst>
           </p:nvPr>
-        </p:nvSpPr>
-        <p:spPr>
-          <a:xfrm>
-            <a:off x="365041" y="1193606"/>
-            <a:ext cx="5128339" cy="4187219"/>
-          </a:xfrm>
-        </p:spPr>
-        <p:txBody>
-          <a:bodyPr>
-            <a:normAutofit fontScale="55000" lnSpcReduction="20000"/>
-          </a:bodyPr>
-          <a:lstStyle/>
-          <a:p>
-            <a:pPr marL="0" indent="0">
-              <a:buNone/>
-            </a:pPr>
-            <a:r>
-              <a:rPr lang="en-US" sz="2500" dirty="0" smtClean="0">
-                <a:solidFill>
-                  <a:schemeClr val="tx2">
-                    <a:lumMod val="75000"/>
-                  </a:schemeClr>
-                </a:solidFill>
-              </a:rPr>
-              <a:t>ASSUMPTIONS</a:t>
-            </a:r>
-            <a:r>
-              <a:rPr lang="en-US" sz="1500" dirty="0" smtClean="0">
-                <a:solidFill>
-                  <a:schemeClr val="tx2">
-                    <a:lumMod val="75000"/>
-                  </a:schemeClr>
-                </a:solidFill>
-              </a:rPr>
-              <a:t>:</a:t>
-            </a:r>
-            <a:endParaRPr lang="en-US" sz="1500" dirty="0">
-              <a:solidFill>
-                <a:schemeClr val="tx2">
-                  <a:lumMod val="75000"/>
-                </a:schemeClr>
-              </a:solidFill>
-            </a:endParaRPr>
-          </a:p>
-          <a:p>
-            <a:pPr marL="0" indent="0">
-              <a:buNone/>
-            </a:pPr>
-            <a:r>
-              <a:rPr lang="en-US" sz="2200" dirty="0">
-                <a:cs typeface="Calibri" panose="020F0502020204030204" pitchFamily="34" charset="0"/>
-              </a:rPr>
-              <a:t>The user should be able to select the corresponding channel, he wants to forecast</a:t>
-            </a:r>
-            <a:r>
-              <a:rPr lang="en-US" sz="2200" dirty="0" smtClean="0">
-                <a:cs typeface="Calibri" panose="020F0502020204030204" pitchFamily="34" charset="0"/>
-              </a:rPr>
-              <a:t>.</a:t>
-            </a:r>
-          </a:p>
-          <a:p>
-            <a:pPr marL="0" indent="0">
-              <a:buNone/>
-            </a:pPr>
-            <a:endParaRPr lang="en-US" sz="2200" dirty="0">
-              <a:cs typeface="Calibri" panose="020F0502020204030204" pitchFamily="34" charset="0"/>
-            </a:endParaRPr>
-          </a:p>
-          <a:p>
-            <a:pPr marL="0" indent="0">
-              <a:buNone/>
-            </a:pPr>
-            <a:r>
-              <a:rPr lang="en-US" sz="2200" dirty="0">
-                <a:cs typeface="Calibri" panose="020F0502020204030204" pitchFamily="34" charset="0"/>
-              </a:rPr>
-              <a:t> • The user should be able to define, how many weeks of historical data he wants to consider and corresponding start date for historical data</a:t>
-            </a:r>
-            <a:r>
-              <a:rPr lang="en-US" sz="2200" dirty="0" smtClean="0">
-                <a:cs typeface="Calibri" panose="020F0502020204030204" pitchFamily="34" charset="0"/>
-              </a:rPr>
-              <a:t>.</a:t>
-            </a:r>
-          </a:p>
-          <a:p>
-            <a:pPr marL="0" indent="0">
-              <a:buNone/>
-            </a:pPr>
-            <a:endParaRPr lang="en-US" sz="2200" dirty="0">
-              <a:cs typeface="Calibri" panose="020F0502020204030204" pitchFamily="34" charset="0"/>
-            </a:endParaRPr>
-          </a:p>
-          <a:p>
-            <a:pPr marL="0" indent="0">
-              <a:buNone/>
-            </a:pPr>
-            <a:r>
-              <a:rPr lang="en-US" sz="2200" dirty="0">
-                <a:cs typeface="Calibri" panose="020F0502020204030204" pitchFamily="34" charset="0"/>
-              </a:rPr>
-              <a:t> • The user should be able to define, how many weeks forecasting he wants to do it and corresponding start date for future forecasting</a:t>
-            </a:r>
-            <a:r>
-              <a:rPr lang="en-US" sz="2200" dirty="0" smtClean="0">
-                <a:cs typeface="Calibri" panose="020F0502020204030204" pitchFamily="34" charset="0"/>
-              </a:rPr>
-              <a:t>.</a:t>
-            </a:r>
-          </a:p>
-          <a:p>
-            <a:pPr marL="0" indent="0">
-              <a:buNone/>
-            </a:pPr>
-            <a:endParaRPr lang="en-US" sz="2200" dirty="0">
-              <a:cs typeface="Calibri" panose="020F0502020204030204" pitchFamily="34" charset="0"/>
-            </a:endParaRPr>
-          </a:p>
-          <a:p>
-            <a:pPr marL="0" indent="0">
-              <a:buNone/>
-            </a:pPr>
-            <a:r>
-              <a:rPr lang="en-US" sz="2200" dirty="0">
-                <a:cs typeface="Calibri" panose="020F0502020204030204" pitchFamily="34" charset="0"/>
-              </a:rPr>
-              <a:t> • Each entity should’ve 4 weeks of history and 4 weeks </a:t>
-            </a:r>
-            <a:r>
-              <a:rPr lang="en-US" sz="2200" dirty="0" smtClean="0">
-                <a:cs typeface="Calibri" panose="020F0502020204030204" pitchFamily="34" charset="0"/>
-              </a:rPr>
-              <a:t>of </a:t>
-            </a:r>
-            <a:r>
-              <a:rPr lang="en-US" sz="2200" dirty="0">
-                <a:cs typeface="Calibri" panose="020F0502020204030204" pitchFamily="34" charset="0"/>
-              </a:rPr>
-              <a:t>future loaded by </a:t>
-            </a:r>
-            <a:r>
-              <a:rPr lang="en-US" sz="2200" dirty="0" smtClean="0">
-                <a:cs typeface="Calibri" panose="020F0502020204030204" pitchFamily="34" charset="0"/>
-              </a:rPr>
-              <a:t>default</a:t>
-            </a:r>
-          </a:p>
-          <a:p>
-            <a:pPr marL="0" indent="0">
-              <a:buNone/>
-            </a:pPr>
-            <a:endParaRPr lang="en-US" sz="2200" dirty="0">
-              <a:cs typeface="Calibri" panose="020F0502020204030204" pitchFamily="34" charset="0"/>
-            </a:endParaRPr>
-          </a:p>
-          <a:p>
-            <a:pPr marL="0" indent="0">
-              <a:buNone/>
-            </a:pPr>
-            <a:r>
-              <a:rPr lang="en-US" sz="2200" dirty="0">
-                <a:cs typeface="Calibri" panose="020F0502020204030204" pitchFamily="34" charset="0"/>
-              </a:rPr>
-              <a:t> • The user should be able to fetch data on scroll greater than 4 weeks for both history and future </a:t>
-            </a:r>
-            <a:endParaRPr lang="en-US" sz="2200" dirty="0" smtClean="0">
-              <a:cs typeface="Calibri" panose="020F0502020204030204" pitchFamily="34" charset="0"/>
-            </a:endParaRPr>
-          </a:p>
-          <a:p>
-            <a:pPr marL="0" indent="0">
-              <a:buNone/>
-            </a:pPr>
-            <a:endParaRPr lang="en-US" sz="2200" dirty="0">
-              <a:cs typeface="Calibri" panose="020F0502020204030204" pitchFamily="34" charset="0"/>
-            </a:endParaRPr>
-          </a:p>
-          <a:p>
-            <a:pPr marL="0" indent="0">
-              <a:buNone/>
-            </a:pPr>
-            <a:r>
-              <a:rPr lang="en-US" sz="2200" dirty="0">
-                <a:cs typeface="Calibri" panose="020F0502020204030204" pitchFamily="34" charset="0"/>
-              </a:rPr>
-              <a:t>• Forecast monthly summary is required is required, by consolidating weekly data</a:t>
-            </a:r>
-            <a:r>
-              <a:rPr lang="en-US" sz="2200" dirty="0" smtClean="0">
-                <a:cs typeface="Calibri" panose="020F0502020204030204" pitchFamily="34" charset="0"/>
-              </a:rPr>
-              <a:t>.</a:t>
-            </a:r>
-          </a:p>
-          <a:p>
-            <a:pPr marL="0" indent="0">
-              <a:buNone/>
-            </a:pPr>
-            <a:endParaRPr lang="en-US" sz="2200" dirty="0">
-              <a:cs typeface="Calibri" panose="020F0502020204030204" pitchFamily="34" charset="0"/>
-            </a:endParaRPr>
-          </a:p>
-          <a:p>
-            <a:pPr marL="0" indent="0">
-              <a:buNone/>
-            </a:pPr>
-            <a:r>
-              <a:rPr lang="en-US" sz="2200" dirty="0">
-                <a:cs typeface="Calibri" panose="020F0502020204030204" pitchFamily="34" charset="0"/>
-              </a:rPr>
-              <a:t> • The attributes based on channel and product should be dynamically loaded from tables. </a:t>
-            </a:r>
-            <a:endParaRPr lang="en-US" sz="2200" dirty="0">
-              <a:solidFill>
-                <a:schemeClr val="tx2">
-                  <a:lumMod val="75000"/>
-                </a:schemeClr>
-              </a:solidFill>
-              <a:cs typeface="Calibri" panose="020F0502020204030204" pitchFamily="34" charset="0"/>
-            </a:endParaRPr>
-          </a:p>
-        </p:txBody>
-      </p:sp>
-      <p:sp>
-        <p:nvSpPr>
-          <p:cNvPr id="5" name="Content Placeholder 3">
-            <a:extLst>
-              <a:ext uri="{FF2B5EF4-FFF2-40B4-BE49-F238E27FC236}">
-                <a16:creationId xmlns:a16="http://schemas.microsoft.com/office/drawing/2014/main" id="{547D0CAF-7F6A-4C57-9854-D1F8E3EACC45}"/>
-              </a:ext>
-            </a:extLst>
-          </p:cNvPr>
-          <p:cNvSpPr txBox="1">
-            <a:spLocks/>
-          </p:cNvSpPr>
-          <p:nvPr/>
-        </p:nvSpPr>
-        <p:spPr>
-          <a:xfrm>
-            <a:off x="365041" y="527541"/>
-            <a:ext cx="8404959" cy="547403"/>
-          </a:xfrm>
-          <a:prstGeom prst="rect">
-            <a:avLst/>
-          </a:prstGeom>
-        </p:spPr>
-        <p:txBody>
-          <a:bodyPr vert="horz" lIns="68580" tIns="34290" rIns="68580" bIns="34290" rtlCol="0">
-            <a:normAutofit fontScale="77500" lnSpcReduction="20000"/>
-          </a:bodyPr>
-          <a:lstStyle>
-            <a:lvl1pPr marL="257175" indent="-257175" algn="l" defTabSz="685800" rtl="0" eaLnBrk="1" latinLnBrk="0" hangingPunct="1">
-              <a:spcBef>
-                <a:spcPct val="20000"/>
-              </a:spcBef>
-              <a:buFont typeface="Arial" pitchFamily="34" charset="0"/>
-              <a:buChar char="•"/>
-              <a:defRPr sz="2400" kern="1200">
-                <a:solidFill>
-                  <a:schemeClr val="tx1"/>
-                </a:solidFill>
-                <a:latin typeface="Calibri" panose="020F0502020204030204" pitchFamily="34" charset="0"/>
-                <a:ea typeface="+mn-ea"/>
-                <a:cs typeface="+mn-cs"/>
-              </a:defRPr>
-            </a:lvl1pPr>
-            <a:lvl2pPr marL="557213" indent="-214313" algn="l" defTabSz="685800" rtl="0" eaLnBrk="1" latinLnBrk="0" hangingPunct="1">
-              <a:spcBef>
-                <a:spcPct val="20000"/>
-              </a:spcBef>
-              <a:buFont typeface="Arial" pitchFamily="34" charset="0"/>
-              <a:buChar char="–"/>
-              <a:defRPr sz="2100" kern="1200">
-                <a:solidFill>
-                  <a:schemeClr val="tx1"/>
-                </a:solidFill>
-                <a:latin typeface="Calibri" panose="020F0502020204030204" pitchFamily="34" charset="0"/>
-                <a:ea typeface="+mn-ea"/>
-                <a:cs typeface="+mn-cs"/>
-              </a:defRPr>
-            </a:lvl2pPr>
-            <a:lvl3pPr marL="857250" indent="-171450" algn="l" defTabSz="685800" rtl="0" eaLnBrk="1" latinLnBrk="0" hangingPunct="1">
-              <a:spcBef>
-                <a:spcPct val="20000"/>
-              </a:spcBef>
-              <a:buFont typeface="Arial" pitchFamily="34" charset="0"/>
-              <a:buChar char="•"/>
-              <a:defRPr sz="1800" kern="1200">
-                <a:solidFill>
-                  <a:schemeClr val="tx1"/>
-                </a:solidFill>
-                <a:latin typeface="Calibri" panose="020F0502020204030204" pitchFamily="34" charset="0"/>
-                <a:ea typeface="+mn-ea"/>
-                <a:cs typeface="+mn-cs"/>
-              </a:defRPr>
-            </a:lvl3pPr>
-            <a:lvl4pPr marL="1200150" indent="-171450" algn="l" defTabSz="685800" rtl="0" eaLnBrk="1" latinLnBrk="0" hangingPunct="1">
-              <a:spcBef>
-                <a:spcPct val="20000"/>
-              </a:spcBef>
-              <a:buFont typeface="Arial" pitchFamily="34" charset="0"/>
-              <a:buChar char="–"/>
-              <a:defRPr sz="1500" kern="1200">
-                <a:solidFill>
-                  <a:schemeClr val="tx1"/>
-                </a:solidFill>
-                <a:latin typeface="Calibri" panose="020F0502020204030204" pitchFamily="34" charset="0"/>
-                <a:ea typeface="+mn-ea"/>
-                <a:cs typeface="+mn-cs"/>
-              </a:defRPr>
-            </a:lvl4pPr>
-            <a:lvl5pPr marL="1543050" indent="-171450" algn="l" defTabSz="685800" rtl="0" eaLnBrk="1" latinLnBrk="0" hangingPunct="1">
-              <a:spcBef>
-                <a:spcPct val="20000"/>
-              </a:spcBef>
-              <a:buFont typeface="Arial" pitchFamily="34" charset="0"/>
-              <a:buChar char="»"/>
-              <a:defRPr sz="1500" kern="1200">
-                <a:solidFill>
-                  <a:schemeClr val="tx1"/>
-                </a:solidFill>
-                <a:latin typeface="Calibri" panose="020F0502020204030204" pitchFamily="34" charset="0"/>
-                <a:ea typeface="+mn-ea"/>
-                <a:cs typeface="+mn-cs"/>
-              </a:defRPr>
-            </a:lvl5pPr>
-            <a:lvl6pPr marL="1885950" indent="-171450" algn="l" defTabSz="685800" rtl="0" eaLnBrk="1" latinLnBrk="0" hangingPunct="1">
-              <a:spcBef>
-                <a:spcPct val="20000"/>
-              </a:spcBef>
-              <a:buFont typeface="Arial" pitchFamily="34" charset="0"/>
-              <a:buChar char="•"/>
-              <a:defRPr sz="1500" kern="1200">
-                <a:solidFill>
-                  <a:schemeClr val="tx1"/>
-                </a:solidFill>
-                <a:latin typeface="+mn-lt"/>
-                <a:ea typeface="+mn-ea"/>
-                <a:cs typeface="+mn-cs"/>
-              </a:defRPr>
-            </a:lvl6pPr>
-            <a:lvl7pPr marL="2228850" indent="-171450" algn="l" defTabSz="685800" rtl="0" eaLnBrk="1" latinLnBrk="0" hangingPunct="1">
-              <a:spcBef>
-                <a:spcPct val="20000"/>
-              </a:spcBef>
-              <a:buFont typeface="Arial" pitchFamily="34" charset="0"/>
-              <a:buChar char="•"/>
-              <a:defRPr sz="1500" kern="1200">
-                <a:solidFill>
-                  <a:schemeClr val="tx1"/>
-                </a:solidFill>
-                <a:latin typeface="+mn-lt"/>
-                <a:ea typeface="+mn-ea"/>
-                <a:cs typeface="+mn-cs"/>
-              </a:defRPr>
-            </a:lvl7pPr>
-            <a:lvl8pPr marL="2571750" indent="-171450" algn="l" defTabSz="685800" rtl="0" eaLnBrk="1" latinLnBrk="0" hangingPunct="1">
-              <a:spcBef>
-                <a:spcPct val="20000"/>
-              </a:spcBef>
-              <a:buFont typeface="Arial" pitchFamily="34" charset="0"/>
-              <a:buChar char="•"/>
-              <a:defRPr sz="1500" kern="1200">
-                <a:solidFill>
-                  <a:schemeClr val="tx1"/>
-                </a:solidFill>
-                <a:latin typeface="+mn-lt"/>
-                <a:ea typeface="+mn-ea"/>
-                <a:cs typeface="+mn-cs"/>
-              </a:defRPr>
-            </a:lvl8pPr>
-            <a:lvl9pPr marL="2914650" indent="-171450" algn="l" defTabSz="685800" rtl="0" eaLnBrk="1" latinLnBrk="0" hangingPunct="1">
-              <a:spcBef>
-                <a:spcPct val="20000"/>
-              </a:spcBef>
-              <a:buFont typeface="Arial" pitchFamily="34" charset="0"/>
-              <a:buChar char="•"/>
-              <a:defRPr sz="1500" kern="1200">
-                <a:solidFill>
-                  <a:schemeClr val="tx1"/>
-                </a:solidFill>
-                <a:latin typeface="+mn-lt"/>
-                <a:ea typeface="+mn-ea"/>
-                <a:cs typeface="+mn-cs"/>
-              </a:defRPr>
-            </a:lvl9pPr>
-          </a:lstStyle>
-          <a:p>
-            <a:pPr marL="0" indent="0">
-              <a:buFont typeface="Arial" pitchFamily="34" charset="0"/>
-              <a:buNone/>
-            </a:pPr>
-            <a:r>
-              <a:rPr lang="en-US" sz="1800" dirty="0" smtClean="0">
-                <a:solidFill>
-                  <a:schemeClr val="tx2">
-                    <a:lumMod val="75000"/>
-                  </a:schemeClr>
-                </a:solidFill>
-              </a:rPr>
-              <a:t>OBJECTIVE:  </a:t>
-            </a:r>
-          </a:p>
-          <a:p>
-            <a:pPr marL="0" indent="0">
-              <a:buFont typeface="Arial" pitchFamily="34" charset="0"/>
-              <a:buNone/>
-            </a:pPr>
-            <a:r>
-              <a:rPr lang="en-US" dirty="0" smtClean="0">
-                <a:solidFill>
-                  <a:schemeClr val="tx2">
-                    <a:lumMod val="75000"/>
-                  </a:schemeClr>
-                </a:solidFill>
-              </a:rPr>
-              <a:t> </a:t>
-            </a:r>
-            <a:r>
-              <a:rPr lang="en-US" sz="1500" dirty="0" smtClean="0"/>
-              <a:t>To create a sales forecasting tool using ARIMA model for a multinational retail corporation.</a:t>
-            </a:r>
-          </a:p>
-          <a:p>
-            <a:pPr marL="0" indent="0">
-              <a:buFont typeface="Arial" pitchFamily="34" charset="0"/>
-              <a:buNone/>
-            </a:pPr>
-            <a:endParaRPr lang="en-US" sz="1200" dirty="0">
-              <a:solidFill>
-                <a:schemeClr val="tx2">
-                  <a:lumMod val="75000"/>
-                </a:schemeClr>
-              </a:solidFill>
-            </a:endParaRPr>
-          </a:p>
-        </p:txBody>
-      </p:sp>
-      <p:pic>
-        <p:nvPicPr>
-          <p:cNvPr id="6" name="Picture 2" descr="Image result for sales forecasting&quot;">
-            <a:extLst>
-              <a:ext uri="{FF2B5EF4-FFF2-40B4-BE49-F238E27FC236}">
-                <a16:creationId xmlns:a16="http://schemas.microsoft.com/office/drawing/2014/main" id="{B3B8B72B-7987-40B3-90D2-D941AB6F1C1B}"/>
-              </a:ext>
-            </a:extLst>
-          </p:cNvPr>
-          <p:cNvPicPr>
-            <a:picLocks noChangeAspect="1" noChangeArrowheads="1"/>
-          </p:cNvPicPr>
-          <p:nvPr/>
-        </p:nvPicPr>
-        <p:blipFill rotWithShape="1">
-          <a:blip r:embed="rId2">
-            <a:extLst>
-              <a:ext uri="{28A0092B-C50C-407E-A947-70E740481C1C}">
-                <a14:useLocalDpi xmlns:a14="http://schemas.microsoft.com/office/drawing/2010/main" val="0"/>
-              </a:ext>
-            </a:extLst>
-          </a:blip>
-          <a:srcRect l="17000" t="10243" r="12989" b="11775"/>
-          <a:stretch/>
-        </p:blipFill>
-        <p:spPr bwMode="auto">
-          <a:xfrm>
-            <a:off x="6079911" y="1517695"/>
-            <a:ext cx="2553467" cy="2090928"/>
-          </a:xfrm>
-          <a:prstGeom prst="rect">
-            <a:avLst/>
-          </a:prstGeom>
-          <a:noFill/>
-          <a:extLst>
-            <a:ext uri="{909E8E84-426E-40DD-AFC4-6F175D3DCCD1}">
-              <a14:hiddenFill xmlns:a14="http://schemas.microsoft.com/office/drawing/2010/main">
-                <a:solidFill>
-                  <a:srgbClr val="FFFFFF"/>
-                </a:solidFill>
-              </a14:hiddenFill>
-            </a:ext>
-          </a:extLst>
-        </p:spPr>
-      </p:pic>
+        </p:nvGraphicFramePr>
+        <p:xfrm>
+          <a:off x="1063019" y="860813"/>
+          <a:ext cx="6866434" cy="3475192"/>
+        </p:xfrm>
+        <a:graphic>
+          <a:graphicData uri="http://schemas.openxmlformats.org/drawingml/2006/table">
+            <a:tbl>
+              <a:tblPr firstRow="1" bandRow="1">
+                <a:tableStyleId>{5C22544A-7EE6-4342-B048-85BDC9FD1C3A}</a:tableStyleId>
+              </a:tblPr>
+              <a:tblGrid>
+                <a:gridCol w="3433217">
+                  <a:extLst>
+                    <a:ext uri="{9D8B030D-6E8A-4147-A177-3AD203B41FA5}">
+                      <a16:colId xmlns:a16="http://schemas.microsoft.com/office/drawing/2014/main" val="4181162481"/>
+                    </a:ext>
+                  </a:extLst>
+                </a:gridCol>
+                <a:gridCol w="3433217">
+                  <a:extLst>
+                    <a:ext uri="{9D8B030D-6E8A-4147-A177-3AD203B41FA5}">
+                      <a16:colId xmlns:a16="http://schemas.microsoft.com/office/drawing/2014/main" val="2372969470"/>
+                    </a:ext>
+                  </a:extLst>
+                </a:gridCol>
+              </a:tblGrid>
+              <a:tr h="354221">
+                <a:tc>
+                  <a:txBody>
+                    <a:bodyPr/>
+                    <a:lstStyle/>
+                    <a:p>
+                      <a:pPr algn="ctr" rtl="0" fontAlgn="ctr"/>
+                      <a:r>
+                        <a:rPr lang="en-US" sz="1400" u="none" strike="noStrike">
+                          <a:effectLst/>
+                        </a:rPr>
+                        <a:t>Module Contributed</a:t>
+                      </a:r>
+                      <a:endParaRPr lang="en-US" sz="1400" b="1" i="0" u="none" strike="noStrike">
+                        <a:solidFill>
+                          <a:srgbClr val="FFFFFF"/>
+                        </a:solidFill>
+                        <a:effectLst/>
+                        <a:latin typeface="Myriad Pro"/>
+                      </a:endParaRPr>
+                    </a:p>
+                  </a:txBody>
+                  <a:tcPr marL="6350" marR="6350" marT="6350" marB="0" anchor="ctr"/>
+                </a:tc>
+                <a:tc>
+                  <a:txBody>
+                    <a:bodyPr/>
+                    <a:lstStyle/>
+                    <a:p>
+                      <a:pPr algn="ctr" rtl="0" fontAlgn="ctr"/>
+                      <a:r>
+                        <a:rPr lang="en-US" sz="1400" u="none" strike="noStrike" dirty="0" smtClean="0">
+                          <a:effectLst/>
+                        </a:rPr>
+                        <a:t>Team member Name</a:t>
+                      </a:r>
+                      <a:endParaRPr lang="en-US" sz="1400" b="1" i="0" u="none" strike="noStrike" dirty="0">
+                        <a:solidFill>
+                          <a:srgbClr val="FFFFFF"/>
+                        </a:solidFill>
+                        <a:effectLst/>
+                        <a:latin typeface="Myriad Pro"/>
+                      </a:endParaRPr>
+                    </a:p>
+                  </a:txBody>
+                  <a:tcPr marL="6350" marR="6350" marT="6350" marB="0" anchor="ctr"/>
+                </a:tc>
+                <a:extLst>
+                  <a:ext uri="{0D108BD9-81ED-4DB2-BD59-A6C34878D82A}">
+                    <a16:rowId xmlns:a16="http://schemas.microsoft.com/office/drawing/2014/main" val="4155708615"/>
+                  </a:ext>
+                </a:extLst>
+              </a:tr>
+              <a:tr h="354221">
+                <a:tc rowSpan="3">
+                  <a:txBody>
+                    <a:bodyPr/>
+                    <a:lstStyle/>
+                    <a:p>
+                      <a:pPr algn="ctr" rtl="0" fontAlgn="ctr"/>
+                      <a:r>
+                        <a:rPr lang="en-US" sz="1600" u="none" strike="noStrike" dirty="0">
+                          <a:effectLst/>
+                        </a:rPr>
+                        <a:t>Angular UI</a:t>
+                      </a:r>
+                      <a:endParaRPr lang="en-US" sz="1600" b="0" i="0" u="none" strike="noStrike" dirty="0">
+                        <a:solidFill>
+                          <a:srgbClr val="000000"/>
+                        </a:solidFill>
+                        <a:effectLst/>
+                        <a:latin typeface="Myriad Pro"/>
+                      </a:endParaRPr>
+                    </a:p>
+                  </a:txBody>
+                  <a:tcPr marL="6350" marR="6350" marT="6350" marB="0" anchor="ctr"/>
+                </a:tc>
+                <a:tc>
+                  <a:txBody>
+                    <a:bodyPr/>
+                    <a:lstStyle/>
+                    <a:p>
+                      <a:pPr lvl="2" algn="l" rtl="0" fontAlgn="ctr"/>
+                      <a:r>
+                        <a:rPr lang="en-US" sz="1600" u="none" strike="noStrike" dirty="0">
+                          <a:effectLst/>
+                        </a:rPr>
+                        <a:t>Ishan </a:t>
+                      </a:r>
+                      <a:r>
+                        <a:rPr lang="en-US" sz="1600" u="none" strike="noStrike" dirty="0" err="1">
+                          <a:effectLst/>
+                        </a:rPr>
+                        <a:t>Balar</a:t>
+                      </a:r>
+                      <a:endParaRPr lang="en-US" sz="1600" b="0" i="0" u="none" strike="noStrike" dirty="0">
+                        <a:solidFill>
+                          <a:srgbClr val="000000"/>
+                        </a:solidFill>
+                        <a:effectLst/>
+                        <a:latin typeface="Myriad Pro"/>
+                      </a:endParaRPr>
+                    </a:p>
+                  </a:txBody>
+                  <a:tcPr marL="6350" marR="6350" marT="6350" marB="0" anchor="ctr"/>
+                </a:tc>
+                <a:extLst>
+                  <a:ext uri="{0D108BD9-81ED-4DB2-BD59-A6C34878D82A}">
+                    <a16:rowId xmlns:a16="http://schemas.microsoft.com/office/drawing/2014/main" val="2246832067"/>
+                  </a:ext>
+                </a:extLst>
+              </a:tr>
+              <a:tr h="354221">
+                <a:tc vMerge="1">
+                  <a:txBody>
+                    <a:bodyPr/>
+                    <a:lstStyle/>
+                    <a:p>
+                      <a:endParaRPr lang="en-US"/>
+                    </a:p>
+                  </a:txBody>
+                  <a:tcPr/>
+                </a:tc>
+                <a:tc>
+                  <a:txBody>
+                    <a:bodyPr/>
+                    <a:lstStyle/>
+                    <a:p>
+                      <a:pPr lvl="2" algn="l" rtl="0" fontAlgn="ctr"/>
+                      <a:r>
+                        <a:rPr lang="en-US" sz="1600" u="none" strike="noStrike" dirty="0">
+                          <a:effectLst/>
+                        </a:rPr>
+                        <a:t>Anjali </a:t>
+                      </a:r>
+                      <a:r>
+                        <a:rPr lang="en-US" sz="1600" u="none" strike="noStrike" dirty="0" err="1">
+                          <a:effectLst/>
+                        </a:rPr>
+                        <a:t>Anusuri</a:t>
+                      </a:r>
+                      <a:r>
+                        <a:rPr lang="en-US" sz="1600" u="none" strike="noStrike" dirty="0">
+                          <a:effectLst/>
+                        </a:rPr>
+                        <a:t> </a:t>
+                      </a:r>
+                      <a:endParaRPr lang="en-US" sz="1600" b="0" i="0" u="none" strike="noStrike" dirty="0">
+                        <a:solidFill>
+                          <a:srgbClr val="000000"/>
+                        </a:solidFill>
+                        <a:effectLst/>
+                        <a:latin typeface="Myriad Pro"/>
+                      </a:endParaRPr>
+                    </a:p>
+                  </a:txBody>
+                  <a:tcPr marL="6350" marR="6350" marT="6350" marB="0" anchor="ctr"/>
+                </a:tc>
+                <a:extLst>
+                  <a:ext uri="{0D108BD9-81ED-4DB2-BD59-A6C34878D82A}">
+                    <a16:rowId xmlns:a16="http://schemas.microsoft.com/office/drawing/2014/main" val="2890223065"/>
+                  </a:ext>
+                </a:extLst>
+              </a:tr>
+              <a:tr h="344647">
+                <a:tc vMerge="1">
+                  <a:txBody>
+                    <a:bodyPr/>
+                    <a:lstStyle/>
+                    <a:p>
+                      <a:endParaRPr lang="en-US"/>
+                    </a:p>
+                  </a:txBody>
+                  <a:tcPr/>
+                </a:tc>
+                <a:tc>
+                  <a:txBody>
+                    <a:bodyPr/>
+                    <a:lstStyle/>
+                    <a:p>
+                      <a:pPr lvl="2" algn="l" rtl="0" fontAlgn="ctr"/>
+                      <a:r>
+                        <a:rPr lang="en-US" sz="1600" u="none" strike="noStrike" dirty="0" err="1">
+                          <a:effectLst/>
+                        </a:rPr>
+                        <a:t>Kanika</a:t>
+                      </a:r>
+                      <a:r>
+                        <a:rPr lang="en-US" sz="1600" u="none" strike="noStrike" dirty="0">
+                          <a:effectLst/>
+                        </a:rPr>
+                        <a:t> </a:t>
+                      </a:r>
+                      <a:r>
+                        <a:rPr lang="en-US" sz="1600" u="none" strike="noStrike" dirty="0" err="1">
+                          <a:effectLst/>
+                        </a:rPr>
+                        <a:t>Rawat</a:t>
+                      </a:r>
+                      <a:endParaRPr lang="en-US" sz="1600" b="0" i="0" u="none" strike="noStrike" dirty="0">
+                        <a:solidFill>
+                          <a:srgbClr val="000000"/>
+                        </a:solidFill>
+                        <a:effectLst/>
+                        <a:latin typeface="Myriad Pro"/>
+                      </a:endParaRPr>
+                    </a:p>
+                  </a:txBody>
+                  <a:tcPr marL="6350" marR="6350" marT="6350" marB="0" anchor="ctr"/>
+                </a:tc>
+                <a:extLst>
+                  <a:ext uri="{0D108BD9-81ED-4DB2-BD59-A6C34878D82A}">
+                    <a16:rowId xmlns:a16="http://schemas.microsoft.com/office/drawing/2014/main" val="1251485252"/>
+                  </a:ext>
+                </a:extLst>
+              </a:tr>
+              <a:tr h="344647">
+                <a:tc rowSpan="3">
+                  <a:txBody>
+                    <a:bodyPr/>
+                    <a:lstStyle/>
+                    <a:p>
+                      <a:pPr algn="ctr" rtl="0" fontAlgn="ctr"/>
+                      <a:r>
+                        <a:rPr lang="en-US" sz="1600" u="none" strike="noStrike" dirty="0">
+                          <a:effectLst/>
+                        </a:rPr>
+                        <a:t>Node JS</a:t>
+                      </a:r>
+                      <a:endParaRPr lang="en-US" sz="1600" b="0" i="0" u="none" strike="noStrike" dirty="0">
+                        <a:solidFill>
+                          <a:srgbClr val="000000"/>
+                        </a:solidFill>
+                        <a:effectLst/>
+                        <a:latin typeface="Myriad Pro"/>
+                      </a:endParaRPr>
+                    </a:p>
+                  </a:txBody>
+                  <a:tcPr marL="6350" marR="6350" marT="6350" marB="0" anchor="ctr"/>
+                </a:tc>
+                <a:tc>
+                  <a:txBody>
+                    <a:bodyPr/>
+                    <a:lstStyle/>
+                    <a:p>
+                      <a:pPr lvl="2" algn="l" rtl="0" fontAlgn="ctr"/>
+                      <a:r>
+                        <a:rPr lang="en-US" sz="1600" u="none" strike="noStrike" dirty="0" err="1">
+                          <a:effectLst/>
+                        </a:rPr>
+                        <a:t>Manprit</a:t>
+                      </a:r>
+                      <a:r>
+                        <a:rPr lang="en-US" sz="1600" u="none" strike="noStrike" dirty="0">
+                          <a:effectLst/>
+                        </a:rPr>
+                        <a:t> </a:t>
+                      </a:r>
+                      <a:r>
+                        <a:rPr lang="en-US" sz="1600" u="none" strike="noStrike" dirty="0" err="1">
+                          <a:effectLst/>
+                        </a:rPr>
+                        <a:t>Bagga</a:t>
+                      </a:r>
+                      <a:endParaRPr lang="en-US" sz="1600" b="0" i="0" u="none" strike="noStrike" dirty="0">
+                        <a:solidFill>
+                          <a:srgbClr val="000000"/>
+                        </a:solidFill>
+                        <a:effectLst/>
+                        <a:latin typeface="Myriad Pro"/>
+                      </a:endParaRPr>
+                    </a:p>
+                  </a:txBody>
+                  <a:tcPr marL="6350" marR="6350" marT="6350" marB="0" anchor="ctr"/>
+                </a:tc>
+                <a:extLst>
+                  <a:ext uri="{0D108BD9-81ED-4DB2-BD59-A6C34878D82A}">
+                    <a16:rowId xmlns:a16="http://schemas.microsoft.com/office/drawing/2014/main" val="670146914"/>
+                  </a:ext>
+                </a:extLst>
+              </a:tr>
+              <a:tr h="344647">
+                <a:tc vMerge="1">
+                  <a:txBody>
+                    <a:bodyPr/>
+                    <a:lstStyle/>
+                    <a:p>
+                      <a:endParaRPr lang="en-US"/>
+                    </a:p>
+                  </a:txBody>
+                  <a:tcPr/>
+                </a:tc>
+                <a:tc>
+                  <a:txBody>
+                    <a:bodyPr/>
+                    <a:lstStyle/>
+                    <a:p>
+                      <a:pPr lvl="2" algn="l" rtl="0" fontAlgn="ctr"/>
+                      <a:r>
+                        <a:rPr lang="en-US" sz="1600" u="none" strike="noStrike" dirty="0">
+                          <a:effectLst/>
+                        </a:rPr>
+                        <a:t>Nathan Rollins</a:t>
+                      </a:r>
+                      <a:endParaRPr lang="en-US" sz="1600" b="0" i="0" u="none" strike="noStrike" dirty="0">
+                        <a:solidFill>
+                          <a:srgbClr val="000000"/>
+                        </a:solidFill>
+                        <a:effectLst/>
+                        <a:latin typeface="Myriad Pro"/>
+                      </a:endParaRPr>
+                    </a:p>
+                  </a:txBody>
+                  <a:tcPr marL="6350" marR="6350" marT="6350" marB="0" anchor="ctr"/>
+                </a:tc>
+                <a:extLst>
+                  <a:ext uri="{0D108BD9-81ED-4DB2-BD59-A6C34878D82A}">
+                    <a16:rowId xmlns:a16="http://schemas.microsoft.com/office/drawing/2014/main" val="672127914"/>
+                  </a:ext>
+                </a:extLst>
+              </a:tr>
+              <a:tr h="344647">
+                <a:tc vMerge="1">
+                  <a:txBody>
+                    <a:bodyPr/>
+                    <a:lstStyle/>
+                    <a:p>
+                      <a:endParaRPr lang="en-US"/>
+                    </a:p>
+                  </a:txBody>
+                  <a:tcPr/>
+                </a:tc>
+                <a:tc>
+                  <a:txBody>
+                    <a:bodyPr/>
+                    <a:lstStyle/>
+                    <a:p>
+                      <a:pPr lvl="2" algn="l" rtl="0" fontAlgn="ctr"/>
+                      <a:r>
+                        <a:rPr lang="en-US" sz="1600" u="none" strike="noStrike" dirty="0" err="1">
+                          <a:effectLst/>
+                        </a:rPr>
+                        <a:t>Borothana</a:t>
+                      </a:r>
+                      <a:r>
+                        <a:rPr lang="en-US" sz="1600" u="none" strike="noStrike" dirty="0">
+                          <a:effectLst/>
+                        </a:rPr>
+                        <a:t> </a:t>
+                      </a:r>
+                      <a:r>
+                        <a:rPr lang="en-US" sz="1600" u="none" strike="noStrike" dirty="0" err="1">
+                          <a:effectLst/>
+                        </a:rPr>
+                        <a:t>Doul</a:t>
+                      </a:r>
+                      <a:endParaRPr lang="en-US" sz="1600" b="0" i="0" u="none" strike="noStrike" dirty="0">
+                        <a:solidFill>
+                          <a:srgbClr val="000000"/>
+                        </a:solidFill>
+                        <a:effectLst/>
+                        <a:latin typeface="Myriad Pro"/>
+                      </a:endParaRPr>
+                    </a:p>
+                  </a:txBody>
+                  <a:tcPr marL="6350" marR="6350" marT="6350" marB="0" anchor="ctr"/>
+                </a:tc>
+                <a:extLst>
+                  <a:ext uri="{0D108BD9-81ED-4DB2-BD59-A6C34878D82A}">
+                    <a16:rowId xmlns:a16="http://schemas.microsoft.com/office/drawing/2014/main" val="2228846487"/>
+                  </a:ext>
+                </a:extLst>
+              </a:tr>
+              <a:tr h="344647">
+                <a:tc rowSpan="3">
+                  <a:txBody>
+                    <a:bodyPr/>
+                    <a:lstStyle/>
+                    <a:p>
+                      <a:pPr algn="ctr" rtl="0" fontAlgn="ctr"/>
+                      <a:r>
+                        <a:rPr lang="en-US" sz="1600" u="none" strike="noStrike" dirty="0">
+                          <a:effectLst/>
+                        </a:rPr>
+                        <a:t>Python ARIMA</a:t>
+                      </a:r>
+                      <a:endParaRPr lang="en-US" sz="1600" b="0" i="0" u="none" strike="noStrike" dirty="0">
+                        <a:solidFill>
+                          <a:srgbClr val="000000"/>
+                        </a:solidFill>
+                        <a:effectLst/>
+                        <a:latin typeface="Myriad Pro"/>
+                      </a:endParaRPr>
+                    </a:p>
+                  </a:txBody>
+                  <a:tcPr marL="6350" marR="6350" marT="6350" marB="0" anchor="ctr"/>
+                </a:tc>
+                <a:tc>
+                  <a:txBody>
+                    <a:bodyPr/>
+                    <a:lstStyle/>
+                    <a:p>
+                      <a:pPr lvl="2" algn="l" rtl="0" fontAlgn="ctr"/>
+                      <a:r>
+                        <a:rPr lang="en-US" sz="1600" u="none" strike="noStrike" dirty="0" err="1">
+                          <a:effectLst/>
+                        </a:rPr>
+                        <a:t>Tousif</a:t>
+                      </a:r>
+                      <a:r>
+                        <a:rPr lang="en-US" sz="1600" u="none" strike="noStrike" dirty="0">
+                          <a:effectLst/>
+                        </a:rPr>
+                        <a:t> </a:t>
+                      </a:r>
+                      <a:r>
+                        <a:rPr lang="en-US" sz="1600" u="none" strike="noStrike" dirty="0" err="1">
+                          <a:effectLst/>
+                        </a:rPr>
+                        <a:t>Murshed</a:t>
+                      </a:r>
+                      <a:endParaRPr lang="en-US" sz="1600" b="0" i="0" u="none" strike="noStrike" dirty="0">
+                        <a:solidFill>
+                          <a:srgbClr val="000000"/>
+                        </a:solidFill>
+                        <a:effectLst/>
+                        <a:latin typeface="Myriad Pro"/>
+                      </a:endParaRPr>
+                    </a:p>
+                  </a:txBody>
+                  <a:tcPr marL="6350" marR="6350" marT="6350" marB="0" anchor="ctr"/>
+                </a:tc>
+                <a:extLst>
+                  <a:ext uri="{0D108BD9-81ED-4DB2-BD59-A6C34878D82A}">
+                    <a16:rowId xmlns:a16="http://schemas.microsoft.com/office/drawing/2014/main" val="1348555890"/>
+                  </a:ext>
+                </a:extLst>
+              </a:tr>
+              <a:tr h="344647">
+                <a:tc vMerge="1">
+                  <a:txBody>
+                    <a:bodyPr/>
+                    <a:lstStyle/>
+                    <a:p>
+                      <a:endParaRPr lang="en-US"/>
+                    </a:p>
+                  </a:txBody>
+                  <a:tcPr/>
+                </a:tc>
+                <a:tc>
+                  <a:txBody>
+                    <a:bodyPr/>
+                    <a:lstStyle/>
+                    <a:p>
+                      <a:pPr lvl="2" algn="l" rtl="0" fontAlgn="ctr"/>
+                      <a:r>
+                        <a:rPr lang="en-US" sz="1600" u="none" strike="noStrike" dirty="0" err="1">
+                          <a:effectLst/>
+                        </a:rPr>
+                        <a:t>Nishant</a:t>
+                      </a:r>
+                      <a:r>
+                        <a:rPr lang="en-US" sz="1600" u="none" strike="noStrike" dirty="0">
+                          <a:effectLst/>
+                        </a:rPr>
+                        <a:t> Kumar</a:t>
+                      </a:r>
+                      <a:endParaRPr lang="en-US" sz="1600" b="0" i="0" u="none" strike="noStrike" dirty="0">
+                        <a:solidFill>
+                          <a:srgbClr val="000000"/>
+                        </a:solidFill>
+                        <a:effectLst/>
+                        <a:latin typeface="Myriad Pro"/>
+                      </a:endParaRPr>
+                    </a:p>
+                  </a:txBody>
+                  <a:tcPr marL="6350" marR="6350" marT="6350" marB="0" anchor="ctr"/>
+                </a:tc>
+                <a:extLst>
+                  <a:ext uri="{0D108BD9-81ED-4DB2-BD59-A6C34878D82A}">
+                    <a16:rowId xmlns:a16="http://schemas.microsoft.com/office/drawing/2014/main" val="532930118"/>
+                  </a:ext>
+                </a:extLst>
+              </a:tr>
+              <a:tr h="344647">
+                <a:tc vMerge="1">
+                  <a:txBody>
+                    <a:bodyPr/>
+                    <a:lstStyle/>
+                    <a:p>
+                      <a:endParaRPr lang="en-US"/>
+                    </a:p>
+                  </a:txBody>
+                  <a:tcPr/>
+                </a:tc>
+                <a:tc>
+                  <a:txBody>
+                    <a:bodyPr/>
+                    <a:lstStyle/>
+                    <a:p>
+                      <a:pPr lvl="2" algn="l" rtl="0" fontAlgn="ctr"/>
+                      <a:r>
+                        <a:rPr lang="en-US" sz="1600" u="none" strike="noStrike" dirty="0">
+                          <a:effectLst/>
+                        </a:rPr>
+                        <a:t>Subbarao Magapu</a:t>
+                      </a:r>
+                      <a:endParaRPr lang="en-US" sz="1600" b="0" i="0" u="none" strike="noStrike" dirty="0">
+                        <a:solidFill>
+                          <a:srgbClr val="000000"/>
+                        </a:solidFill>
+                        <a:effectLst/>
+                        <a:latin typeface="Myriad Pro"/>
+                      </a:endParaRPr>
+                    </a:p>
+                  </a:txBody>
+                  <a:tcPr marL="6350" marR="6350" marT="6350" marB="0" anchor="ctr"/>
+                </a:tc>
+                <a:extLst>
+                  <a:ext uri="{0D108BD9-81ED-4DB2-BD59-A6C34878D82A}">
+                    <a16:rowId xmlns:a16="http://schemas.microsoft.com/office/drawing/2014/main" val="3341365654"/>
+                  </a:ext>
+                </a:extLst>
+              </a:tr>
+            </a:tbl>
+          </a:graphicData>
+        </a:graphic>
+      </p:graphicFrame>
     </p:spTree>
     <p:extLst>
       <p:ext uri="{BB962C8B-B14F-4D97-AF65-F5344CB8AC3E}">
-        <p14:creationId xmlns:p14="http://schemas.microsoft.com/office/powerpoint/2010/main" val="2788469073"/>
+        <p14:creationId xmlns:p14="http://schemas.microsoft.com/office/powerpoint/2010/main" val="254312320"/>
       </p:ext>
     </p:extLst>
   </p:cSld>
@@ -3609,55 +3674,6 @@
       </p:grpSpPr>
       <p:sp>
         <p:nvSpPr>
-          <p:cNvPr id="2" name="Title 1"/>
-          <p:cNvSpPr>
-            <a:spLocks noGrp="1"/>
-          </p:cNvSpPr>
-          <p:nvPr>
-            <p:ph type="title"/>
-          </p:nvPr>
-        </p:nvSpPr>
-        <p:spPr>
-          <a:xfrm>
-            <a:off x="403761" y="159855"/>
-            <a:ext cx="6244784" cy="481985"/>
-          </a:xfrm>
-        </p:spPr>
-        <p:txBody>
-          <a:bodyPr wrap="square">
-            <a:normAutofit/>
-          </a:bodyPr>
-          <a:lstStyle/>
-          <a:p>
-            <a:r>
-              <a:rPr lang="en-US" sz="1800" dirty="0">
-                <a:solidFill>
-                  <a:schemeClr val="tx2"/>
-                </a:solidFill>
-                <a:cs typeface="Arial" pitchFamily="34" charset="0"/>
-              </a:rPr>
-              <a:t>ARIMA Sales Forecasting – </a:t>
-            </a:r>
-            <a:r>
-              <a:rPr lang="en-US" sz="1800" dirty="0" smtClean="0">
-                <a:solidFill>
-                  <a:schemeClr val="tx2"/>
-                </a:solidFill>
-                <a:cs typeface="Arial" pitchFamily="34" charset="0"/>
-              </a:rPr>
-              <a:t>Architecture &amp; Technology Stack</a:t>
-            </a:r>
-            <a:endParaRPr lang="en-US" sz="1800" dirty="0">
-              <a:solidFill>
-                <a:schemeClr val="tx2"/>
-              </a:solidFill>
-              <a:cs typeface="Arial" pitchFamily="34" charset="0"/>
-            </a:endParaRPr>
-          </a:p>
-        </p:txBody>
-      </p:sp>
-      <p:sp>
-        <p:nvSpPr>
           <p:cNvPr id="4" name="Text Placeholder 3"/>
           <p:cNvSpPr>
             <a:spLocks noGrp="1"/>
@@ -3742,7 +3758,7 @@
         <p:spPr>
           <a:xfrm>
             <a:off x="3238577" y="797854"/>
-            <a:ext cx="2702381" cy="3917125"/>
+            <a:ext cx="2702381" cy="2011085"/>
           </a:xfrm>
           <a:prstGeom prst="roundRect">
             <a:avLst>
@@ -3846,47 +3862,6 @@
           </a:p>
         </p:txBody>
       </p:sp>
-      <p:pic>
-        <p:nvPicPr>
-          <p:cNvPr id="1072" name="Picture 48" descr="Related image"/>
-          <p:cNvPicPr>
-            <a:picLocks noChangeAspect="1" noChangeArrowheads="1"/>
-          </p:cNvPicPr>
-          <p:nvPr/>
-        </p:nvPicPr>
-        <p:blipFill>
-          <a:blip r:embed="rId2" cstate="print">
-            <a:extLst>
-              <a:ext uri="{28A0092B-C50C-407E-A947-70E740481C1C}">
-                <a14:useLocalDpi xmlns:a14="http://schemas.microsoft.com/office/drawing/2010/main" val="0"/>
-              </a:ext>
-            </a:extLst>
-          </a:blip>
-          <a:srcRect/>
-          <a:stretch>
-            <a:fillRect/>
-          </a:stretch>
-        </p:blipFill>
-        <p:spPr bwMode="auto">
-          <a:xfrm>
-            <a:off x="4151199" y="3382944"/>
-            <a:ext cx="1058288" cy="1058288"/>
-          </a:xfrm>
-          <a:prstGeom prst="rect">
-            <a:avLst/>
-          </a:prstGeom>
-          <a:noFill/>
-          <a:extLst>
-            <a:ext uri="{909E8E84-426E-40DD-AFC4-6F175D3DCCD1}">
-              <a14:hiddenFill xmlns:a14="http://schemas.microsoft.com/office/drawing/2010/main">
-                <a:solidFill>
-                  <a:srgbClr val="FFFFFF"/>
-                </a:solidFill>
-              </a14:hiddenFill>
-            </a:ext>
-          </a:extLst>
-        </p:spPr>
-      </p:pic>
       <p:cxnSp>
         <p:nvCxnSpPr>
           <p:cNvPr id="18" name="Straight Arrow Connector 17"/>
@@ -3928,8 +3903,8 @@
         </p:nvCxnSpPr>
         <p:spPr>
           <a:xfrm>
-            <a:off x="4782622" y="2680493"/>
-            <a:ext cx="0" cy="580911"/>
+            <a:off x="4454558" y="2609567"/>
+            <a:ext cx="0" cy="639002"/>
           </a:xfrm>
           <a:prstGeom prst="straightConnector1">
             <a:avLst/>
@@ -3961,8 +3936,8 @@
         </p:nvCxnSpPr>
         <p:spPr>
           <a:xfrm flipV="1">
-            <a:off x="4337456" y="2680493"/>
-            <a:ext cx="0" cy="534640"/>
+            <a:off x="4714386" y="2618861"/>
+            <a:ext cx="0" cy="588104"/>
           </a:xfrm>
           <a:prstGeom prst="straightConnector1">
             <a:avLst/>
@@ -3995,7 +3970,7 @@
           <p:nvPr/>
         </p:nvPicPr>
         <p:blipFill>
-          <a:blip r:embed="rId3" cstate="print">
+          <a:blip r:embed="rId2" cstate="print">
             <a:extLst>
               <a:ext uri="{28A0092B-C50C-407E-A947-70E740481C1C}">
                 <a14:useLocalDpi xmlns:a14="http://schemas.microsoft.com/office/drawing/2010/main" val="0"/>
@@ -4009,8 +3984,8 @@
         </p:blipFill>
         <p:spPr bwMode="auto">
           <a:xfrm>
-            <a:off x="7107677" y="1458360"/>
-            <a:ext cx="1188720" cy="1188720"/>
+            <a:off x="7116535" y="1441658"/>
+            <a:ext cx="291285" cy="291285"/>
           </a:xfrm>
           <a:prstGeom prst="rect">
             <a:avLst/>
@@ -4036,7 +4011,7 @@
           <p:nvPr/>
         </p:nvPicPr>
         <p:blipFill>
-          <a:blip r:embed="rId4" cstate="print">
+          <a:blip r:embed="rId3" cstate="print">
             <a:extLst>
               <a:ext uri="{28A0092B-C50C-407E-A947-70E740481C1C}">
                 <a14:useLocalDpi xmlns:a14="http://schemas.microsoft.com/office/drawing/2010/main" val="0"/>
@@ -4106,14 +4081,20 @@
             <a:p>
               <a:pPr algn="ctr"/>
               <a:r>
-                <a:rPr lang="en-US" sz="1600" dirty="0">
+                <a:rPr lang="en-US" sz="1600" dirty="0" smtClean="0">
                   <a:solidFill>
                     <a:srgbClr val="FBB141"/>
                   </a:solidFill>
                   <a:latin typeface="Calibri" panose="020F0502020204030204" pitchFamily="34" charset="0"/>
                 </a:rPr>
-                <a:t>Server Layer</a:t>
+                <a:t>Node JS Service</a:t>
               </a:r>
+              <a:endParaRPr lang="en-US" sz="1600" dirty="0">
+                <a:solidFill>
+                  <a:srgbClr val="FBB141"/>
+                </a:solidFill>
+                <a:latin typeface="Calibri" panose="020F0502020204030204" pitchFamily="34" charset="0"/>
+              </a:endParaRPr>
             </a:p>
           </p:txBody>
         </p:sp>
@@ -4126,7 +4107,7 @@
             <p:nvPr/>
           </p:nvPicPr>
           <p:blipFill>
-            <a:blip r:embed="rId5" cstate="print">
+            <a:blip r:embed="rId4" cstate="print">
               <a:extLst>
                 <a:ext uri="{28A0092B-C50C-407E-A947-70E740481C1C}">
                   <a14:useLocalDpi xmlns:a14="http://schemas.microsoft.com/office/drawing/2010/main" val="0"/>
@@ -4217,7 +4198,7 @@
             <p:nvPr/>
           </p:nvPicPr>
           <p:blipFill>
-            <a:blip r:embed="rId6" cstate="print">
+            <a:blip r:embed="rId5" cstate="print">
               <a:extLst>
                 <a:ext uri="{28A0092B-C50C-407E-A947-70E740481C1C}">
                   <a14:useLocalDpi xmlns:a14="http://schemas.microsoft.com/office/drawing/2010/main" val="0"/>
@@ -4258,7 +4239,7 @@
         </p:nvGrpSpPr>
         <p:grpSpPr>
           <a:xfrm>
-            <a:off x="933923" y="860394"/>
+            <a:off x="835616" y="838049"/>
             <a:ext cx="1772586" cy="377796"/>
             <a:chOff x="933923" y="860394"/>
             <a:chExt cx="1772586" cy="377796"/>
@@ -4308,7 +4289,7 @@
             <p:nvPr/>
           </p:nvPicPr>
           <p:blipFill>
-            <a:blip r:embed="rId7" cstate="print">
+            <a:blip r:embed="rId6" cstate="print">
               <a:extLst>
                 <a:ext uri="{28A0092B-C50C-407E-A947-70E740481C1C}">
                   <a14:useLocalDpi xmlns:a14="http://schemas.microsoft.com/office/drawing/2010/main" val="0"/>
@@ -4350,7 +4331,7 @@
           <p:nvPr/>
         </p:nvPicPr>
         <p:blipFill>
-          <a:blip r:embed="rId8" cstate="print">
+          <a:blip r:embed="rId7" cstate="print">
             <a:extLst>
               <a:ext uri="{28A0092B-C50C-407E-A947-70E740481C1C}">
                 <a14:useLocalDpi xmlns:a14="http://schemas.microsoft.com/office/drawing/2010/main" val="0"/>
@@ -4423,8 +4404,8 @@
         </p:nvCxnSpPr>
         <p:spPr>
           <a:xfrm>
-            <a:off x="5102296" y="1859441"/>
-            <a:ext cx="1884242" cy="0"/>
+            <a:off x="5063924" y="1859441"/>
+            <a:ext cx="2072666" cy="0"/>
           </a:xfrm>
           <a:prstGeom prst="straightConnector1">
             <a:avLst/>
@@ -4456,8 +4437,8 @@
         </p:nvCxnSpPr>
         <p:spPr>
           <a:xfrm flipH="1">
-            <a:off x="5114953" y="2203305"/>
-            <a:ext cx="1858928" cy="0"/>
+            <a:off x="5077847" y="2203305"/>
+            <a:ext cx="2044821" cy="0"/>
           </a:xfrm>
           <a:prstGeom prst="straightConnector1">
             <a:avLst/>
@@ -4607,8 +4588,8 @@
         </p:nvSpPr>
         <p:spPr>
           <a:xfrm>
-            <a:off x="3929331" y="2776113"/>
-            <a:ext cx="816249" cy="338554"/>
+            <a:off x="4678750" y="2882912"/>
+            <a:ext cx="750526" cy="338554"/>
           </a:xfrm>
           <a:prstGeom prst="rect">
             <a:avLst/>
@@ -4621,49 +4602,16 @@
           <a:lstStyle/>
           <a:p>
             <a:r>
-              <a:rPr lang="en-US" sz="800" dirty="0"/>
-              <a:t>History and </a:t>
-            </a:r>
-          </a:p>
-          <a:p>
-            <a:r>
-              <a:rPr lang="en-US" sz="800" dirty="0"/>
-              <a:t>Forecast data</a:t>
-            </a:r>
-          </a:p>
-        </p:txBody>
-      </p:sp>
-      <p:sp>
-        <p:nvSpPr>
-          <p:cNvPr id="187" name="Rectangle 186"/>
-          <p:cNvSpPr/>
-          <p:nvPr/>
-        </p:nvSpPr>
-        <p:spPr>
-          <a:xfrm>
-            <a:off x="4487286" y="2470385"/>
-            <a:ext cx="947695" cy="338554"/>
-          </a:xfrm>
-          <a:prstGeom prst="rect">
-            <a:avLst/>
-          </a:prstGeom>
-        </p:spPr>
-        <p:txBody>
-          <a:bodyPr wrap="none">
-            <a:spAutoFit/>
-          </a:bodyPr>
-          <a:lstStyle/>
-          <a:p>
-            <a:r>
-              <a:rPr lang="en-US" sz="800" dirty="0"/>
-              <a:t>Update Forecast</a:t>
-            </a:r>
-          </a:p>
-          <a:p>
-            <a:r>
-              <a:rPr lang="en-US" sz="800" dirty="0"/>
-              <a:t> Data</a:t>
-            </a:r>
+              <a:rPr lang="en-US" sz="800" dirty="0" smtClean="0"/>
+              <a:t>Fetch the </a:t>
+            </a:r>
+          </a:p>
+          <a:p>
+            <a:r>
+              <a:rPr lang="en-US" sz="800" dirty="0" smtClean="0"/>
+              <a:t>History Data</a:t>
+            </a:r>
+            <a:endParaRPr lang="en-US" sz="800" dirty="0"/>
           </a:p>
         </p:txBody>
       </p:sp>
@@ -4682,15 +4630,15 @@
           <p:nvPr/>
         </p:nvPicPr>
         <p:blipFill>
-          <a:blip r:embed="rId9"/>
+          <a:blip r:embed="rId8"/>
           <a:stretch>
             <a:fillRect/>
           </a:stretch>
         </p:blipFill>
         <p:spPr>
           <a:xfrm>
-            <a:off x="289164" y="894183"/>
-            <a:ext cx="349003" cy="304128"/>
+            <a:off x="319434" y="920572"/>
+            <a:ext cx="288462" cy="251350"/>
           </a:xfrm>
           <a:prstGeom prst="rect">
             <a:avLst/>
@@ -4705,8 +4653,8 @@
         </p:nvSpPr>
         <p:spPr>
           <a:xfrm>
-            <a:off x="706518" y="942322"/>
-            <a:ext cx="199485" cy="242029"/>
+            <a:off x="657379" y="955327"/>
+            <a:ext cx="149876" cy="181840"/>
           </a:xfrm>
           <a:prstGeom prst="plus">
             <a:avLst/>
@@ -4734,6 +4682,441 @@
           <a:p>
             <a:pPr algn="ctr"/>
             <a:endParaRPr lang="en-US"/>
+          </a:p>
+        </p:txBody>
+      </p:sp>
+      <p:sp>
+        <p:nvSpPr>
+          <p:cNvPr id="34" name="Rounded Rectangle 33"/>
+          <p:cNvSpPr/>
+          <p:nvPr/>
+        </p:nvSpPr>
+        <p:spPr>
+          <a:xfrm>
+            <a:off x="3238577" y="2851786"/>
+            <a:ext cx="2702381" cy="1823150"/>
+          </a:xfrm>
+          <a:prstGeom prst="roundRect">
+            <a:avLst>
+              <a:gd name="adj" fmla="val 4869"/>
+            </a:avLst>
+          </a:prstGeom>
+          <a:noFill/>
+          <a:ln w="12700">
+            <a:solidFill>
+              <a:schemeClr val="accent6">
+                <a:lumMod val="60000"/>
+                <a:lumOff val="40000"/>
+              </a:schemeClr>
+            </a:solidFill>
+            <a:prstDash val="sysDash"/>
+          </a:ln>
+        </p:spPr>
+        <p:style>
+          <a:lnRef idx="2">
+            <a:schemeClr val="accent1"/>
+          </a:lnRef>
+          <a:fillRef idx="1">
+            <a:schemeClr val="lt1"/>
+          </a:fillRef>
+          <a:effectRef idx="0">
+            <a:schemeClr val="accent1"/>
+          </a:effectRef>
+          <a:fontRef idx="minor">
+            <a:schemeClr val="dk1"/>
+          </a:fontRef>
+        </p:style>
+        <p:txBody>
+          <a:bodyPr vert="horz" wrap="square" lIns="91440" tIns="45720" rIns="91440" bIns="45720" numCol="1" anchor="ctr" anchorCtr="0" compatLnSpc="1">
+            <a:prstTxWarp prst="textNoShape">
+              <a:avLst/>
+            </a:prstTxWarp>
+          </a:bodyPr>
+          <a:lstStyle/>
+          <a:p>
+            <a:pPr algn="ctr"/>
+            <a:endParaRPr lang="en-US" dirty="0">
+              <a:solidFill>
+                <a:schemeClr val="bg1"/>
+              </a:solidFill>
+            </a:endParaRPr>
+          </a:p>
+        </p:txBody>
+      </p:sp>
+      <p:sp>
+        <p:nvSpPr>
+          <p:cNvPr id="35" name="Rectangle 34"/>
+          <p:cNvSpPr/>
+          <p:nvPr/>
+        </p:nvSpPr>
+        <p:spPr>
+          <a:xfrm>
+            <a:off x="3772375" y="2491809"/>
+            <a:ext cx="750526" cy="338554"/>
+          </a:xfrm>
+          <a:prstGeom prst="rect">
+            <a:avLst/>
+          </a:prstGeom>
+        </p:spPr>
+        <p:txBody>
+          <a:bodyPr wrap="none">
+            <a:spAutoFit/>
+          </a:bodyPr>
+          <a:lstStyle/>
+          <a:p>
+            <a:r>
+              <a:rPr lang="en-US" sz="800" dirty="0" smtClean="0"/>
+              <a:t>Request for </a:t>
+            </a:r>
+          </a:p>
+          <a:p>
+            <a:r>
+              <a:rPr lang="en-US" sz="800" dirty="0" smtClean="0"/>
+              <a:t>History Data</a:t>
+            </a:r>
+            <a:endParaRPr lang="en-US" sz="800" dirty="0"/>
+          </a:p>
+        </p:txBody>
+      </p:sp>
+      <p:pic>
+        <p:nvPicPr>
+          <p:cNvPr id="39" name="Picture 50" descr="Image result for REst API icon"/>
+          <p:cNvPicPr>
+            <a:picLocks noChangeAspect="1" noChangeArrowheads="1"/>
+          </p:cNvPicPr>
+          <p:nvPr/>
+        </p:nvPicPr>
+        <p:blipFill>
+          <a:blip r:embed="rId2" cstate="print">
+            <a:extLst>
+              <a:ext uri="{28A0092B-C50C-407E-A947-70E740481C1C}">
+                <a14:useLocalDpi xmlns:a14="http://schemas.microsoft.com/office/drawing/2010/main" val="0"/>
+              </a:ext>
+            </a:extLst>
+          </a:blip>
+          <a:srcRect/>
+          <a:stretch>
+            <a:fillRect/>
+          </a:stretch>
+        </p:blipFill>
+        <p:spPr bwMode="auto">
+          <a:xfrm>
+            <a:off x="4057110" y="1462988"/>
+            <a:ext cx="291285" cy="291285"/>
+          </a:xfrm>
+          <a:prstGeom prst="rect">
+            <a:avLst/>
+          </a:prstGeom>
+          <a:noFill/>
+          <a:extLst>
+            <a:ext uri="{909E8E84-426E-40DD-AFC4-6F175D3DCCD1}">
+              <a14:hiddenFill xmlns:a14="http://schemas.microsoft.com/office/drawing/2010/main">
+                <a:solidFill>
+                  <a:srgbClr val="FFFFFF"/>
+                </a:solidFill>
+              </a14:hiddenFill>
+            </a:ext>
+          </a:extLst>
+        </p:spPr>
+      </p:pic>
+      <p:pic>
+        <p:nvPicPr>
+          <p:cNvPr id="1028" name="Picture 4" descr="Related image"/>
+          <p:cNvPicPr>
+            <a:picLocks noChangeAspect="1" noChangeArrowheads="1"/>
+          </p:cNvPicPr>
+          <p:nvPr/>
+        </p:nvPicPr>
+        <p:blipFill>
+          <a:blip r:embed="rId9" cstate="print">
+            <a:extLst>
+              <a:ext uri="{28A0092B-C50C-407E-A947-70E740481C1C}">
+                <a14:useLocalDpi xmlns:a14="http://schemas.microsoft.com/office/drawing/2010/main" val="0"/>
+              </a:ext>
+            </a:extLst>
+          </a:blip>
+          <a:srcRect/>
+          <a:stretch>
+            <a:fillRect/>
+          </a:stretch>
+        </p:blipFill>
+        <p:spPr bwMode="auto">
+          <a:xfrm>
+            <a:off x="7364357" y="1606417"/>
+            <a:ext cx="797395" cy="797395"/>
+          </a:xfrm>
+          <a:prstGeom prst="rect">
+            <a:avLst/>
+          </a:prstGeom>
+          <a:noFill/>
+          <a:extLst>
+            <a:ext uri="{909E8E84-426E-40DD-AFC4-6F175D3DCCD1}">
+              <a14:hiddenFill xmlns:a14="http://schemas.microsoft.com/office/drawing/2010/main">
+                <a:solidFill>
+                  <a:srgbClr val="FFFFFF"/>
+                </a:solidFill>
+              </a14:hiddenFill>
+            </a:ext>
+          </a:extLst>
+        </p:spPr>
+      </p:pic>
+      <p:pic>
+        <p:nvPicPr>
+          <p:cNvPr id="1034" name="Picture 10" descr="Related image"/>
+          <p:cNvPicPr>
+            <a:picLocks noChangeAspect="1" noChangeArrowheads="1"/>
+          </p:cNvPicPr>
+          <p:nvPr/>
+        </p:nvPicPr>
+        <p:blipFill>
+          <a:blip r:embed="rId10" cstate="print">
+            <a:extLst>
+              <a:ext uri="{28A0092B-C50C-407E-A947-70E740481C1C}">
+                <a14:useLocalDpi xmlns:a14="http://schemas.microsoft.com/office/drawing/2010/main" val="0"/>
+              </a:ext>
+            </a:extLst>
+          </a:blip>
+          <a:srcRect/>
+          <a:stretch>
+            <a:fillRect/>
+          </a:stretch>
+        </p:blipFill>
+        <p:spPr bwMode="auto">
+          <a:xfrm>
+            <a:off x="3669513" y="4238469"/>
+            <a:ext cx="1935550" cy="516145"/>
+          </a:xfrm>
+          <a:prstGeom prst="rect">
+            <a:avLst/>
+          </a:prstGeom>
+          <a:noFill/>
+          <a:extLst>
+            <a:ext uri="{909E8E84-426E-40DD-AFC4-6F175D3DCCD1}">
+              <a14:hiddenFill xmlns:a14="http://schemas.microsoft.com/office/drawing/2010/main">
+                <a:solidFill>
+                  <a:srgbClr val="FFFFFF"/>
+                </a:solidFill>
+              </a14:hiddenFill>
+            </a:ext>
+          </a:extLst>
+        </p:spPr>
+      </p:pic>
+      <p:cxnSp>
+        <p:nvCxnSpPr>
+          <p:cNvPr id="45" name="Straight Arrow Connector 44"/>
+          <p:cNvCxnSpPr>
+            <a:stCxn id="1072" idx="3"/>
+            <a:endCxn id="1028" idx="2"/>
+          </p:cNvCxnSpPr>
+          <p:nvPr/>
+        </p:nvCxnSpPr>
+        <p:spPr>
+          <a:xfrm flipV="1">
+            <a:off x="5232879" y="2403812"/>
+            <a:ext cx="2530176" cy="1443554"/>
+          </a:xfrm>
+          <a:prstGeom prst="bentConnector2">
+            <a:avLst/>
+          </a:prstGeom>
+          <a:ln>
+            <a:tailEnd type="triangle"/>
+          </a:ln>
+        </p:spPr>
+        <p:style>
+          <a:lnRef idx="1">
+            <a:schemeClr val="accent1"/>
+          </a:lnRef>
+          <a:fillRef idx="0">
+            <a:schemeClr val="accent1"/>
+          </a:fillRef>
+          <a:effectRef idx="0">
+            <a:schemeClr val="accent1"/>
+          </a:effectRef>
+          <a:fontRef idx="minor">
+            <a:schemeClr val="tx1"/>
+          </a:fontRef>
+        </p:style>
+      </p:cxnSp>
+      <p:sp>
+        <p:nvSpPr>
+          <p:cNvPr id="47" name="Rectangle 46"/>
+          <p:cNvSpPr/>
+          <p:nvPr/>
+        </p:nvSpPr>
+        <p:spPr>
+          <a:xfrm>
+            <a:off x="6926442" y="3672209"/>
+            <a:ext cx="875829" cy="338554"/>
+          </a:xfrm>
+          <a:prstGeom prst="rect">
+            <a:avLst/>
+          </a:prstGeom>
+        </p:spPr>
+        <p:txBody>
+          <a:bodyPr wrap="square">
+            <a:spAutoFit/>
+          </a:bodyPr>
+          <a:lstStyle/>
+          <a:p>
+            <a:r>
+              <a:rPr lang="en-US" sz="800" dirty="0" smtClean="0"/>
+              <a:t>Training </a:t>
+            </a:r>
+          </a:p>
+          <a:p>
+            <a:r>
+              <a:rPr lang="en-US" sz="800" dirty="0" smtClean="0"/>
+              <a:t>Data Set</a:t>
+            </a:r>
+            <a:endParaRPr lang="en-US" sz="800" dirty="0"/>
+          </a:p>
+        </p:txBody>
+      </p:sp>
+      <p:grpSp>
+        <p:nvGrpSpPr>
+          <p:cNvPr id="11" name="Group 10"/>
+          <p:cNvGrpSpPr/>
+          <p:nvPr/>
+        </p:nvGrpSpPr>
+        <p:grpSpPr>
+          <a:xfrm>
+            <a:off x="4025772" y="3140956"/>
+            <a:ext cx="1207107" cy="1235554"/>
+            <a:chOff x="4025772" y="3140956"/>
+            <a:chExt cx="1207107" cy="1235554"/>
+          </a:xfrm>
+        </p:grpSpPr>
+        <p:pic>
+          <p:nvPicPr>
+            <p:cNvPr id="1072" name="Picture 48" descr="Related image"/>
+            <p:cNvPicPr>
+              <a:picLocks noChangeAspect="1" noChangeArrowheads="1"/>
+            </p:cNvPicPr>
+            <p:nvPr/>
+          </p:nvPicPr>
+          <p:blipFill>
+            <a:blip r:embed="rId11" cstate="print">
+              <a:extLst>
+                <a:ext uri="{28A0092B-C50C-407E-A947-70E740481C1C}">
+                  <a14:useLocalDpi xmlns:a14="http://schemas.microsoft.com/office/drawing/2010/main" val="0"/>
+                </a:ext>
+              </a:extLst>
+            </a:blip>
+            <a:srcRect/>
+            <a:stretch>
+              <a:fillRect/>
+            </a:stretch>
+          </p:blipFill>
+          <p:spPr bwMode="auto">
+            <a:xfrm>
+              <a:off x="4174591" y="3318222"/>
+              <a:ext cx="1058288" cy="1058288"/>
+            </a:xfrm>
+            <a:prstGeom prst="rect">
+              <a:avLst/>
+            </a:prstGeom>
+            <a:noFill/>
+            <a:extLst>
+              <a:ext uri="{909E8E84-426E-40DD-AFC4-6F175D3DCCD1}">
+                <a14:hiddenFill xmlns:a14="http://schemas.microsoft.com/office/drawing/2010/main">
+                  <a:solidFill>
+                    <a:srgbClr val="FFFFFF"/>
+                  </a:solidFill>
+                </a14:hiddenFill>
+              </a:ext>
+            </a:extLst>
+          </p:spPr>
+        </p:pic>
+        <p:pic>
+          <p:nvPicPr>
+            <p:cNvPr id="1036" name="Picture 12" descr="Related image"/>
+            <p:cNvPicPr>
+              <a:picLocks noChangeAspect="1" noChangeArrowheads="1"/>
+            </p:cNvPicPr>
+            <p:nvPr/>
+          </p:nvPicPr>
+          <p:blipFill>
+            <a:blip r:embed="rId12" cstate="print">
+              <a:extLst>
+                <a:ext uri="{28A0092B-C50C-407E-A947-70E740481C1C}">
+                  <a14:useLocalDpi xmlns:a14="http://schemas.microsoft.com/office/drawing/2010/main" val="0"/>
+                </a:ext>
+              </a:extLst>
+            </a:blip>
+            <a:srcRect/>
+            <a:stretch>
+              <a:fillRect/>
+            </a:stretch>
+          </p:blipFill>
+          <p:spPr bwMode="auto">
+            <a:xfrm>
+              <a:off x="4025772" y="3140956"/>
+              <a:ext cx="409190" cy="409190"/>
+            </a:xfrm>
+            <a:prstGeom prst="rect">
+              <a:avLst/>
+            </a:prstGeom>
+            <a:noFill/>
+            <a:extLst>
+              <a:ext uri="{909E8E84-426E-40DD-AFC4-6F175D3DCCD1}">
+                <a14:hiddenFill xmlns:a14="http://schemas.microsoft.com/office/drawing/2010/main">
+                  <a:solidFill>
+                    <a:srgbClr val="FFFFFF"/>
+                  </a:solidFill>
+                </a14:hiddenFill>
+              </a:ext>
+            </a:extLst>
+          </p:spPr>
+        </p:pic>
+      </p:grpSp>
+      <p:sp>
+        <p:nvSpPr>
+          <p:cNvPr id="54" name="Title 1">
+            <a:extLst>
+              <a:ext uri="{FF2B5EF4-FFF2-40B4-BE49-F238E27FC236}">
+                <a16:creationId xmlns:a16="http://schemas.microsoft.com/office/drawing/2014/main" id="{643C8D8D-7962-4C43-AEE0-F47FA2F063C6}"/>
+              </a:ext>
+            </a:extLst>
+          </p:cNvPr>
+          <p:cNvSpPr txBox="1">
+            <a:spLocks/>
+          </p:cNvSpPr>
+          <p:nvPr/>
+        </p:nvSpPr>
+        <p:spPr>
+          <a:xfrm>
+            <a:off x="403761" y="45555"/>
+            <a:ext cx="6244784" cy="481985"/>
+          </a:xfrm>
+          <a:prstGeom prst="rect">
+            <a:avLst/>
+          </a:prstGeom>
+        </p:spPr>
+        <p:txBody>
+          <a:bodyPr wrap="square">
+            <a:normAutofit fontScale="92500"/>
+          </a:bodyPr>
+          <a:lstStyle>
+            <a:lvl1pPr>
+              <a:spcBef>
+                <a:spcPct val="0"/>
+              </a:spcBef>
+              <a:buNone/>
+              <a:defRPr sz="2400">
+                <a:solidFill>
+                  <a:schemeClr val="tx2"/>
+                </a:solidFill>
+                <a:latin typeface="Calibri" panose="020F0502020204030204" pitchFamily="34" charset="0"/>
+                <a:ea typeface="+mj-ea"/>
+                <a:cs typeface="Arial" pitchFamily="34" charset="0"/>
+              </a:defRPr>
+            </a:lvl1pPr>
+          </a:lstStyle>
+          <a:p>
+            <a:r>
+              <a:rPr lang="en-US" dirty="0"/>
+              <a:t>Sales Forecasting – Architecture &amp; Technology Stack</a:t>
+            </a:r>
           </a:p>
         </p:txBody>
       </p:sp>
@@ -4776,13 +5159,7 @@
       </p:grpSpPr>
       <p:sp>
         <p:nvSpPr>
-          <p:cNvPr id="2" name="Title 1">
-            <a:extLst>
-              <a:ext uri="{FF2B5EF4-FFF2-40B4-BE49-F238E27FC236}">
-                <a16:creationId xmlns:a16="http://schemas.microsoft.com/office/drawing/2014/main" id="{643C8D8D-7962-4C43-AEE0-F47FA2F063C6}"/>
-              </a:ext>
-            </a:extLst>
-          </p:cNvPr>
+          <p:cNvPr id="2" name="Title 1"/>
           <p:cNvSpPr>
             <a:spLocks noGrp="1"/>
           </p:cNvSpPr>
@@ -4790,34 +5167,33 @@
             <p:ph type="title"/>
           </p:nvPr>
         </p:nvSpPr>
-        <p:spPr/>
+        <p:spPr>
+          <a:xfrm>
+            <a:off x="403761" y="159855"/>
+            <a:ext cx="6244784" cy="481985"/>
+          </a:xfrm>
+        </p:spPr>
         <p:txBody>
-          <a:bodyPr/>
+          <a:bodyPr wrap="square">
+            <a:normAutofit fontScale="92500"/>
+          </a:bodyPr>
           <a:lstStyle/>
           <a:p>
             <a:r>
-              <a:rPr lang="en-US" sz="2400" b="1" dirty="0" smtClean="0">
+              <a:rPr lang="en-US" sz="2400" dirty="0">
                 <a:solidFill>
-                  <a:schemeClr val="tx2">
-                    <a:lumMod val="75000"/>
-                  </a:schemeClr>
+                  <a:schemeClr val="tx2"/>
                 </a:solidFill>
+                <a:cs typeface="Arial" pitchFamily="34" charset="0"/>
               </a:rPr>
-              <a:t>Request – Response Details</a:t>
-            </a:r>
-            <a:endParaRPr lang="en-US" dirty="0"/>
+              <a:t>ARIMA Sales Forecasting – Process Flow</a:t>
+            </a:r>
           </a:p>
         </p:txBody>
       </p:sp>
       <p:sp>
         <p:nvSpPr>
-          <p:cNvPr id="3" name="Text Placeholder 2">
-            <a:extLst>
-              <a:ext uri="{FF2B5EF4-FFF2-40B4-BE49-F238E27FC236}">
-                <a16:creationId xmlns:a16="http://schemas.microsoft.com/office/drawing/2014/main" id="{863503B4-2F64-411E-AFCB-FDF7DCE8BC10}"/>
-              </a:ext>
-            </a:extLst>
-          </p:cNvPr>
+          <p:cNvPr id="4" name="Text Placeholder 3"/>
           <p:cNvSpPr>
             <a:spLocks noGrp="1"/>
           </p:cNvSpPr>
@@ -4830,316 +5206,2396 @@
           <a:bodyPr/>
           <a:lstStyle/>
           <a:p>
-            <a:endParaRPr lang="en-US"/>
+            <a:r>
+              <a:rPr lang="en-US" dirty="0"/>
+              <a:t>TCS Internal</a:t>
+            </a:r>
           </a:p>
         </p:txBody>
       </p:sp>
-      <p:graphicFrame>
-        <p:nvGraphicFramePr>
-          <p:cNvPr id="6" name="Table 5"/>
-          <p:cNvGraphicFramePr>
-            <a:graphicFrameLocks noGrp="1"/>
-          </p:cNvGraphicFramePr>
-          <p:nvPr>
-            <p:extLst>
-              <p:ext uri="{D42A27DB-BD31-4B8C-83A1-F6EECF244321}">
-                <p14:modId xmlns:p14="http://schemas.microsoft.com/office/powerpoint/2010/main" val="1044313366"/>
-              </p:ext>
-            </p:extLst>
-          </p:nvPr>
-        </p:nvGraphicFramePr>
-        <p:xfrm>
-          <a:off x="508463" y="1223804"/>
-          <a:ext cx="7672276" cy="1681480"/>
-        </p:xfrm>
-        <a:graphic>
-          <a:graphicData uri="http://schemas.openxmlformats.org/drawingml/2006/table">
-            <a:tbl>
-              <a:tblPr firstRow="1" bandRow="1">
-                <a:tableStyleId>{5C22544A-7EE6-4342-B048-85BDC9FD1C3A}</a:tableStyleId>
-              </a:tblPr>
-              <a:tblGrid>
-                <a:gridCol w="1918069">
-                  <a:extLst>
-                    <a:ext uri="{9D8B030D-6E8A-4147-A177-3AD203B41FA5}">
-                      <a16:colId xmlns:a16="http://schemas.microsoft.com/office/drawing/2014/main" val="2468573447"/>
-                    </a:ext>
-                  </a:extLst>
-                </a:gridCol>
-                <a:gridCol w="1918069">
-                  <a:extLst>
-                    <a:ext uri="{9D8B030D-6E8A-4147-A177-3AD203B41FA5}">
-                      <a16:colId xmlns:a16="http://schemas.microsoft.com/office/drawing/2014/main" val="3255393852"/>
-                    </a:ext>
-                  </a:extLst>
-                </a:gridCol>
-                <a:gridCol w="1918069">
-                  <a:extLst>
-                    <a:ext uri="{9D8B030D-6E8A-4147-A177-3AD203B41FA5}">
-                      <a16:colId xmlns:a16="http://schemas.microsoft.com/office/drawing/2014/main" val="486918763"/>
-                    </a:ext>
-                  </a:extLst>
-                </a:gridCol>
-                <a:gridCol w="1918069">
-                  <a:extLst>
-                    <a:ext uri="{9D8B030D-6E8A-4147-A177-3AD203B41FA5}">
-                      <a16:colId xmlns:a16="http://schemas.microsoft.com/office/drawing/2014/main" val="3905782935"/>
-                    </a:ext>
-                  </a:extLst>
-                </a:gridCol>
-              </a:tblGrid>
-              <a:tr h="370840">
-                <a:tc>
-                  <a:txBody>
-                    <a:bodyPr/>
-                    <a:lstStyle/>
-                    <a:p>
-                      <a:r>
-                        <a:rPr lang="en-US" sz="1000" dirty="0" smtClean="0"/>
-                        <a:t>UI</a:t>
-                      </a:r>
-                      <a:r>
-                        <a:rPr lang="en-US" sz="1000" baseline="0" dirty="0" smtClean="0"/>
-                        <a:t> Request </a:t>
-                      </a:r>
-                      <a:r>
-                        <a:rPr lang="en-US" sz="1000" baseline="0" dirty="0" smtClean="0"/>
-                        <a:t>to server API</a:t>
-                      </a:r>
-                      <a:endParaRPr lang="en-US" sz="1000" dirty="0"/>
-                    </a:p>
-                  </a:txBody>
-                  <a:tcPr/>
-                </a:tc>
-                <a:tc>
-                  <a:txBody>
-                    <a:bodyPr/>
-                    <a:lstStyle/>
-                    <a:p>
-                      <a:r>
-                        <a:rPr lang="en-US" sz="1000" b="1" kern="1200" baseline="0" dirty="0" smtClean="0">
-                          <a:solidFill>
-                            <a:schemeClr val="lt1"/>
-                          </a:solidFill>
-                          <a:latin typeface="+mn-lt"/>
-                          <a:ea typeface="+mn-ea"/>
-                          <a:cs typeface="+mn-cs"/>
-                        </a:rPr>
-                        <a:t>Server API Response</a:t>
-                      </a:r>
-                      <a:endParaRPr lang="en-US" sz="1000" b="1" kern="1200" baseline="0" dirty="0">
-                        <a:solidFill>
-                          <a:schemeClr val="lt1"/>
-                        </a:solidFill>
-                        <a:latin typeface="+mn-lt"/>
-                        <a:ea typeface="+mn-ea"/>
-                        <a:cs typeface="+mn-cs"/>
-                      </a:endParaRPr>
-                    </a:p>
-                  </a:txBody>
-                  <a:tcPr/>
-                </a:tc>
-                <a:tc>
-                  <a:txBody>
-                    <a:bodyPr/>
-                    <a:lstStyle/>
-                    <a:p>
-                      <a:r>
-                        <a:rPr lang="en-US" sz="1000" b="1" kern="1200" baseline="0" dirty="0" smtClean="0">
-                          <a:solidFill>
-                            <a:schemeClr val="lt1"/>
-                          </a:solidFill>
-                          <a:latin typeface="+mn-lt"/>
-                          <a:ea typeface="+mn-ea"/>
-                          <a:cs typeface="+mn-cs"/>
-                        </a:rPr>
-                        <a:t>Input to ARIMA service</a:t>
-                      </a:r>
-                      <a:endParaRPr lang="en-US" sz="1000" b="1" kern="1200" baseline="0" dirty="0">
-                        <a:solidFill>
-                          <a:schemeClr val="lt1"/>
-                        </a:solidFill>
-                        <a:latin typeface="+mn-lt"/>
-                        <a:ea typeface="+mn-ea"/>
-                        <a:cs typeface="+mn-cs"/>
-                      </a:endParaRPr>
-                    </a:p>
-                  </a:txBody>
-                  <a:tcPr/>
-                </a:tc>
-                <a:tc>
-                  <a:txBody>
-                    <a:bodyPr/>
-                    <a:lstStyle/>
-                    <a:p>
-                      <a:r>
-                        <a:rPr lang="en-US" sz="1000" b="1" kern="1200" baseline="0" dirty="0" smtClean="0">
-                          <a:solidFill>
-                            <a:schemeClr val="lt1"/>
-                          </a:solidFill>
-                          <a:latin typeface="+mn-lt"/>
-                          <a:ea typeface="+mn-ea"/>
-                          <a:cs typeface="+mn-cs"/>
-                        </a:rPr>
-                        <a:t>ARIMA service response</a:t>
-                      </a:r>
-                      <a:endParaRPr lang="en-US" sz="1000" b="1" kern="1200" baseline="0" dirty="0">
-                        <a:solidFill>
-                          <a:schemeClr val="lt1"/>
-                        </a:solidFill>
-                        <a:latin typeface="+mn-lt"/>
-                        <a:ea typeface="+mn-ea"/>
-                        <a:cs typeface="+mn-cs"/>
-                      </a:endParaRPr>
-                    </a:p>
-                  </a:txBody>
-                  <a:tcPr/>
-                </a:tc>
-                <a:extLst>
-                  <a:ext uri="{0D108BD9-81ED-4DB2-BD59-A6C34878D82A}">
-                    <a16:rowId xmlns:a16="http://schemas.microsoft.com/office/drawing/2014/main" val="3127794642"/>
-                  </a:ext>
-                </a:extLst>
-              </a:tr>
-              <a:tr h="370840">
-                <a:tc>
-                  <a:txBody>
-                    <a:bodyPr/>
-                    <a:lstStyle/>
-                    <a:p>
-                      <a:pPr marL="171450" indent="-171450">
-                        <a:buFont typeface="Arial" panose="020B0604020202020204" pitchFamily="34" charset="0"/>
-                        <a:buChar char="•"/>
-                      </a:pPr>
-                      <a:r>
-                        <a:rPr lang="en-US" sz="2000" dirty="0" smtClean="0"/>
-                        <a:t>Start date</a:t>
-                      </a:r>
-                    </a:p>
-                    <a:p>
-                      <a:pPr marL="171450" indent="-171450">
-                        <a:buFont typeface="Arial" panose="020B0604020202020204" pitchFamily="34" charset="0"/>
-                        <a:buChar char="•"/>
-                      </a:pPr>
-                      <a:r>
-                        <a:rPr lang="en-US" sz="2000" dirty="0" smtClean="0"/>
-                        <a:t>Number of weeks</a:t>
-                      </a:r>
-                    </a:p>
-                    <a:p>
-                      <a:pPr marL="171450" indent="-171450">
-                        <a:buFont typeface="Arial" panose="020B0604020202020204" pitchFamily="34" charset="0"/>
-                        <a:buChar char="•"/>
-                      </a:pPr>
-                      <a:r>
-                        <a:rPr lang="en-US" sz="2000" dirty="0" smtClean="0"/>
-                        <a:t>Channel</a:t>
-                      </a:r>
-                      <a:endParaRPr lang="en-US" sz="2000" dirty="0"/>
-                    </a:p>
-                  </a:txBody>
-                  <a:tcPr/>
-                </a:tc>
-                <a:tc>
-                  <a:txBody>
-                    <a:bodyPr/>
-                    <a:lstStyle/>
-                    <a:p>
-                      <a:pPr marL="171450" indent="-171450">
-                        <a:buFont typeface="Arial" panose="020B0604020202020204" pitchFamily="34" charset="0"/>
-                        <a:buChar char="•"/>
-                      </a:pPr>
-                      <a:r>
-                        <a:rPr lang="en-US" sz="2000" kern="1200" dirty="0" smtClean="0">
-                          <a:solidFill>
-                            <a:schemeClr val="dk1"/>
-                          </a:solidFill>
-                          <a:latin typeface="+mn-lt"/>
-                          <a:ea typeface="+mn-ea"/>
-                          <a:cs typeface="+mn-cs"/>
-                        </a:rPr>
-                        <a:t>Start date</a:t>
-                      </a:r>
-                    </a:p>
-                    <a:p>
-                      <a:pPr marL="171450" indent="-171450">
-                        <a:buFont typeface="Arial" panose="020B0604020202020204" pitchFamily="34" charset="0"/>
-                        <a:buChar char="•"/>
-                      </a:pPr>
-                      <a:r>
-                        <a:rPr lang="en-US" sz="2000" kern="1200" dirty="0" smtClean="0">
-                          <a:solidFill>
-                            <a:schemeClr val="dk1"/>
-                          </a:solidFill>
-                          <a:latin typeface="+mn-lt"/>
-                          <a:ea typeface="+mn-ea"/>
-                          <a:cs typeface="+mn-cs"/>
-                        </a:rPr>
-                        <a:t>End date</a:t>
-                      </a:r>
-                    </a:p>
-                    <a:p>
-                      <a:pPr marL="171450" indent="-171450">
-                        <a:buFont typeface="Arial" panose="020B0604020202020204" pitchFamily="34" charset="0"/>
-                        <a:buChar char="•"/>
-                      </a:pPr>
-                      <a:r>
-                        <a:rPr lang="en-US" sz="2000" kern="1200" dirty="0" smtClean="0">
-                          <a:solidFill>
-                            <a:schemeClr val="dk1"/>
-                          </a:solidFill>
-                          <a:latin typeface="+mn-lt"/>
-                          <a:ea typeface="+mn-ea"/>
-                          <a:cs typeface="+mn-cs"/>
-                        </a:rPr>
-                        <a:t>History data</a:t>
-                      </a:r>
-                      <a:endParaRPr lang="en-US" sz="2000" kern="1200" dirty="0">
-                        <a:solidFill>
-                          <a:schemeClr val="dk1"/>
-                        </a:solidFill>
-                        <a:latin typeface="+mn-lt"/>
-                        <a:ea typeface="+mn-ea"/>
-                        <a:cs typeface="+mn-cs"/>
-                      </a:endParaRPr>
-                    </a:p>
-                  </a:txBody>
-                  <a:tcPr/>
-                </a:tc>
-                <a:tc>
-                  <a:txBody>
-                    <a:bodyPr/>
-                    <a:lstStyle/>
-                    <a:p>
-                      <a:endParaRPr lang="en-US" sz="2000" dirty="0"/>
-                    </a:p>
-                  </a:txBody>
-                  <a:tcPr/>
-                </a:tc>
-                <a:tc>
-                  <a:txBody>
-                    <a:bodyPr/>
-                    <a:lstStyle/>
-                    <a:p>
-                      <a:endParaRPr lang="en-US" sz="2000" dirty="0"/>
-                    </a:p>
-                  </a:txBody>
-                  <a:tcPr/>
-                </a:tc>
-                <a:extLst>
-                  <a:ext uri="{0D108BD9-81ED-4DB2-BD59-A6C34878D82A}">
-                    <a16:rowId xmlns:a16="http://schemas.microsoft.com/office/drawing/2014/main" val="693821105"/>
-                  </a:ext>
-                </a:extLst>
-              </a:tr>
-            </a:tbl>
-          </a:graphicData>
-        </a:graphic>
-      </p:graphicFrame>
+      <p:sp>
+        <p:nvSpPr>
+          <p:cNvPr id="33" name="Rounded Rectangle 32"/>
+          <p:cNvSpPr/>
+          <p:nvPr/>
+        </p:nvSpPr>
+        <p:spPr>
+          <a:xfrm>
+            <a:off x="170637" y="813290"/>
+            <a:ext cx="8846363" cy="3917125"/>
+          </a:xfrm>
+          <a:prstGeom prst="roundRect">
+            <a:avLst>
+              <a:gd name="adj" fmla="val 4869"/>
+            </a:avLst>
+          </a:prstGeom>
+          <a:noFill/>
+          <a:ln w="12700">
+            <a:solidFill>
+              <a:schemeClr val="accent1"/>
+            </a:solidFill>
+            <a:prstDash val="sysDash"/>
+          </a:ln>
+        </p:spPr>
+        <p:style>
+          <a:lnRef idx="2">
+            <a:schemeClr val="accent1"/>
+          </a:lnRef>
+          <a:fillRef idx="1">
+            <a:schemeClr val="lt1"/>
+          </a:fillRef>
+          <a:effectRef idx="0">
+            <a:schemeClr val="accent1"/>
+          </a:effectRef>
+          <a:fontRef idx="minor">
+            <a:schemeClr val="dk1"/>
+          </a:fontRef>
+        </p:style>
+        <p:txBody>
+          <a:bodyPr vert="horz" wrap="square" lIns="91440" tIns="45720" rIns="91440" bIns="45720" numCol="1" anchor="ctr" anchorCtr="0" compatLnSpc="1">
+            <a:prstTxWarp prst="textNoShape">
+              <a:avLst/>
+            </a:prstTxWarp>
+          </a:bodyPr>
+          <a:lstStyle/>
+          <a:p>
+            <a:pPr marL="0" marR="0" lvl="0" indent="0" algn="ctr" defTabSz="685800" rtl="0" eaLnBrk="1" fontAlgn="auto" latinLnBrk="0" hangingPunct="1">
+              <a:lnSpc>
+                <a:spcPct val="100000"/>
+              </a:lnSpc>
+              <a:spcBef>
+                <a:spcPts val="0"/>
+              </a:spcBef>
+              <a:spcAft>
+                <a:spcPts val="0"/>
+              </a:spcAft>
+              <a:buClrTx/>
+              <a:buSzTx/>
+              <a:buFontTx/>
+              <a:buNone/>
+              <a:tabLst/>
+              <a:defRPr/>
+            </a:pPr>
+            <a:endParaRPr kumimoji="0" lang="en-US" sz="1200" b="0" i="0" u="none" strike="noStrike" kern="1200" cap="none" spc="0" normalizeH="0" baseline="0" noProof="0" dirty="0">
+              <a:ln>
+                <a:noFill/>
+              </a:ln>
+              <a:solidFill>
+                <a:prstClr val="white"/>
+              </a:solidFill>
+              <a:effectLst/>
+              <a:uLnTx/>
+              <a:uFillTx/>
+              <a:latin typeface="Myriad Pro"/>
+              <a:ea typeface="+mn-ea"/>
+              <a:cs typeface="+mn-cs"/>
+            </a:endParaRPr>
+          </a:p>
+        </p:txBody>
+      </p:sp>
+      <p:sp>
+        <p:nvSpPr>
+          <p:cNvPr id="34" name="Rounded Rectangle 33"/>
+          <p:cNvSpPr/>
+          <p:nvPr/>
+        </p:nvSpPr>
+        <p:spPr>
+          <a:xfrm>
+            <a:off x="170637" y="813290"/>
+            <a:ext cx="1137463" cy="3917125"/>
+          </a:xfrm>
+          <a:prstGeom prst="roundRect">
+            <a:avLst>
+              <a:gd name="adj" fmla="val 16592"/>
+            </a:avLst>
+          </a:prstGeom>
+          <a:noFill/>
+          <a:ln w="12700">
+            <a:solidFill>
+              <a:schemeClr val="accent1"/>
+            </a:solidFill>
+            <a:prstDash val="sysDash"/>
+          </a:ln>
+        </p:spPr>
+        <p:style>
+          <a:lnRef idx="2">
+            <a:schemeClr val="accent1"/>
+          </a:lnRef>
+          <a:fillRef idx="1">
+            <a:schemeClr val="lt1"/>
+          </a:fillRef>
+          <a:effectRef idx="0">
+            <a:schemeClr val="accent1"/>
+          </a:effectRef>
+          <a:fontRef idx="minor">
+            <a:schemeClr val="dk1"/>
+          </a:fontRef>
+        </p:style>
+        <p:txBody>
+          <a:bodyPr vert="horz" wrap="square" lIns="91440" tIns="45720" rIns="91440" bIns="45720" numCol="1" anchor="ctr" anchorCtr="0" compatLnSpc="1">
+            <a:prstTxWarp prst="textNoShape">
+              <a:avLst/>
+            </a:prstTxWarp>
+          </a:bodyPr>
+          <a:lstStyle/>
+          <a:p>
+            <a:pPr marL="0" marR="0" lvl="0" indent="0" algn="ctr" defTabSz="685800" rtl="0" eaLnBrk="1" fontAlgn="auto" latinLnBrk="0" hangingPunct="1">
+              <a:lnSpc>
+                <a:spcPct val="100000"/>
+              </a:lnSpc>
+              <a:spcBef>
+                <a:spcPts val="0"/>
+              </a:spcBef>
+              <a:spcAft>
+                <a:spcPts val="0"/>
+              </a:spcAft>
+              <a:buClrTx/>
+              <a:buSzTx/>
+              <a:buFontTx/>
+              <a:buNone/>
+              <a:tabLst/>
+              <a:defRPr/>
+            </a:pPr>
+            <a:endParaRPr kumimoji="0" lang="en-US" sz="1200" b="0" i="0" u="none" strike="noStrike" kern="1200" cap="none" spc="0" normalizeH="0" baseline="0" noProof="0" dirty="0">
+              <a:ln>
+                <a:noFill/>
+              </a:ln>
+              <a:solidFill>
+                <a:prstClr val="white"/>
+              </a:solidFill>
+              <a:effectLst/>
+              <a:uLnTx/>
+              <a:uFillTx/>
+              <a:latin typeface="Myriad Pro"/>
+              <a:ea typeface="+mn-ea"/>
+              <a:cs typeface="+mn-cs"/>
+            </a:endParaRPr>
+          </a:p>
+        </p:txBody>
+      </p:sp>
+      <p:sp>
+        <p:nvSpPr>
+          <p:cNvPr id="35" name="Rounded Rectangle 34"/>
+          <p:cNvSpPr/>
+          <p:nvPr/>
+        </p:nvSpPr>
+        <p:spPr>
+          <a:xfrm>
+            <a:off x="170636" y="813290"/>
+            <a:ext cx="8846363" cy="1123460"/>
+          </a:xfrm>
+          <a:prstGeom prst="roundRect">
+            <a:avLst>
+              <a:gd name="adj" fmla="val 17448"/>
+            </a:avLst>
+          </a:prstGeom>
+          <a:noFill/>
+          <a:ln w="12700">
+            <a:solidFill>
+              <a:schemeClr val="accent1"/>
+            </a:solidFill>
+            <a:prstDash val="sysDash"/>
+          </a:ln>
+        </p:spPr>
+        <p:style>
+          <a:lnRef idx="2">
+            <a:schemeClr val="accent1"/>
+          </a:lnRef>
+          <a:fillRef idx="1">
+            <a:schemeClr val="lt1"/>
+          </a:fillRef>
+          <a:effectRef idx="0">
+            <a:schemeClr val="accent1"/>
+          </a:effectRef>
+          <a:fontRef idx="minor">
+            <a:schemeClr val="dk1"/>
+          </a:fontRef>
+        </p:style>
+        <p:txBody>
+          <a:bodyPr vert="horz" wrap="square" lIns="91440" tIns="45720" rIns="91440" bIns="45720" numCol="1" anchor="ctr" anchorCtr="0" compatLnSpc="1">
+            <a:prstTxWarp prst="textNoShape">
+              <a:avLst/>
+            </a:prstTxWarp>
+          </a:bodyPr>
+          <a:lstStyle/>
+          <a:p>
+            <a:pPr marL="0" marR="0" lvl="0" indent="0" algn="ctr" defTabSz="685800" rtl="0" eaLnBrk="1" fontAlgn="auto" latinLnBrk="0" hangingPunct="1">
+              <a:lnSpc>
+                <a:spcPct val="100000"/>
+              </a:lnSpc>
+              <a:spcBef>
+                <a:spcPts val="0"/>
+              </a:spcBef>
+              <a:spcAft>
+                <a:spcPts val="0"/>
+              </a:spcAft>
+              <a:buClrTx/>
+              <a:buSzTx/>
+              <a:buFontTx/>
+              <a:buNone/>
+              <a:tabLst/>
+              <a:defRPr/>
+            </a:pPr>
+            <a:endParaRPr kumimoji="0" lang="en-US" sz="1200" b="0" i="0" u="none" strike="noStrike" kern="1200" cap="none" spc="0" normalizeH="0" baseline="0" noProof="0" dirty="0">
+              <a:ln>
+                <a:noFill/>
+              </a:ln>
+              <a:solidFill>
+                <a:prstClr val="white"/>
+              </a:solidFill>
+              <a:effectLst/>
+              <a:uLnTx/>
+              <a:uFillTx/>
+              <a:latin typeface="Myriad Pro"/>
+              <a:ea typeface="+mn-ea"/>
+              <a:cs typeface="+mn-cs"/>
+            </a:endParaRPr>
+          </a:p>
+        </p:txBody>
+      </p:sp>
+      <p:sp>
+        <p:nvSpPr>
+          <p:cNvPr id="36" name="Rounded Rectangle 35"/>
+          <p:cNvSpPr/>
+          <p:nvPr/>
+        </p:nvSpPr>
+        <p:spPr>
+          <a:xfrm>
+            <a:off x="170631" y="1936751"/>
+            <a:ext cx="8846363" cy="1606550"/>
+          </a:xfrm>
+          <a:prstGeom prst="roundRect">
+            <a:avLst>
+              <a:gd name="adj" fmla="val 5590"/>
+            </a:avLst>
+          </a:prstGeom>
+          <a:noFill/>
+          <a:ln w="12700">
+            <a:solidFill>
+              <a:schemeClr val="accent1"/>
+            </a:solidFill>
+            <a:prstDash val="sysDash"/>
+          </a:ln>
+        </p:spPr>
+        <p:style>
+          <a:lnRef idx="2">
+            <a:schemeClr val="accent1"/>
+          </a:lnRef>
+          <a:fillRef idx="1">
+            <a:schemeClr val="lt1"/>
+          </a:fillRef>
+          <a:effectRef idx="0">
+            <a:schemeClr val="accent1"/>
+          </a:effectRef>
+          <a:fontRef idx="minor">
+            <a:schemeClr val="dk1"/>
+          </a:fontRef>
+        </p:style>
+        <p:txBody>
+          <a:bodyPr vert="horz" wrap="square" lIns="91440" tIns="45720" rIns="91440" bIns="45720" numCol="1" anchor="ctr" anchorCtr="0" compatLnSpc="1">
+            <a:prstTxWarp prst="textNoShape">
+              <a:avLst/>
+            </a:prstTxWarp>
+          </a:bodyPr>
+          <a:lstStyle/>
+          <a:p>
+            <a:pPr marL="0" marR="0" lvl="0" indent="0" algn="ctr" defTabSz="685800" rtl="0" eaLnBrk="1" fontAlgn="auto" latinLnBrk="0" hangingPunct="1">
+              <a:lnSpc>
+                <a:spcPct val="100000"/>
+              </a:lnSpc>
+              <a:spcBef>
+                <a:spcPts val="0"/>
+              </a:spcBef>
+              <a:spcAft>
+                <a:spcPts val="0"/>
+              </a:spcAft>
+              <a:buClrTx/>
+              <a:buSzTx/>
+              <a:buFontTx/>
+              <a:buNone/>
+              <a:tabLst/>
+              <a:defRPr/>
+            </a:pPr>
+            <a:endParaRPr kumimoji="0" lang="en-US" sz="1200" b="0" i="0" u="none" strike="noStrike" kern="1200" cap="none" spc="0" normalizeH="0" baseline="0" noProof="0" dirty="0">
+              <a:ln>
+                <a:noFill/>
+              </a:ln>
+              <a:solidFill>
+                <a:prstClr val="white"/>
+              </a:solidFill>
+              <a:effectLst/>
+              <a:uLnTx/>
+              <a:uFillTx/>
+              <a:latin typeface="Myriad Pro"/>
+              <a:ea typeface="+mn-ea"/>
+              <a:cs typeface="+mn-cs"/>
+            </a:endParaRPr>
+          </a:p>
+        </p:txBody>
+      </p:sp>
+      <p:sp>
+        <p:nvSpPr>
+          <p:cNvPr id="37" name="Rounded Rectangle 36"/>
+          <p:cNvSpPr/>
+          <p:nvPr/>
+        </p:nvSpPr>
+        <p:spPr>
+          <a:xfrm>
+            <a:off x="170634" y="3543300"/>
+            <a:ext cx="8846363" cy="1187115"/>
+          </a:xfrm>
+          <a:prstGeom prst="roundRect">
+            <a:avLst>
+              <a:gd name="adj" fmla="val 17448"/>
+            </a:avLst>
+          </a:prstGeom>
+          <a:noFill/>
+          <a:ln w="12700">
+            <a:solidFill>
+              <a:schemeClr val="accent1"/>
+            </a:solidFill>
+            <a:prstDash val="sysDash"/>
+          </a:ln>
+        </p:spPr>
+        <p:style>
+          <a:lnRef idx="2">
+            <a:schemeClr val="accent1"/>
+          </a:lnRef>
+          <a:fillRef idx="1">
+            <a:schemeClr val="lt1"/>
+          </a:fillRef>
+          <a:effectRef idx="0">
+            <a:schemeClr val="accent1"/>
+          </a:effectRef>
+          <a:fontRef idx="minor">
+            <a:schemeClr val="dk1"/>
+          </a:fontRef>
+        </p:style>
+        <p:txBody>
+          <a:bodyPr vert="horz" wrap="square" lIns="91440" tIns="45720" rIns="91440" bIns="45720" numCol="1" anchor="ctr" anchorCtr="0" compatLnSpc="1">
+            <a:prstTxWarp prst="textNoShape">
+              <a:avLst/>
+            </a:prstTxWarp>
+          </a:bodyPr>
+          <a:lstStyle/>
+          <a:p>
+            <a:pPr marL="0" marR="0" lvl="0" indent="0" algn="ctr" defTabSz="685800" rtl="0" eaLnBrk="1" fontAlgn="auto" latinLnBrk="0" hangingPunct="1">
+              <a:lnSpc>
+                <a:spcPct val="100000"/>
+              </a:lnSpc>
+              <a:spcBef>
+                <a:spcPts val="0"/>
+              </a:spcBef>
+              <a:spcAft>
+                <a:spcPts val="0"/>
+              </a:spcAft>
+              <a:buClrTx/>
+              <a:buSzTx/>
+              <a:buFontTx/>
+              <a:buNone/>
+              <a:tabLst/>
+              <a:defRPr/>
+            </a:pPr>
+            <a:endParaRPr kumimoji="0" lang="en-US" sz="1200" b="0" i="0" u="none" strike="noStrike" kern="1200" cap="none" spc="0" normalizeH="0" baseline="0" noProof="0" dirty="0">
+              <a:ln>
+                <a:noFill/>
+              </a:ln>
+              <a:solidFill>
+                <a:prstClr val="white"/>
+              </a:solidFill>
+              <a:effectLst/>
+              <a:uLnTx/>
+              <a:uFillTx/>
+              <a:latin typeface="Myriad Pro"/>
+              <a:ea typeface="+mn-ea"/>
+              <a:cs typeface="+mn-cs"/>
+            </a:endParaRPr>
+          </a:p>
+        </p:txBody>
+      </p:sp>
+      <p:sp>
+        <p:nvSpPr>
+          <p:cNvPr id="5" name="TextBox 4"/>
+          <p:cNvSpPr txBox="1"/>
+          <p:nvPr/>
+        </p:nvSpPr>
+        <p:spPr>
+          <a:xfrm>
+            <a:off x="287198" y="1113411"/>
+            <a:ext cx="904339" cy="461665"/>
+          </a:xfrm>
+          <a:prstGeom prst="rect">
+            <a:avLst/>
+          </a:prstGeom>
+          <a:noFill/>
+        </p:spPr>
+        <p:txBody>
+          <a:bodyPr wrap="square" rtlCol="0">
+            <a:spAutoFit/>
+          </a:bodyPr>
+          <a:lstStyle/>
+          <a:p>
+            <a:pPr marL="0" marR="0" lvl="0" indent="0" algn="ctr" defTabSz="685800" rtl="0" eaLnBrk="1" fontAlgn="auto" latinLnBrk="0" hangingPunct="1">
+              <a:lnSpc>
+                <a:spcPct val="100000"/>
+              </a:lnSpc>
+              <a:spcBef>
+                <a:spcPts val="0"/>
+              </a:spcBef>
+              <a:spcAft>
+                <a:spcPts val="0"/>
+              </a:spcAft>
+              <a:buClrTx/>
+              <a:buSzTx/>
+              <a:buFontTx/>
+              <a:buNone/>
+              <a:tabLst/>
+              <a:defRPr/>
+            </a:pPr>
+            <a:r>
+              <a:rPr kumimoji="0" lang="en-US" sz="1200" b="0" i="0" u="none" strike="noStrike" kern="1200" cap="none" spc="0" normalizeH="0" baseline="0" noProof="0" dirty="0">
+                <a:ln>
+                  <a:noFill/>
+                </a:ln>
+                <a:solidFill>
+                  <a:srgbClr val="000000"/>
+                </a:solidFill>
+                <a:effectLst/>
+                <a:uLnTx/>
+                <a:uFillTx/>
+                <a:latin typeface="Myriad Pro"/>
+                <a:ea typeface="+mn-ea"/>
+                <a:cs typeface="+mn-cs"/>
+              </a:rPr>
+              <a:t>User Interface</a:t>
+            </a:r>
+          </a:p>
+        </p:txBody>
+      </p:sp>
+      <p:sp>
+        <p:nvSpPr>
+          <p:cNvPr id="40" name="TextBox 39"/>
+          <p:cNvSpPr txBox="1"/>
+          <p:nvPr/>
+        </p:nvSpPr>
+        <p:spPr>
+          <a:xfrm>
+            <a:off x="287197" y="2617963"/>
+            <a:ext cx="904339" cy="276999"/>
+          </a:xfrm>
+          <a:prstGeom prst="rect">
+            <a:avLst/>
+          </a:prstGeom>
+          <a:noFill/>
+        </p:spPr>
+        <p:txBody>
+          <a:bodyPr wrap="square" rtlCol="0">
+            <a:spAutoFit/>
+          </a:bodyPr>
+          <a:lstStyle/>
+          <a:p>
+            <a:pPr marL="0" marR="0" lvl="0" indent="0" algn="ctr" defTabSz="685800" rtl="0" eaLnBrk="1" fontAlgn="auto" latinLnBrk="0" hangingPunct="1">
+              <a:lnSpc>
+                <a:spcPct val="100000"/>
+              </a:lnSpc>
+              <a:spcBef>
+                <a:spcPts val="0"/>
+              </a:spcBef>
+              <a:spcAft>
+                <a:spcPts val="0"/>
+              </a:spcAft>
+              <a:buClrTx/>
+              <a:buSzTx/>
+              <a:buFontTx/>
+              <a:buNone/>
+              <a:tabLst/>
+              <a:defRPr/>
+            </a:pPr>
+            <a:r>
+              <a:rPr kumimoji="0" lang="en-US" sz="1200" b="0" i="0" u="none" strike="noStrike" kern="1200" cap="none" spc="0" normalizeH="0" baseline="0" noProof="0" dirty="0">
+                <a:ln>
+                  <a:noFill/>
+                </a:ln>
+                <a:solidFill>
+                  <a:srgbClr val="000000"/>
+                </a:solidFill>
+                <a:effectLst/>
+                <a:uLnTx/>
+                <a:uFillTx/>
+                <a:latin typeface="Myriad Pro"/>
+                <a:ea typeface="+mn-ea"/>
+                <a:cs typeface="+mn-cs"/>
+              </a:rPr>
+              <a:t>Server</a:t>
+            </a:r>
+          </a:p>
+        </p:txBody>
+      </p:sp>
+      <p:sp>
+        <p:nvSpPr>
+          <p:cNvPr id="41" name="TextBox 40"/>
+          <p:cNvSpPr txBox="1"/>
+          <p:nvPr/>
+        </p:nvSpPr>
+        <p:spPr>
+          <a:xfrm>
+            <a:off x="287197" y="3875248"/>
+            <a:ext cx="904339" cy="461665"/>
+          </a:xfrm>
+          <a:prstGeom prst="rect">
+            <a:avLst/>
+          </a:prstGeom>
+          <a:noFill/>
+        </p:spPr>
+        <p:txBody>
+          <a:bodyPr wrap="square" rtlCol="0">
+            <a:spAutoFit/>
+          </a:bodyPr>
+          <a:lstStyle/>
+          <a:p>
+            <a:pPr marL="0" marR="0" lvl="0" indent="0" algn="ctr" defTabSz="685800" rtl="0" eaLnBrk="1" fontAlgn="auto" latinLnBrk="0" hangingPunct="1">
+              <a:lnSpc>
+                <a:spcPct val="100000"/>
+              </a:lnSpc>
+              <a:spcBef>
+                <a:spcPts val="0"/>
+              </a:spcBef>
+              <a:spcAft>
+                <a:spcPts val="0"/>
+              </a:spcAft>
+              <a:buClrTx/>
+              <a:buSzTx/>
+              <a:buFontTx/>
+              <a:buNone/>
+              <a:tabLst/>
+              <a:defRPr/>
+            </a:pPr>
+            <a:r>
+              <a:rPr kumimoji="0" lang="en-US" sz="1200" b="0" i="0" u="none" strike="noStrike" kern="1200" cap="none" spc="0" normalizeH="0" baseline="0" noProof="0" dirty="0">
+                <a:ln>
+                  <a:noFill/>
+                </a:ln>
+                <a:solidFill>
+                  <a:srgbClr val="000000"/>
+                </a:solidFill>
+                <a:effectLst/>
+                <a:uLnTx/>
+                <a:uFillTx/>
+                <a:latin typeface="Myriad Pro"/>
+                <a:ea typeface="+mn-ea"/>
+                <a:cs typeface="+mn-cs"/>
+              </a:rPr>
+              <a:t>ARIMA Service</a:t>
+            </a:r>
+          </a:p>
+        </p:txBody>
+      </p:sp>
+      <p:pic>
+        <p:nvPicPr>
+          <p:cNvPr id="8" name="Picture 7"/>
+          <p:cNvPicPr>
+            <a:picLocks noChangeAspect="1"/>
+          </p:cNvPicPr>
+          <p:nvPr/>
+        </p:nvPicPr>
+        <p:blipFill>
+          <a:blip r:embed="rId2" cstate="print">
+            <a:extLst>
+              <a:ext uri="{28A0092B-C50C-407E-A947-70E740481C1C}">
+                <a14:useLocalDpi xmlns:a14="http://schemas.microsoft.com/office/drawing/2010/main" val="0"/>
+              </a:ext>
+            </a:extLst>
+          </a:blip>
+          <a:stretch>
+            <a:fillRect/>
+          </a:stretch>
+        </p:blipFill>
+        <p:spPr>
+          <a:xfrm>
+            <a:off x="1343775" y="3787445"/>
+            <a:ext cx="1611934" cy="549468"/>
+          </a:xfrm>
+          <a:prstGeom prst="rect">
+            <a:avLst/>
+          </a:prstGeom>
+        </p:spPr>
+      </p:pic>
+      <p:sp>
+        <p:nvSpPr>
+          <p:cNvPr id="9" name="TextBox 8"/>
+          <p:cNvSpPr txBox="1"/>
+          <p:nvPr/>
+        </p:nvSpPr>
+        <p:spPr>
+          <a:xfrm>
+            <a:off x="1356237" y="4184691"/>
+            <a:ext cx="801788" cy="246221"/>
+          </a:xfrm>
+          <a:prstGeom prst="rect">
+            <a:avLst/>
+          </a:prstGeom>
+          <a:noFill/>
+        </p:spPr>
+        <p:txBody>
+          <a:bodyPr wrap="square" rtlCol="0">
+            <a:spAutoFit/>
+          </a:bodyPr>
+          <a:lstStyle/>
+          <a:p>
+            <a:pPr marL="0" marR="0" lvl="0" indent="0" algn="l" defTabSz="685800" rtl="0" eaLnBrk="1" fontAlgn="auto" latinLnBrk="0" hangingPunct="1">
+              <a:lnSpc>
+                <a:spcPct val="100000"/>
+              </a:lnSpc>
+              <a:spcBef>
+                <a:spcPts val="0"/>
+              </a:spcBef>
+              <a:spcAft>
+                <a:spcPts val="0"/>
+              </a:spcAft>
+              <a:buClrTx/>
+              <a:buSzTx/>
+              <a:buFontTx/>
+              <a:buNone/>
+              <a:tabLst/>
+              <a:defRPr/>
+            </a:pPr>
+            <a:r>
+              <a:rPr kumimoji="0" lang="en-US" sz="1000" b="1" i="0" u="none" strike="noStrike" kern="1200" cap="none" spc="0" normalizeH="0" baseline="0" noProof="0" dirty="0">
+                <a:ln>
+                  <a:noFill/>
+                </a:ln>
+                <a:solidFill>
+                  <a:srgbClr val="000000"/>
+                </a:solidFill>
+                <a:effectLst/>
+                <a:uLnTx/>
+                <a:uFillTx/>
+                <a:latin typeface="Myriad Pro"/>
+                <a:ea typeface="+mn-ea"/>
+                <a:cs typeface="+mn-cs"/>
+              </a:rPr>
+              <a:t>REST API</a:t>
+            </a:r>
+          </a:p>
+        </p:txBody>
+      </p:sp>
+      <p:pic>
+        <p:nvPicPr>
+          <p:cNvPr id="1032" name="Picture 8" descr="https://docs-secure-cdn.fresco.me/system/attachments/files/011/038/782/original/310f1aa559338186f561d6b750a1ee2d6ab74e52/image.png?Expires=1573695671&amp;Signature=m-MXZp-ii36c2GPWYaoYSGdMq4ZoAXbi3O8vgsWfwoZBNVEVCf7PKBJNHBkCYTxDqUSNJYYDjwB4nKZUtXsNNjksVAkbhbdrTrmMarVQYTCzvhDMfHxpASBLbjXLwYX1koTUUaFTFdNGcVTQ6EPMjzpIjtblN-zLXBggVz8fNHkZg9rH-LAQyrqUYFnpVoYHW0SY3ulQEnaSVMZEEc7Eay~CWIkztZ6ym395VG~f7BB7V9yi1NhI20WORWVrEA3L1jvs1PbYUTvkSM7QNJHpjI6icMKU74FCApXQ5xqWmyMJw-cUQ1FuUKPp2H5-m1Epc8Nmxw2W7Ip5qP6I4bRWbw__&amp;Key-Pair-Id=APKAJUTRVJCFRZY3Z43A"/>
+          <p:cNvPicPr>
+            <a:picLocks noChangeAspect="1" noChangeArrowheads="1"/>
+          </p:cNvPicPr>
+          <p:nvPr/>
+        </p:nvPicPr>
+        <p:blipFill rotWithShape="1">
+          <a:blip r:embed="rId3" cstate="print">
+            <a:extLst>
+              <a:ext uri="{28A0092B-C50C-407E-A947-70E740481C1C}">
+                <a14:useLocalDpi xmlns:a14="http://schemas.microsoft.com/office/drawing/2010/main" val="0"/>
+              </a:ext>
+            </a:extLst>
+          </a:blip>
+          <a:srcRect l="-3129" r="2755" b="9410"/>
+          <a:stretch/>
+        </p:blipFill>
+        <p:spPr bwMode="auto">
+          <a:xfrm>
+            <a:off x="6175825" y="3543300"/>
+            <a:ext cx="2590800" cy="1187115"/>
+          </a:xfrm>
+          <a:prstGeom prst="rect">
+            <a:avLst/>
+          </a:prstGeom>
+          <a:noFill/>
+          <a:extLst>
+            <a:ext uri="{909E8E84-426E-40DD-AFC4-6F175D3DCCD1}">
+              <a14:hiddenFill xmlns:a14="http://schemas.microsoft.com/office/drawing/2010/main">
+                <a:solidFill>
+                  <a:srgbClr val="FFFFFF"/>
+                </a:solidFill>
+              </a14:hiddenFill>
+            </a:ext>
+          </a:extLst>
+        </p:spPr>
+      </p:pic>
+      <p:sp>
+        <p:nvSpPr>
+          <p:cNvPr id="14" name="Right Arrow 13"/>
+          <p:cNvSpPr/>
+          <p:nvPr/>
+        </p:nvSpPr>
+        <p:spPr>
+          <a:xfrm>
+            <a:off x="4422115" y="4136857"/>
+            <a:ext cx="1831308" cy="78611"/>
+          </a:xfrm>
+          <a:prstGeom prst="rightArrow">
+            <a:avLst/>
+          </a:prstGeom>
+        </p:spPr>
+        <p:style>
+          <a:lnRef idx="2">
+            <a:schemeClr val="accent1">
+              <a:shade val="50000"/>
+            </a:schemeClr>
+          </a:lnRef>
+          <a:fillRef idx="1">
+            <a:schemeClr val="accent1"/>
+          </a:fillRef>
+          <a:effectRef idx="0">
+            <a:schemeClr val="accent1"/>
+          </a:effectRef>
+          <a:fontRef idx="minor">
+            <a:schemeClr val="lt1"/>
+          </a:fontRef>
+        </p:style>
+        <p:txBody>
+          <a:bodyPr rtlCol="0" anchor="ctr"/>
+          <a:lstStyle/>
+          <a:p>
+            <a:pPr marL="0" marR="0" lvl="0" indent="0" algn="ctr" defTabSz="685800" rtl="0" eaLnBrk="1" fontAlgn="auto" latinLnBrk="0" hangingPunct="1">
+              <a:lnSpc>
+                <a:spcPct val="100000"/>
+              </a:lnSpc>
+              <a:spcBef>
+                <a:spcPts val="0"/>
+              </a:spcBef>
+              <a:spcAft>
+                <a:spcPts val="0"/>
+              </a:spcAft>
+              <a:buClrTx/>
+              <a:buSzTx/>
+              <a:buFontTx/>
+              <a:buNone/>
+              <a:tabLst/>
+              <a:defRPr/>
+            </a:pPr>
+            <a:endParaRPr kumimoji="0" lang="en-US" sz="1400" b="0" i="0" u="none" strike="noStrike" kern="1200" cap="none" spc="0" normalizeH="0" baseline="0" noProof="0">
+              <a:ln>
+                <a:noFill/>
+              </a:ln>
+              <a:solidFill>
+                <a:prstClr val="white"/>
+              </a:solidFill>
+              <a:effectLst/>
+              <a:uLnTx/>
+              <a:uFillTx/>
+              <a:latin typeface="Myriad Pro"/>
+              <a:ea typeface="+mn-ea"/>
+              <a:cs typeface="+mn-cs"/>
+            </a:endParaRPr>
+          </a:p>
+        </p:txBody>
+      </p:sp>
+      <p:sp>
+        <p:nvSpPr>
+          <p:cNvPr id="15" name="TextBox 14"/>
+          <p:cNvSpPr txBox="1"/>
+          <p:nvPr/>
+        </p:nvSpPr>
+        <p:spPr>
+          <a:xfrm>
+            <a:off x="4560644" y="3937561"/>
+            <a:ext cx="1625600" cy="215444"/>
+          </a:xfrm>
+          <a:prstGeom prst="rect">
+            <a:avLst/>
+          </a:prstGeom>
+          <a:noFill/>
+        </p:spPr>
+        <p:txBody>
+          <a:bodyPr wrap="square" rtlCol="0">
+            <a:spAutoFit/>
+          </a:bodyPr>
+          <a:lstStyle/>
+          <a:p>
+            <a:pPr marL="0" marR="0" lvl="0" indent="0" algn="l" defTabSz="685800" rtl="0" eaLnBrk="1" fontAlgn="auto" latinLnBrk="0" hangingPunct="1">
+              <a:lnSpc>
+                <a:spcPct val="100000"/>
+              </a:lnSpc>
+              <a:spcBef>
+                <a:spcPts val="0"/>
+              </a:spcBef>
+              <a:spcAft>
+                <a:spcPts val="0"/>
+              </a:spcAft>
+              <a:buClrTx/>
+              <a:buSzTx/>
+              <a:buFontTx/>
+              <a:buNone/>
+              <a:tabLst/>
+              <a:defRPr/>
+            </a:pPr>
+            <a:r>
+              <a:rPr kumimoji="0" lang="en-US" sz="800" b="0" i="0" u="none" strike="noStrike" kern="1200" cap="none" spc="0" normalizeH="0" baseline="0" noProof="0" dirty="0">
+                <a:ln>
+                  <a:noFill/>
+                </a:ln>
+                <a:solidFill>
+                  <a:srgbClr val="000000"/>
+                </a:solidFill>
+                <a:effectLst/>
+                <a:uLnTx/>
+                <a:uFillTx/>
+                <a:latin typeface="Myriad Pro"/>
+                <a:ea typeface="+mn-ea"/>
+                <a:cs typeface="+mn-cs"/>
+              </a:rPr>
+              <a:t>Forecasting</a:t>
+            </a:r>
+          </a:p>
+        </p:txBody>
+      </p:sp>
+      <p:sp>
+        <p:nvSpPr>
+          <p:cNvPr id="20" name="TextBox 19"/>
+          <p:cNvSpPr txBox="1"/>
+          <p:nvPr/>
+        </p:nvSpPr>
+        <p:spPr>
+          <a:xfrm>
+            <a:off x="4432534" y="4168205"/>
+            <a:ext cx="1753710" cy="215444"/>
+          </a:xfrm>
+          <a:prstGeom prst="rect">
+            <a:avLst/>
+          </a:prstGeom>
+          <a:noFill/>
+        </p:spPr>
+        <p:txBody>
+          <a:bodyPr wrap="square" rtlCol="0">
+            <a:spAutoFit/>
+          </a:bodyPr>
+          <a:lstStyle/>
+          <a:p>
+            <a:pPr marL="0" marR="0" lvl="0" indent="0" algn="l" defTabSz="685800" rtl="0" eaLnBrk="1" fontAlgn="auto" latinLnBrk="0" hangingPunct="1">
+              <a:lnSpc>
+                <a:spcPct val="100000"/>
+              </a:lnSpc>
+              <a:spcBef>
+                <a:spcPts val="0"/>
+              </a:spcBef>
+              <a:spcAft>
+                <a:spcPts val="0"/>
+              </a:spcAft>
+              <a:buClrTx/>
+              <a:buSzTx/>
+              <a:buFontTx/>
+              <a:buNone/>
+              <a:tabLst/>
+              <a:defRPr/>
+            </a:pPr>
+            <a:r>
+              <a:rPr kumimoji="0" lang="en-US" sz="800" b="0" i="0" u="none" strike="noStrike" kern="1200" cap="none" spc="0" normalizeH="0" baseline="0" noProof="0" dirty="0">
+                <a:ln>
+                  <a:noFill/>
+                </a:ln>
+                <a:solidFill>
+                  <a:srgbClr val="000000"/>
+                </a:solidFill>
+                <a:effectLst/>
+                <a:uLnTx/>
+                <a:uFillTx/>
+                <a:latin typeface="Myriad Pro"/>
+                <a:ea typeface="+mn-ea"/>
+                <a:cs typeface="+mn-cs"/>
+              </a:rPr>
+              <a:t>First order auto regressive model</a:t>
+            </a:r>
+          </a:p>
+        </p:txBody>
+      </p:sp>
+      <p:sp>
+        <p:nvSpPr>
+          <p:cNvPr id="6" name="Rounded Rectangle 5"/>
+          <p:cNvSpPr/>
+          <p:nvPr/>
+        </p:nvSpPr>
+        <p:spPr>
+          <a:xfrm>
+            <a:off x="1996327" y="3629679"/>
+            <a:ext cx="1905580" cy="171725"/>
+          </a:xfrm>
+          <a:prstGeom prst="roundRect">
+            <a:avLst/>
+          </a:prstGeom>
+          <a:solidFill>
+            <a:srgbClr val="89C35F"/>
+          </a:solidFill>
+        </p:spPr>
+        <p:style>
+          <a:lnRef idx="2">
+            <a:schemeClr val="accent1">
+              <a:shade val="50000"/>
+            </a:schemeClr>
+          </a:lnRef>
+          <a:fillRef idx="1">
+            <a:schemeClr val="accent1"/>
+          </a:fillRef>
+          <a:effectRef idx="0">
+            <a:schemeClr val="accent1"/>
+          </a:effectRef>
+          <a:fontRef idx="minor">
+            <a:schemeClr val="lt1"/>
+          </a:fontRef>
+        </p:style>
+        <p:txBody>
+          <a:bodyPr rtlCol="0" anchor="ctr"/>
+          <a:lstStyle/>
+          <a:p>
+            <a:pPr marL="0" marR="0" lvl="0" indent="0" algn="ctr" defTabSz="685800" rtl="0" eaLnBrk="1" fontAlgn="auto" latinLnBrk="0" hangingPunct="1">
+              <a:lnSpc>
+                <a:spcPct val="100000"/>
+              </a:lnSpc>
+              <a:spcBef>
+                <a:spcPts val="0"/>
+              </a:spcBef>
+              <a:spcAft>
+                <a:spcPts val="0"/>
+              </a:spcAft>
+              <a:buClrTx/>
+              <a:buSzTx/>
+              <a:buFontTx/>
+              <a:buNone/>
+              <a:tabLst/>
+              <a:defRPr/>
+            </a:pPr>
+            <a:r>
+              <a:rPr kumimoji="0" lang="en-US" sz="800" b="0" i="0" u="none" strike="noStrike" kern="1200" cap="none" spc="0" normalizeH="0" baseline="0" noProof="0" dirty="0">
+                <a:ln>
+                  <a:noFill/>
+                </a:ln>
+                <a:solidFill>
+                  <a:prstClr val="white"/>
+                </a:solidFill>
+                <a:effectLst/>
+                <a:uLnTx/>
+                <a:uFillTx/>
+                <a:latin typeface="Calibri" panose="020F0502020204030204" pitchFamily="34" charset="0"/>
+                <a:ea typeface="+mn-ea"/>
+                <a:cs typeface="Calibri" panose="020F0502020204030204" pitchFamily="34" charset="0"/>
+              </a:rPr>
+              <a:t>Visualize and </a:t>
+            </a:r>
+            <a:r>
+              <a:rPr kumimoji="0" lang="en-US" sz="800" b="0" i="0" u="none" strike="noStrike" kern="1200" cap="none" spc="0" normalizeH="0" baseline="0" noProof="0" dirty="0" err="1">
+                <a:ln>
+                  <a:noFill/>
+                </a:ln>
+                <a:solidFill>
+                  <a:prstClr val="white"/>
+                </a:solidFill>
+                <a:effectLst/>
+                <a:uLnTx/>
+                <a:uFillTx/>
+                <a:latin typeface="Calibri" panose="020F0502020204030204" pitchFamily="34" charset="0"/>
+                <a:ea typeface="+mn-ea"/>
+                <a:cs typeface="Calibri" panose="020F0502020204030204" pitchFamily="34" charset="0"/>
+              </a:rPr>
+              <a:t>stationarize</a:t>
+            </a:r>
+            <a:r>
+              <a:rPr kumimoji="0" lang="en-US" sz="800" b="0" i="0" u="none" strike="noStrike" kern="1200" cap="none" spc="0" normalizeH="0" baseline="0" noProof="0" dirty="0">
+                <a:ln>
+                  <a:noFill/>
+                </a:ln>
+                <a:solidFill>
+                  <a:prstClr val="white"/>
+                </a:solidFill>
+                <a:effectLst/>
+                <a:uLnTx/>
+                <a:uFillTx/>
+                <a:latin typeface="Calibri" panose="020F0502020204030204" pitchFamily="34" charset="0"/>
+                <a:ea typeface="+mn-ea"/>
+                <a:cs typeface="Calibri" panose="020F0502020204030204" pitchFamily="34" charset="0"/>
+              </a:rPr>
+              <a:t> the time series</a:t>
+            </a:r>
+          </a:p>
+        </p:txBody>
+      </p:sp>
+      <p:sp>
+        <p:nvSpPr>
+          <p:cNvPr id="23" name="Rounded Rectangle 22"/>
+          <p:cNvSpPr/>
+          <p:nvPr/>
+        </p:nvSpPr>
+        <p:spPr>
+          <a:xfrm>
+            <a:off x="2148727" y="3851879"/>
+            <a:ext cx="1905580" cy="171725"/>
+          </a:xfrm>
+          <a:prstGeom prst="roundRect">
+            <a:avLst/>
+          </a:prstGeom>
+          <a:solidFill>
+            <a:srgbClr val="00B050"/>
+          </a:solidFill>
+        </p:spPr>
+        <p:style>
+          <a:lnRef idx="2">
+            <a:schemeClr val="accent1">
+              <a:shade val="50000"/>
+            </a:schemeClr>
+          </a:lnRef>
+          <a:fillRef idx="1">
+            <a:schemeClr val="accent1"/>
+          </a:fillRef>
+          <a:effectRef idx="0">
+            <a:schemeClr val="accent1"/>
+          </a:effectRef>
+          <a:fontRef idx="minor">
+            <a:schemeClr val="lt1"/>
+          </a:fontRef>
+        </p:style>
+        <p:txBody>
+          <a:bodyPr rtlCol="0" anchor="ctr"/>
+          <a:lstStyle/>
+          <a:p>
+            <a:pPr marL="0" marR="0" lvl="0" indent="0" algn="ctr" defTabSz="685800" rtl="0" eaLnBrk="1" fontAlgn="auto" latinLnBrk="0" hangingPunct="1">
+              <a:lnSpc>
+                <a:spcPct val="100000"/>
+              </a:lnSpc>
+              <a:spcBef>
+                <a:spcPts val="0"/>
+              </a:spcBef>
+              <a:spcAft>
+                <a:spcPts val="0"/>
+              </a:spcAft>
+              <a:buClrTx/>
+              <a:buSzTx/>
+              <a:buFontTx/>
+              <a:buNone/>
+              <a:tabLst/>
+              <a:defRPr/>
+            </a:pPr>
+            <a:r>
+              <a:rPr kumimoji="0" lang="en-US" sz="800" b="0" i="0" u="none" strike="noStrike" kern="1200" cap="none" spc="0" normalizeH="0" baseline="0" noProof="0" dirty="0">
+                <a:ln>
+                  <a:noFill/>
+                </a:ln>
+                <a:solidFill>
+                  <a:prstClr val="white"/>
+                </a:solidFill>
+                <a:effectLst/>
+                <a:uLnTx/>
+                <a:uFillTx/>
+                <a:latin typeface="Calibri" panose="020F0502020204030204" pitchFamily="34" charset="0"/>
+                <a:ea typeface="+mn-ea"/>
+                <a:cs typeface="Calibri" panose="020F0502020204030204" pitchFamily="34" charset="0"/>
+              </a:rPr>
+              <a:t>Plot ACF charts and find parameters</a:t>
+            </a:r>
+          </a:p>
+        </p:txBody>
+      </p:sp>
+      <p:sp>
+        <p:nvSpPr>
+          <p:cNvPr id="24" name="Rounded Rectangle 23"/>
+          <p:cNvSpPr/>
+          <p:nvPr/>
+        </p:nvSpPr>
+        <p:spPr>
+          <a:xfrm>
+            <a:off x="2301127" y="4053139"/>
+            <a:ext cx="1905580" cy="171725"/>
+          </a:xfrm>
+          <a:prstGeom prst="roundRect">
+            <a:avLst/>
+          </a:prstGeom>
+          <a:solidFill>
+            <a:srgbClr val="6DCFF6"/>
+          </a:solidFill>
+        </p:spPr>
+        <p:style>
+          <a:lnRef idx="2">
+            <a:schemeClr val="accent1">
+              <a:shade val="50000"/>
+            </a:schemeClr>
+          </a:lnRef>
+          <a:fillRef idx="1">
+            <a:schemeClr val="accent1"/>
+          </a:fillRef>
+          <a:effectRef idx="0">
+            <a:schemeClr val="accent1"/>
+          </a:effectRef>
+          <a:fontRef idx="minor">
+            <a:schemeClr val="lt1"/>
+          </a:fontRef>
+        </p:style>
+        <p:txBody>
+          <a:bodyPr rtlCol="0" anchor="ctr"/>
+          <a:lstStyle/>
+          <a:p>
+            <a:pPr marL="0" marR="0" lvl="0" indent="0" algn="ctr" defTabSz="685800" rtl="0" eaLnBrk="1" fontAlgn="auto" latinLnBrk="0" hangingPunct="1">
+              <a:lnSpc>
+                <a:spcPct val="100000"/>
+              </a:lnSpc>
+              <a:spcBef>
+                <a:spcPts val="0"/>
+              </a:spcBef>
+              <a:spcAft>
+                <a:spcPts val="0"/>
+              </a:spcAft>
+              <a:buClrTx/>
+              <a:buSzTx/>
+              <a:buFontTx/>
+              <a:buNone/>
+              <a:tabLst/>
+              <a:defRPr/>
+            </a:pPr>
+            <a:r>
+              <a:rPr kumimoji="0" lang="en-US" sz="800" b="0" i="0" u="none" strike="noStrike" kern="1200" cap="none" spc="0" normalizeH="0" baseline="0" noProof="0" dirty="0">
+                <a:ln>
+                  <a:noFill/>
+                </a:ln>
+                <a:solidFill>
+                  <a:prstClr val="white"/>
+                </a:solidFill>
+                <a:effectLst/>
+                <a:uLnTx/>
+                <a:uFillTx/>
+                <a:latin typeface="Calibri" panose="020F0502020204030204" pitchFamily="34" charset="0"/>
+                <a:ea typeface="+mn-ea"/>
+                <a:cs typeface="Calibri" panose="020F0502020204030204" pitchFamily="34" charset="0"/>
+              </a:rPr>
+              <a:t>Build the ARIMA model</a:t>
+            </a:r>
+          </a:p>
+        </p:txBody>
+      </p:sp>
+      <p:sp>
+        <p:nvSpPr>
+          <p:cNvPr id="25" name="Rounded Rectangle 24"/>
+          <p:cNvSpPr/>
+          <p:nvPr/>
+        </p:nvSpPr>
+        <p:spPr>
+          <a:xfrm>
+            <a:off x="2453527" y="4261379"/>
+            <a:ext cx="1905580" cy="171725"/>
+          </a:xfrm>
+          <a:prstGeom prst="roundRect">
+            <a:avLst/>
+          </a:prstGeom>
+          <a:solidFill>
+            <a:srgbClr val="4E84C4"/>
+          </a:solidFill>
+        </p:spPr>
+        <p:style>
+          <a:lnRef idx="2">
+            <a:schemeClr val="accent1">
+              <a:shade val="50000"/>
+            </a:schemeClr>
+          </a:lnRef>
+          <a:fillRef idx="1">
+            <a:schemeClr val="accent1"/>
+          </a:fillRef>
+          <a:effectRef idx="0">
+            <a:schemeClr val="accent1"/>
+          </a:effectRef>
+          <a:fontRef idx="minor">
+            <a:schemeClr val="lt1"/>
+          </a:fontRef>
+        </p:style>
+        <p:txBody>
+          <a:bodyPr rtlCol="0" anchor="ctr"/>
+          <a:lstStyle/>
+          <a:p>
+            <a:pPr marL="0" marR="0" lvl="0" indent="0" algn="ctr" defTabSz="685800" rtl="0" eaLnBrk="1" fontAlgn="auto" latinLnBrk="0" hangingPunct="1">
+              <a:lnSpc>
+                <a:spcPct val="100000"/>
+              </a:lnSpc>
+              <a:spcBef>
+                <a:spcPts val="0"/>
+              </a:spcBef>
+              <a:spcAft>
+                <a:spcPts val="0"/>
+              </a:spcAft>
+              <a:buClrTx/>
+              <a:buSzTx/>
+              <a:buFontTx/>
+              <a:buNone/>
+              <a:tabLst/>
+              <a:defRPr/>
+            </a:pPr>
+            <a:r>
+              <a:rPr kumimoji="0" lang="en-US" sz="800" b="0" i="0" u="none" strike="noStrike" kern="1200" cap="none" spc="0" normalizeH="0" baseline="0" noProof="0" dirty="0">
+                <a:ln>
+                  <a:noFill/>
+                </a:ln>
+                <a:solidFill>
+                  <a:prstClr val="white"/>
+                </a:solidFill>
+                <a:effectLst/>
+                <a:uLnTx/>
+                <a:uFillTx/>
+                <a:latin typeface="Calibri" panose="020F0502020204030204" pitchFamily="34" charset="0"/>
+                <a:ea typeface="+mn-ea"/>
+                <a:cs typeface="Calibri" panose="020F0502020204030204" pitchFamily="34" charset="0"/>
+              </a:rPr>
+              <a:t>Train and test the model</a:t>
+            </a:r>
+          </a:p>
+        </p:txBody>
+      </p:sp>
+      <p:sp>
+        <p:nvSpPr>
+          <p:cNvPr id="26" name="Rounded Rectangle 25"/>
+          <p:cNvSpPr/>
+          <p:nvPr/>
+        </p:nvSpPr>
+        <p:spPr>
+          <a:xfrm>
+            <a:off x="2605927" y="4483579"/>
+            <a:ext cx="1905580" cy="171725"/>
+          </a:xfrm>
+          <a:prstGeom prst="roundRect">
+            <a:avLst/>
+          </a:prstGeom>
+          <a:solidFill>
+            <a:srgbClr val="7030A0"/>
+          </a:solidFill>
+        </p:spPr>
+        <p:style>
+          <a:lnRef idx="2">
+            <a:schemeClr val="accent1">
+              <a:shade val="50000"/>
+            </a:schemeClr>
+          </a:lnRef>
+          <a:fillRef idx="1">
+            <a:schemeClr val="accent1"/>
+          </a:fillRef>
+          <a:effectRef idx="0">
+            <a:schemeClr val="accent1"/>
+          </a:effectRef>
+          <a:fontRef idx="minor">
+            <a:schemeClr val="lt1"/>
+          </a:fontRef>
+        </p:style>
+        <p:txBody>
+          <a:bodyPr rtlCol="0" anchor="ctr"/>
+          <a:lstStyle/>
+          <a:p>
+            <a:pPr marL="0" marR="0" lvl="0" indent="0" algn="ctr" defTabSz="685800" rtl="0" eaLnBrk="1" fontAlgn="auto" latinLnBrk="0" hangingPunct="1">
+              <a:lnSpc>
+                <a:spcPct val="100000"/>
+              </a:lnSpc>
+              <a:spcBef>
+                <a:spcPts val="0"/>
+              </a:spcBef>
+              <a:spcAft>
+                <a:spcPts val="0"/>
+              </a:spcAft>
+              <a:buClrTx/>
+              <a:buSzTx/>
+              <a:buFontTx/>
+              <a:buNone/>
+              <a:tabLst/>
+              <a:defRPr/>
+            </a:pPr>
+            <a:r>
+              <a:rPr kumimoji="0" lang="en-US" sz="800" b="0" i="0" u="none" strike="noStrike" kern="1200" cap="none" spc="0" normalizeH="0" baseline="0" noProof="0" dirty="0">
+                <a:ln>
+                  <a:noFill/>
+                </a:ln>
+                <a:solidFill>
+                  <a:prstClr val="white"/>
+                </a:solidFill>
+                <a:effectLst/>
+                <a:uLnTx/>
+                <a:uFillTx/>
+                <a:latin typeface="Calibri" panose="020F0502020204030204" pitchFamily="34" charset="0"/>
+                <a:ea typeface="+mn-ea"/>
+                <a:cs typeface="Calibri" panose="020F0502020204030204" pitchFamily="34" charset="0"/>
+              </a:rPr>
+              <a:t>Make Predictions</a:t>
+            </a:r>
+          </a:p>
+        </p:txBody>
+      </p:sp>
+      <p:pic>
+        <p:nvPicPr>
+          <p:cNvPr id="27" name="Picture 26" descr="Related image"/>
+          <p:cNvPicPr>
+            <a:picLocks noChangeAspect="1" noChangeArrowheads="1"/>
+          </p:cNvPicPr>
+          <p:nvPr/>
+        </p:nvPicPr>
+        <p:blipFill>
+          <a:blip r:embed="rId4" cstate="print">
+            <a:extLst>
+              <a:ext uri="{28A0092B-C50C-407E-A947-70E740481C1C}">
+                <a14:useLocalDpi xmlns:a14="http://schemas.microsoft.com/office/drawing/2010/main" val="0"/>
+              </a:ext>
+            </a:extLst>
+          </a:blip>
+          <a:srcRect/>
+          <a:stretch>
+            <a:fillRect/>
+          </a:stretch>
+        </p:blipFill>
+        <p:spPr bwMode="auto">
+          <a:xfrm>
+            <a:off x="4489732" y="1998163"/>
+            <a:ext cx="877135" cy="877135"/>
+          </a:xfrm>
+          <a:prstGeom prst="rect">
+            <a:avLst/>
+          </a:prstGeom>
+          <a:noFill/>
+          <a:extLst>
+            <a:ext uri="{909E8E84-426E-40DD-AFC4-6F175D3DCCD1}">
+              <a14:hiddenFill xmlns:a14="http://schemas.microsoft.com/office/drawing/2010/main">
+                <a:solidFill>
+                  <a:srgbClr val="FFFFFF"/>
+                </a:solidFill>
+              </a14:hiddenFill>
+            </a:ext>
+          </a:extLst>
+        </p:spPr>
+      </p:pic>
+      <p:sp>
+        <p:nvSpPr>
+          <p:cNvPr id="10" name="Rounded Rectangle 9"/>
+          <p:cNvSpPr/>
+          <p:nvPr/>
+        </p:nvSpPr>
+        <p:spPr>
+          <a:xfrm>
+            <a:off x="4557716" y="3034575"/>
+            <a:ext cx="799226" cy="309372"/>
+          </a:xfrm>
+          <a:prstGeom prst="roundRect">
+            <a:avLst/>
+          </a:prstGeom>
+          <a:solidFill>
+            <a:srgbClr val="92D050"/>
+          </a:solidFill>
+        </p:spPr>
+        <p:style>
+          <a:lnRef idx="2">
+            <a:schemeClr val="accent1">
+              <a:shade val="50000"/>
+            </a:schemeClr>
+          </a:lnRef>
+          <a:fillRef idx="1">
+            <a:schemeClr val="accent1"/>
+          </a:fillRef>
+          <a:effectRef idx="0">
+            <a:schemeClr val="accent1"/>
+          </a:effectRef>
+          <a:fontRef idx="minor">
+            <a:schemeClr val="lt1"/>
+          </a:fontRef>
+        </p:style>
+        <p:txBody>
+          <a:bodyPr rtlCol="0" anchor="ctr"/>
+          <a:lstStyle/>
+          <a:p>
+            <a:pPr marL="0" marR="0" lvl="0" indent="0" algn="ctr" defTabSz="685800" rtl="0" eaLnBrk="1" fontAlgn="auto" latinLnBrk="0" hangingPunct="1">
+              <a:lnSpc>
+                <a:spcPct val="100000"/>
+              </a:lnSpc>
+              <a:spcBef>
+                <a:spcPts val="0"/>
+              </a:spcBef>
+              <a:spcAft>
+                <a:spcPts val="0"/>
+              </a:spcAft>
+              <a:buClrTx/>
+              <a:buSzTx/>
+              <a:buFontTx/>
+              <a:buNone/>
+              <a:tabLst/>
+              <a:defRPr/>
+            </a:pPr>
+            <a:r>
+              <a:rPr kumimoji="0" lang="en-US" sz="1000" b="0" i="0" u="none" strike="noStrike" kern="1200" cap="none" spc="0" normalizeH="0" baseline="0" noProof="0" dirty="0" err="1">
+                <a:ln>
+                  <a:noFill/>
+                </a:ln>
+                <a:solidFill>
+                  <a:prstClr val="white"/>
+                </a:solidFill>
+                <a:effectLst/>
+                <a:uLnTx/>
+                <a:uFillTx/>
+                <a:latin typeface="Myriad Pro"/>
+                <a:ea typeface="+mn-ea"/>
+                <a:cs typeface="+mn-cs"/>
+              </a:rPr>
+              <a:t>NodeJS</a:t>
+            </a:r>
+            <a:endParaRPr kumimoji="0" lang="en-US" sz="1000" b="0" i="0" u="none" strike="noStrike" kern="1200" cap="none" spc="0" normalizeH="0" baseline="0" noProof="0" dirty="0">
+              <a:ln>
+                <a:noFill/>
+              </a:ln>
+              <a:solidFill>
+                <a:prstClr val="white"/>
+              </a:solidFill>
+              <a:effectLst/>
+              <a:uLnTx/>
+              <a:uFillTx/>
+              <a:latin typeface="Myriad Pro"/>
+              <a:ea typeface="+mn-ea"/>
+              <a:cs typeface="+mn-cs"/>
+            </a:endParaRPr>
+          </a:p>
+        </p:txBody>
+      </p:sp>
+      <p:pic>
+        <p:nvPicPr>
+          <p:cNvPr id="30" name="Picture 29"/>
+          <p:cNvPicPr>
+            <a:picLocks noChangeAspect="1"/>
+          </p:cNvPicPr>
+          <p:nvPr/>
+        </p:nvPicPr>
+        <p:blipFill>
+          <a:blip r:embed="rId2" cstate="print">
+            <a:extLst>
+              <a:ext uri="{28A0092B-C50C-407E-A947-70E740481C1C}">
+                <a14:useLocalDpi xmlns:a14="http://schemas.microsoft.com/office/drawing/2010/main" val="0"/>
+              </a:ext>
+            </a:extLst>
+          </a:blip>
+          <a:stretch>
+            <a:fillRect/>
+          </a:stretch>
+        </p:blipFill>
+        <p:spPr>
+          <a:xfrm>
+            <a:off x="7146192" y="2923433"/>
+            <a:ext cx="1852663" cy="554074"/>
+          </a:xfrm>
+          <a:prstGeom prst="rect">
+            <a:avLst/>
+          </a:prstGeom>
+        </p:spPr>
+      </p:pic>
+      <p:sp>
+        <p:nvSpPr>
+          <p:cNvPr id="31" name="TextBox 30"/>
+          <p:cNvSpPr txBox="1"/>
+          <p:nvPr/>
+        </p:nvSpPr>
+        <p:spPr>
+          <a:xfrm>
+            <a:off x="7840623" y="3019562"/>
+            <a:ext cx="801788" cy="246221"/>
+          </a:xfrm>
+          <a:prstGeom prst="rect">
+            <a:avLst/>
+          </a:prstGeom>
+          <a:noFill/>
+        </p:spPr>
+        <p:txBody>
+          <a:bodyPr wrap="square" rtlCol="0">
+            <a:spAutoFit/>
+          </a:bodyPr>
+          <a:lstStyle/>
+          <a:p>
+            <a:pPr marL="0" marR="0" lvl="0" indent="0" algn="l" defTabSz="685800" rtl="0" eaLnBrk="1" fontAlgn="auto" latinLnBrk="0" hangingPunct="1">
+              <a:lnSpc>
+                <a:spcPct val="100000"/>
+              </a:lnSpc>
+              <a:spcBef>
+                <a:spcPts val="0"/>
+              </a:spcBef>
+              <a:spcAft>
+                <a:spcPts val="0"/>
+              </a:spcAft>
+              <a:buClrTx/>
+              <a:buSzTx/>
+              <a:buFontTx/>
+              <a:buNone/>
+              <a:tabLst/>
+              <a:defRPr/>
+            </a:pPr>
+            <a:r>
+              <a:rPr kumimoji="0" lang="en-US" sz="1000" b="1" i="0" u="none" strike="noStrike" kern="1200" cap="none" spc="0" normalizeH="0" baseline="0" noProof="0" dirty="0">
+                <a:ln>
+                  <a:noFill/>
+                </a:ln>
+                <a:solidFill>
+                  <a:srgbClr val="000000"/>
+                </a:solidFill>
+                <a:effectLst/>
+                <a:uLnTx/>
+                <a:uFillTx/>
+                <a:latin typeface="Myriad Pro"/>
+                <a:ea typeface="+mn-ea"/>
+                <a:cs typeface="+mn-cs"/>
+              </a:rPr>
+              <a:t>REST API</a:t>
+            </a:r>
+          </a:p>
+        </p:txBody>
+      </p:sp>
+      <p:pic>
+        <p:nvPicPr>
+          <p:cNvPr id="32" name="Picture 48" descr="Related image"/>
+          <p:cNvPicPr>
+            <a:picLocks noChangeAspect="1" noChangeArrowheads="1"/>
+          </p:cNvPicPr>
+          <p:nvPr/>
+        </p:nvPicPr>
+        <p:blipFill>
+          <a:blip r:embed="rId5" cstate="print">
+            <a:extLst>
+              <a:ext uri="{28A0092B-C50C-407E-A947-70E740481C1C}">
+                <a14:useLocalDpi xmlns:a14="http://schemas.microsoft.com/office/drawing/2010/main" val="0"/>
+              </a:ext>
+            </a:extLst>
+          </a:blip>
+          <a:srcRect/>
+          <a:stretch>
+            <a:fillRect/>
+          </a:stretch>
+        </p:blipFill>
+        <p:spPr bwMode="auto">
+          <a:xfrm>
+            <a:off x="7222055" y="1917981"/>
+            <a:ext cx="1237136" cy="876410"/>
+          </a:xfrm>
+          <a:prstGeom prst="rect">
+            <a:avLst/>
+          </a:prstGeom>
+          <a:noFill/>
+          <a:extLst>
+            <a:ext uri="{909E8E84-426E-40DD-AFC4-6F175D3DCCD1}">
+              <a14:hiddenFill xmlns:a14="http://schemas.microsoft.com/office/drawing/2010/main">
+                <a:solidFill>
+                  <a:srgbClr val="FFFFFF"/>
+                </a:solidFill>
+              </a14:hiddenFill>
+            </a:ext>
+          </a:extLst>
+        </p:spPr>
+      </p:pic>
+      <p:cxnSp>
+        <p:nvCxnSpPr>
+          <p:cNvPr id="12" name="Straight Arrow Connector 11"/>
+          <p:cNvCxnSpPr/>
+          <p:nvPr/>
+        </p:nvCxnSpPr>
+        <p:spPr>
+          <a:xfrm flipV="1">
+            <a:off x="5373444" y="2213429"/>
+            <a:ext cx="1941756" cy="6182"/>
+          </a:xfrm>
+          <a:prstGeom prst="straightConnector1">
+            <a:avLst/>
+          </a:prstGeom>
+          <a:ln>
+            <a:tailEnd type="triangle"/>
+          </a:ln>
+        </p:spPr>
+        <p:style>
+          <a:lnRef idx="1">
+            <a:schemeClr val="accent1"/>
+          </a:lnRef>
+          <a:fillRef idx="0">
+            <a:schemeClr val="accent1"/>
+          </a:fillRef>
+          <a:effectRef idx="0">
+            <a:schemeClr val="accent1"/>
+          </a:effectRef>
+          <a:fontRef idx="minor">
+            <a:schemeClr val="tx1"/>
+          </a:fontRef>
+        </p:style>
+      </p:cxnSp>
+      <p:cxnSp>
+        <p:nvCxnSpPr>
+          <p:cNvPr id="16" name="Straight Arrow Connector 15"/>
+          <p:cNvCxnSpPr/>
+          <p:nvPr/>
+        </p:nvCxnSpPr>
+        <p:spPr>
+          <a:xfrm flipH="1">
+            <a:off x="5373444" y="2349645"/>
+            <a:ext cx="1941756" cy="0"/>
+          </a:xfrm>
+          <a:prstGeom prst="straightConnector1">
+            <a:avLst/>
+          </a:prstGeom>
+          <a:ln>
+            <a:tailEnd type="triangle"/>
+          </a:ln>
+        </p:spPr>
+        <p:style>
+          <a:lnRef idx="1">
+            <a:schemeClr val="accent1"/>
+          </a:lnRef>
+          <a:fillRef idx="0">
+            <a:schemeClr val="accent1"/>
+          </a:fillRef>
+          <a:effectRef idx="0">
+            <a:schemeClr val="accent1"/>
+          </a:effectRef>
+          <a:fontRef idx="minor">
+            <a:schemeClr val="tx1"/>
+          </a:fontRef>
+        </p:style>
+      </p:cxnSp>
+      <p:sp>
+        <p:nvSpPr>
+          <p:cNvPr id="28" name="TextBox 27"/>
+          <p:cNvSpPr txBox="1"/>
+          <p:nvPr/>
+        </p:nvSpPr>
+        <p:spPr>
+          <a:xfrm>
+            <a:off x="1360096" y="1904178"/>
+            <a:ext cx="2950175" cy="1969770"/>
+          </a:xfrm>
+          <a:prstGeom prst="rect">
+            <a:avLst/>
+          </a:prstGeom>
+          <a:noFill/>
+        </p:spPr>
+        <p:txBody>
+          <a:bodyPr wrap="square" rtlCol="0">
+            <a:spAutoFit/>
+          </a:bodyPr>
+          <a:lstStyle/>
+          <a:p>
+            <a:pPr marL="171450" marR="0" lvl="0" indent="-171450" algn="l" defTabSz="685800" rtl="0" eaLnBrk="1" fontAlgn="auto" latinLnBrk="0" hangingPunct="1">
+              <a:lnSpc>
+                <a:spcPct val="100000"/>
+              </a:lnSpc>
+              <a:spcBef>
+                <a:spcPts val="0"/>
+              </a:spcBef>
+              <a:spcAft>
+                <a:spcPts val="0"/>
+              </a:spcAft>
+              <a:buClrTx/>
+              <a:buSzTx/>
+              <a:buFont typeface="Arial" panose="020B0604020202020204" pitchFamily="34" charset="0"/>
+              <a:buChar char="•"/>
+              <a:tabLst/>
+              <a:defRPr/>
+            </a:pPr>
+            <a:r>
+              <a:rPr kumimoji="0" lang="en-US" sz="1000" b="0" i="0" u="none" strike="noStrike" kern="1200" cap="none" spc="0" normalizeH="0" baseline="0" noProof="0" dirty="0">
+                <a:ln>
+                  <a:noFill/>
+                </a:ln>
+                <a:solidFill>
+                  <a:srgbClr val="000000"/>
+                </a:solidFill>
+                <a:effectLst/>
+                <a:uLnTx/>
+                <a:uFillTx/>
+                <a:latin typeface="Myriad Pro"/>
+                <a:ea typeface="+mn-ea"/>
+                <a:cs typeface="+mn-cs"/>
+              </a:rPr>
+              <a:t>Server is core engine between UI and ARIMA service</a:t>
+            </a:r>
+          </a:p>
+          <a:p>
+            <a:pPr marL="171450" marR="0" lvl="0" indent="-171450" algn="l" defTabSz="685800" rtl="0" eaLnBrk="1" fontAlgn="auto" latinLnBrk="0" hangingPunct="1">
+              <a:lnSpc>
+                <a:spcPct val="100000"/>
+              </a:lnSpc>
+              <a:spcBef>
+                <a:spcPts val="0"/>
+              </a:spcBef>
+              <a:spcAft>
+                <a:spcPts val="0"/>
+              </a:spcAft>
+              <a:buClrTx/>
+              <a:buSzTx/>
+              <a:buFont typeface="Arial" panose="020B0604020202020204" pitchFamily="34" charset="0"/>
+              <a:buChar char="•"/>
+              <a:tabLst/>
+              <a:defRPr/>
+            </a:pPr>
+            <a:r>
+              <a:rPr kumimoji="0" lang="en-US" sz="1000" b="0" i="0" u="none" strike="noStrike" kern="1200" cap="none" spc="0" normalizeH="0" baseline="0" noProof="0" dirty="0">
+                <a:ln>
+                  <a:noFill/>
+                </a:ln>
+                <a:solidFill>
+                  <a:srgbClr val="000000"/>
+                </a:solidFill>
+                <a:effectLst/>
+                <a:uLnTx/>
+                <a:uFillTx/>
+                <a:latin typeface="Myriad Pro"/>
+                <a:ea typeface="+mn-ea"/>
+                <a:cs typeface="+mn-cs"/>
+              </a:rPr>
+              <a:t>UI calls Node server API with input data</a:t>
+            </a:r>
+          </a:p>
+          <a:p>
+            <a:pPr marL="171450" marR="0" lvl="0" indent="-171450" algn="l" defTabSz="685800" rtl="0" eaLnBrk="1" fontAlgn="auto" latinLnBrk="0" hangingPunct="1">
+              <a:lnSpc>
+                <a:spcPct val="100000"/>
+              </a:lnSpc>
+              <a:spcBef>
+                <a:spcPts val="0"/>
+              </a:spcBef>
+              <a:spcAft>
+                <a:spcPts val="0"/>
+              </a:spcAft>
+              <a:buClrTx/>
+              <a:buSzTx/>
+              <a:buFont typeface="Arial" panose="020B0604020202020204" pitchFamily="34" charset="0"/>
+              <a:buChar char="•"/>
+              <a:tabLst/>
+              <a:defRPr/>
+            </a:pPr>
+            <a:r>
+              <a:rPr kumimoji="0" lang="en-US" sz="1000" b="0" i="0" u="none" strike="noStrike" kern="1200" cap="none" spc="0" normalizeH="0" baseline="0" noProof="0" dirty="0">
+                <a:ln>
+                  <a:noFill/>
+                </a:ln>
+                <a:solidFill>
+                  <a:srgbClr val="000000"/>
+                </a:solidFill>
+                <a:effectLst/>
+                <a:uLnTx/>
+                <a:uFillTx/>
+                <a:latin typeface="Myriad Pro"/>
+                <a:ea typeface="+mn-ea"/>
+                <a:cs typeface="+mn-cs"/>
+              </a:rPr>
+              <a:t>Connects to </a:t>
+            </a:r>
+            <a:r>
+              <a:rPr kumimoji="0" lang="en-US" sz="1000" b="0" i="0" u="none" strike="noStrike" kern="1200" cap="none" spc="0" normalizeH="0" baseline="0" noProof="0" dirty="0" err="1">
+                <a:ln>
+                  <a:noFill/>
+                </a:ln>
+                <a:solidFill>
+                  <a:srgbClr val="000000"/>
+                </a:solidFill>
+                <a:effectLst/>
+                <a:uLnTx/>
+                <a:uFillTx/>
+                <a:latin typeface="Myriad Pro"/>
+                <a:ea typeface="+mn-ea"/>
+                <a:cs typeface="+mn-cs"/>
+              </a:rPr>
+              <a:t>mongodb</a:t>
+            </a:r>
+            <a:r>
+              <a:rPr kumimoji="0" lang="en-US" sz="1000" b="0" i="0" u="none" strike="noStrike" kern="1200" cap="none" spc="0" normalizeH="0" baseline="0" noProof="0" dirty="0">
+                <a:ln>
+                  <a:noFill/>
+                </a:ln>
+                <a:solidFill>
+                  <a:srgbClr val="000000"/>
+                </a:solidFill>
+                <a:effectLst/>
+                <a:uLnTx/>
+                <a:uFillTx/>
+                <a:latin typeface="Myriad Pro"/>
+                <a:ea typeface="+mn-ea"/>
+                <a:cs typeface="+mn-cs"/>
+              </a:rPr>
+              <a:t> and fetches history data</a:t>
+            </a:r>
+          </a:p>
+          <a:p>
+            <a:pPr marL="171450" marR="0" lvl="0" indent="-171450" algn="l" defTabSz="685800" rtl="0" eaLnBrk="1" fontAlgn="auto" latinLnBrk="0" hangingPunct="1">
+              <a:lnSpc>
+                <a:spcPct val="100000"/>
+              </a:lnSpc>
+              <a:spcBef>
+                <a:spcPts val="0"/>
+              </a:spcBef>
+              <a:spcAft>
+                <a:spcPts val="0"/>
+              </a:spcAft>
+              <a:buClrTx/>
+              <a:buSzTx/>
+              <a:buFont typeface="Arial" panose="020B0604020202020204" pitchFamily="34" charset="0"/>
+              <a:buChar char="•"/>
+              <a:tabLst/>
+              <a:defRPr/>
+            </a:pPr>
+            <a:r>
+              <a:rPr kumimoji="0" lang="en-US" sz="1000" b="0" i="0" u="none" strike="noStrike" kern="1200" cap="none" spc="0" normalizeH="0" baseline="0" noProof="0" dirty="0">
+                <a:ln>
+                  <a:noFill/>
+                </a:ln>
+                <a:solidFill>
+                  <a:srgbClr val="000000"/>
+                </a:solidFill>
+                <a:effectLst/>
+                <a:uLnTx/>
+                <a:uFillTx/>
+                <a:latin typeface="Myriad Pro"/>
+                <a:ea typeface="+mn-ea"/>
+                <a:cs typeface="+mn-cs"/>
+              </a:rPr>
+              <a:t>Based on history data, calls ARIMA service API</a:t>
+            </a:r>
+          </a:p>
+          <a:p>
+            <a:pPr marL="171450" marR="0" lvl="0" indent="-171450" algn="l" defTabSz="685800" rtl="0" eaLnBrk="1" fontAlgn="auto" latinLnBrk="0" hangingPunct="1">
+              <a:lnSpc>
+                <a:spcPct val="100000"/>
+              </a:lnSpc>
+              <a:spcBef>
+                <a:spcPts val="0"/>
+              </a:spcBef>
+              <a:spcAft>
+                <a:spcPts val="0"/>
+              </a:spcAft>
+              <a:buClrTx/>
+              <a:buSzTx/>
+              <a:buFont typeface="Arial" panose="020B0604020202020204" pitchFamily="34" charset="0"/>
+              <a:buChar char="•"/>
+              <a:tabLst/>
+              <a:defRPr/>
+            </a:pPr>
+            <a:r>
+              <a:rPr kumimoji="0" lang="en-US" sz="1000" b="0" i="0" u="none" strike="noStrike" kern="1200" cap="none" spc="0" normalizeH="0" baseline="0" noProof="0" dirty="0">
+                <a:ln>
+                  <a:noFill/>
+                </a:ln>
+                <a:solidFill>
+                  <a:srgbClr val="000000"/>
+                </a:solidFill>
+                <a:effectLst/>
+                <a:uLnTx/>
+                <a:uFillTx/>
+                <a:latin typeface="Myriad Pro"/>
+                <a:ea typeface="+mn-ea"/>
+                <a:cs typeface="+mn-cs"/>
+              </a:rPr>
+              <a:t>Receives forecasting data from ARIMA service</a:t>
+            </a:r>
+          </a:p>
+          <a:p>
+            <a:pPr marL="171450" marR="0" lvl="0" indent="-171450" algn="l" defTabSz="685800" rtl="0" eaLnBrk="1" fontAlgn="auto" latinLnBrk="0" hangingPunct="1">
+              <a:lnSpc>
+                <a:spcPct val="100000"/>
+              </a:lnSpc>
+              <a:spcBef>
+                <a:spcPts val="0"/>
+              </a:spcBef>
+              <a:spcAft>
+                <a:spcPts val="0"/>
+              </a:spcAft>
+              <a:buClrTx/>
+              <a:buSzTx/>
+              <a:buFont typeface="Arial" panose="020B0604020202020204" pitchFamily="34" charset="0"/>
+              <a:buChar char="•"/>
+              <a:tabLst/>
+              <a:defRPr/>
+            </a:pPr>
+            <a:r>
+              <a:rPr kumimoji="0" lang="en-US" sz="1000" b="0" i="0" u="none" strike="noStrike" kern="1200" cap="none" spc="0" normalizeH="0" baseline="0" noProof="0" dirty="0">
+                <a:ln>
+                  <a:noFill/>
+                </a:ln>
+                <a:solidFill>
+                  <a:srgbClr val="000000"/>
+                </a:solidFill>
+                <a:effectLst/>
+                <a:uLnTx/>
+                <a:uFillTx/>
+                <a:latin typeface="Myriad Pro"/>
+                <a:ea typeface="+mn-ea"/>
+                <a:cs typeface="+mn-cs"/>
+              </a:rPr>
+              <a:t>Send back the Forecasting data to UI for user</a:t>
+            </a:r>
+          </a:p>
+          <a:p>
+            <a:pPr marL="0" marR="0" lvl="0" indent="0" algn="l" defTabSz="685800" rtl="0" eaLnBrk="1" fontAlgn="auto" latinLnBrk="0" hangingPunct="1">
+              <a:lnSpc>
+                <a:spcPct val="100000"/>
+              </a:lnSpc>
+              <a:spcBef>
+                <a:spcPts val="0"/>
+              </a:spcBef>
+              <a:spcAft>
+                <a:spcPts val="0"/>
+              </a:spcAft>
+              <a:buClrTx/>
+              <a:buSzTx/>
+              <a:buFontTx/>
+              <a:buNone/>
+              <a:tabLst/>
+              <a:defRPr/>
+            </a:pPr>
+            <a:endParaRPr kumimoji="0" lang="en-US" sz="800" b="0" i="0" u="none" strike="noStrike" kern="1200" cap="none" spc="0" normalizeH="0" baseline="0" noProof="0" dirty="0">
+              <a:ln>
+                <a:noFill/>
+              </a:ln>
+              <a:solidFill>
+                <a:srgbClr val="000000"/>
+              </a:solidFill>
+              <a:effectLst/>
+              <a:uLnTx/>
+              <a:uFillTx/>
+              <a:latin typeface="Myriad Pro"/>
+              <a:ea typeface="+mn-ea"/>
+              <a:cs typeface="+mn-cs"/>
+            </a:endParaRPr>
+          </a:p>
+          <a:p>
+            <a:pPr marL="0" marR="0" lvl="0" indent="0" algn="l" defTabSz="685800" rtl="0" eaLnBrk="1" fontAlgn="auto" latinLnBrk="0" hangingPunct="1">
+              <a:lnSpc>
+                <a:spcPct val="100000"/>
+              </a:lnSpc>
+              <a:spcBef>
+                <a:spcPts val="0"/>
+              </a:spcBef>
+              <a:spcAft>
+                <a:spcPts val="0"/>
+              </a:spcAft>
+              <a:buClrTx/>
+              <a:buSzTx/>
+              <a:buFontTx/>
+              <a:buNone/>
+              <a:tabLst/>
+              <a:defRPr/>
+            </a:pPr>
+            <a:endParaRPr kumimoji="0" lang="en-US" sz="1400" b="0" i="0" u="none" strike="noStrike" kern="1200" cap="none" spc="0" normalizeH="0" baseline="0" noProof="0" dirty="0">
+              <a:ln>
+                <a:noFill/>
+              </a:ln>
+              <a:solidFill>
+                <a:srgbClr val="000000"/>
+              </a:solidFill>
+              <a:effectLst/>
+              <a:uLnTx/>
+              <a:uFillTx/>
+              <a:latin typeface="Myriad Pro"/>
+              <a:ea typeface="+mn-ea"/>
+              <a:cs typeface="+mn-cs"/>
+            </a:endParaRPr>
+          </a:p>
+        </p:txBody>
+      </p:sp>
+      <p:cxnSp>
+        <p:nvCxnSpPr>
+          <p:cNvPr id="38" name="Straight Arrow Connector 37"/>
+          <p:cNvCxnSpPr/>
+          <p:nvPr/>
+        </p:nvCxnSpPr>
+        <p:spPr>
+          <a:xfrm>
+            <a:off x="5546328" y="2575774"/>
+            <a:ext cx="1609789" cy="458730"/>
+          </a:xfrm>
+          <a:prstGeom prst="straightConnector1">
+            <a:avLst/>
+          </a:prstGeom>
+          <a:ln>
+            <a:tailEnd type="triangle"/>
+          </a:ln>
+        </p:spPr>
+        <p:style>
+          <a:lnRef idx="1">
+            <a:schemeClr val="accent1"/>
+          </a:lnRef>
+          <a:fillRef idx="0">
+            <a:schemeClr val="accent1"/>
+          </a:fillRef>
+          <a:effectRef idx="0">
+            <a:schemeClr val="accent1"/>
+          </a:effectRef>
+          <a:fontRef idx="minor">
+            <a:schemeClr val="tx1"/>
+          </a:fontRef>
+        </p:style>
+      </p:cxnSp>
+      <p:cxnSp>
+        <p:nvCxnSpPr>
+          <p:cNvPr id="42" name="Straight Arrow Connector 41"/>
+          <p:cNvCxnSpPr>
+            <a:stCxn id="30" idx="1"/>
+          </p:cNvCxnSpPr>
+          <p:nvPr/>
+        </p:nvCxnSpPr>
+        <p:spPr>
+          <a:xfrm flipH="1" flipV="1">
+            <a:off x="5453491" y="2705809"/>
+            <a:ext cx="1692701" cy="494661"/>
+          </a:xfrm>
+          <a:prstGeom prst="straightConnector1">
+            <a:avLst/>
+          </a:prstGeom>
+          <a:ln>
+            <a:tailEnd type="triangle"/>
+          </a:ln>
+        </p:spPr>
+        <p:style>
+          <a:lnRef idx="1">
+            <a:schemeClr val="accent1"/>
+          </a:lnRef>
+          <a:fillRef idx="0">
+            <a:schemeClr val="accent1"/>
+          </a:fillRef>
+          <a:effectRef idx="0">
+            <a:schemeClr val="accent1"/>
+          </a:effectRef>
+          <a:fontRef idx="minor">
+            <a:schemeClr val="tx1"/>
+          </a:fontRef>
+        </p:style>
+      </p:cxnSp>
+      <p:sp>
+        <p:nvSpPr>
+          <p:cNvPr id="7" name="Rectangle 6">
+            <a:extLst>
+              <a:ext uri="{FF2B5EF4-FFF2-40B4-BE49-F238E27FC236}">
+                <a16:creationId xmlns:a16="http://schemas.microsoft.com/office/drawing/2014/main" id="{9828734F-A4AD-4021-B82B-F514E9C3E52D}"/>
+              </a:ext>
+            </a:extLst>
+          </p:cNvPr>
+          <p:cNvSpPr/>
+          <p:nvPr/>
+        </p:nvSpPr>
+        <p:spPr>
+          <a:xfrm>
+            <a:off x="1343775" y="963900"/>
+            <a:ext cx="4572000" cy="707886"/>
+          </a:xfrm>
+          <a:prstGeom prst="rect">
+            <a:avLst/>
+          </a:prstGeom>
+        </p:spPr>
+        <p:txBody>
+          <a:bodyPr>
+            <a:spAutoFit/>
+          </a:bodyPr>
+          <a:lstStyle/>
+          <a:p>
+            <a:pPr marL="171450" marR="0" lvl="0" indent="-171450" algn="l" defTabSz="685800" rtl="0" eaLnBrk="1" fontAlgn="auto" latinLnBrk="0" hangingPunct="1">
+              <a:lnSpc>
+                <a:spcPct val="100000"/>
+              </a:lnSpc>
+              <a:spcBef>
+                <a:spcPts val="0"/>
+              </a:spcBef>
+              <a:spcAft>
+                <a:spcPts val="0"/>
+              </a:spcAft>
+              <a:buClrTx/>
+              <a:buSzTx/>
+              <a:buFont typeface="Arial" panose="020B0604020202020204" pitchFamily="34" charset="0"/>
+              <a:buChar char="•"/>
+              <a:tabLst/>
+              <a:defRPr/>
+            </a:pPr>
+            <a:r>
+              <a:rPr kumimoji="0" lang="en-US" sz="1000" b="0" i="0" u="none" strike="noStrike" kern="1200" cap="none" spc="0" normalizeH="0" baseline="0" noProof="0" dirty="0">
+                <a:ln>
+                  <a:noFill/>
+                </a:ln>
+                <a:solidFill>
+                  <a:srgbClr val="000000"/>
+                </a:solidFill>
+                <a:effectLst/>
+                <a:uLnTx/>
+                <a:uFillTx/>
+                <a:latin typeface="Myriad Pro"/>
+                <a:ea typeface="+mn-ea"/>
+                <a:cs typeface="+mn-cs"/>
+              </a:rPr>
+              <a:t>In UI , the user </a:t>
+            </a:r>
+            <a:r>
+              <a:rPr lang="en-US" sz="1000" dirty="0" smtClean="0">
+                <a:solidFill>
+                  <a:srgbClr val="000000"/>
+                </a:solidFill>
+                <a:latin typeface="Myriad Pro"/>
+              </a:rPr>
+              <a:t>requests </a:t>
+            </a:r>
+            <a:r>
+              <a:rPr kumimoji="0" lang="en-US" sz="1000" b="0" i="0" u="none" strike="noStrike" kern="1200" cap="none" spc="0" normalizeH="0" baseline="0" noProof="0" dirty="0" smtClean="0">
+                <a:ln>
+                  <a:noFill/>
+                </a:ln>
+                <a:solidFill>
+                  <a:srgbClr val="000000"/>
+                </a:solidFill>
+                <a:effectLst/>
+                <a:uLnTx/>
+                <a:uFillTx/>
+                <a:latin typeface="Myriad Pro"/>
+                <a:ea typeface="+mn-ea"/>
+                <a:cs typeface="+mn-cs"/>
+              </a:rPr>
+              <a:t>forecasting </a:t>
+            </a:r>
+            <a:r>
+              <a:rPr kumimoji="0" lang="en-US" sz="1000" b="0" i="0" u="none" strike="noStrike" kern="1200" cap="none" spc="0" normalizeH="0" baseline="0" noProof="0" dirty="0">
+                <a:ln>
+                  <a:noFill/>
+                </a:ln>
+                <a:solidFill>
+                  <a:srgbClr val="000000"/>
+                </a:solidFill>
+                <a:effectLst/>
+                <a:uLnTx/>
+                <a:uFillTx/>
+                <a:latin typeface="Myriad Pro"/>
+                <a:ea typeface="+mn-ea"/>
+                <a:cs typeface="+mn-cs"/>
+              </a:rPr>
+              <a:t>by selecting the history </a:t>
+            </a:r>
+            <a:r>
+              <a:rPr kumimoji="0" lang="en-US" sz="1000" b="0" i="0" u="none" strike="noStrike" kern="1200" cap="none" spc="0" normalizeH="0" baseline="0" noProof="0" dirty="0" smtClean="0">
+                <a:ln>
+                  <a:noFill/>
+                </a:ln>
+                <a:solidFill>
+                  <a:srgbClr val="000000"/>
+                </a:solidFill>
+                <a:effectLst/>
+                <a:uLnTx/>
+                <a:uFillTx/>
+                <a:latin typeface="Myriad Pro"/>
+                <a:ea typeface="+mn-ea"/>
+                <a:cs typeface="+mn-cs"/>
+              </a:rPr>
+              <a:t>dates, </a:t>
+            </a:r>
+            <a:r>
+              <a:rPr kumimoji="0" lang="en-US" sz="1000" b="0" i="0" u="none" strike="noStrike" kern="1200" cap="none" spc="0" normalizeH="0" baseline="0" noProof="0" dirty="0">
+                <a:ln>
+                  <a:noFill/>
+                </a:ln>
+                <a:solidFill>
+                  <a:srgbClr val="000000"/>
+                </a:solidFill>
+                <a:effectLst/>
+                <a:uLnTx/>
+                <a:uFillTx/>
+                <a:latin typeface="Myriad Pro"/>
+                <a:ea typeface="+mn-ea"/>
+                <a:cs typeface="+mn-cs"/>
+              </a:rPr>
+              <a:t>the dates which user would like to view and the number of weeks</a:t>
+            </a:r>
+          </a:p>
+          <a:p>
+            <a:pPr marL="171450" marR="0" lvl="0" indent="-171450" algn="l" defTabSz="685800" rtl="0" eaLnBrk="1" fontAlgn="auto" latinLnBrk="0" hangingPunct="1">
+              <a:lnSpc>
+                <a:spcPct val="100000"/>
+              </a:lnSpc>
+              <a:spcBef>
+                <a:spcPts val="0"/>
+              </a:spcBef>
+              <a:spcAft>
+                <a:spcPts val="0"/>
+              </a:spcAft>
+              <a:buClrTx/>
+              <a:buSzTx/>
+              <a:buFont typeface="Arial" panose="020B0604020202020204" pitchFamily="34" charset="0"/>
+              <a:buChar char="•"/>
+              <a:tabLst/>
+              <a:defRPr/>
+            </a:pPr>
+            <a:r>
+              <a:rPr kumimoji="0" lang="en-US" sz="1000" b="0" i="0" u="none" strike="noStrike" kern="1200" cap="none" spc="0" normalizeH="0" baseline="0" noProof="0" dirty="0">
+                <a:ln>
+                  <a:noFill/>
+                </a:ln>
+                <a:solidFill>
+                  <a:srgbClr val="000000"/>
+                </a:solidFill>
+                <a:effectLst/>
+                <a:uLnTx/>
+                <a:uFillTx/>
+                <a:latin typeface="Myriad Pro"/>
+                <a:ea typeface="+mn-ea"/>
+                <a:cs typeface="+mn-cs"/>
+              </a:rPr>
+              <a:t>The channel could be online</a:t>
+            </a:r>
+            <a:r>
+              <a:rPr kumimoji="0" lang="en-US" sz="1000" b="0" i="0" u="none" strike="noStrike" kern="1200" cap="none" spc="0" normalizeH="0" baseline="0" noProof="0" dirty="0" smtClean="0">
+                <a:ln>
+                  <a:noFill/>
+                </a:ln>
+                <a:solidFill>
+                  <a:srgbClr val="000000"/>
+                </a:solidFill>
+                <a:effectLst/>
+                <a:uLnTx/>
+                <a:uFillTx/>
+                <a:latin typeface="Myriad Pro"/>
+                <a:ea typeface="+mn-ea"/>
+                <a:cs typeface="+mn-cs"/>
+              </a:rPr>
+              <a:t>, </a:t>
+            </a:r>
+            <a:r>
+              <a:rPr kumimoji="0" lang="en-US" sz="1000" b="0" i="0" u="none" strike="noStrike" kern="1200" cap="none" spc="0" normalizeH="0" baseline="0" noProof="0" dirty="0" err="1" smtClean="0">
+                <a:ln>
+                  <a:noFill/>
+                </a:ln>
+                <a:solidFill>
+                  <a:srgbClr val="000000"/>
+                </a:solidFill>
+                <a:effectLst/>
+                <a:uLnTx/>
+                <a:uFillTx/>
+                <a:latin typeface="Myriad Pro"/>
+                <a:ea typeface="+mn-ea"/>
+                <a:cs typeface="+mn-cs"/>
+              </a:rPr>
+              <a:t>instore</a:t>
+            </a:r>
+            <a:r>
+              <a:rPr kumimoji="0" lang="en-US" sz="1000" b="0" i="0" u="none" strike="noStrike" kern="1200" cap="none" spc="0" normalizeH="0" baseline="0" noProof="0" dirty="0" smtClean="0">
+                <a:ln>
+                  <a:noFill/>
+                </a:ln>
+                <a:solidFill>
+                  <a:srgbClr val="000000"/>
+                </a:solidFill>
+                <a:effectLst/>
+                <a:uLnTx/>
+                <a:uFillTx/>
+                <a:latin typeface="Myriad Pro"/>
+                <a:ea typeface="+mn-ea"/>
+                <a:cs typeface="+mn-cs"/>
+              </a:rPr>
+              <a:t> </a:t>
+            </a:r>
+            <a:r>
+              <a:rPr kumimoji="0" lang="en-US" sz="1000" b="0" i="0" u="none" strike="noStrike" kern="1200" cap="none" spc="0" normalizeH="0" baseline="0" noProof="0" dirty="0">
+                <a:ln>
+                  <a:noFill/>
+                </a:ln>
+                <a:solidFill>
+                  <a:srgbClr val="000000"/>
+                </a:solidFill>
+                <a:effectLst/>
+                <a:uLnTx/>
+                <a:uFillTx/>
+                <a:latin typeface="Myriad Pro"/>
+                <a:ea typeface="+mn-ea"/>
+                <a:cs typeface="+mn-cs"/>
+              </a:rPr>
+              <a:t>or phone</a:t>
+            </a:r>
+          </a:p>
+          <a:p>
+            <a:pPr marL="171450" marR="0" lvl="0" indent="-171450" algn="l" defTabSz="685800" rtl="0" eaLnBrk="1" fontAlgn="auto" latinLnBrk="0" hangingPunct="1">
+              <a:lnSpc>
+                <a:spcPct val="100000"/>
+              </a:lnSpc>
+              <a:spcBef>
+                <a:spcPts val="0"/>
+              </a:spcBef>
+              <a:spcAft>
+                <a:spcPts val="0"/>
+              </a:spcAft>
+              <a:buClrTx/>
+              <a:buSzTx/>
+              <a:buFont typeface="Arial" panose="020B0604020202020204" pitchFamily="34" charset="0"/>
+              <a:buChar char="•"/>
+              <a:tabLst/>
+              <a:defRPr/>
+            </a:pPr>
+            <a:r>
+              <a:rPr kumimoji="0" lang="en-US" sz="1000" b="0" i="0" u="none" strike="noStrike" kern="1200" cap="none" spc="0" normalizeH="0" baseline="0" noProof="0" dirty="0">
+                <a:ln>
+                  <a:noFill/>
+                </a:ln>
+                <a:solidFill>
+                  <a:srgbClr val="000000"/>
+                </a:solidFill>
+                <a:effectLst/>
+                <a:uLnTx/>
+                <a:uFillTx/>
+                <a:latin typeface="Myriad Pro"/>
+                <a:ea typeface="+mn-ea"/>
+                <a:cs typeface="+mn-cs"/>
+              </a:rPr>
+              <a:t>By clicking on submit an </a:t>
+            </a:r>
+            <a:r>
+              <a:rPr kumimoji="0" lang="en-US" sz="1000" b="0" i="0" u="none" strike="noStrike" kern="1200" cap="none" spc="0" normalizeH="0" baseline="0" noProof="0" dirty="0" err="1">
+                <a:ln>
+                  <a:noFill/>
+                </a:ln>
+                <a:solidFill>
+                  <a:srgbClr val="000000"/>
+                </a:solidFill>
+                <a:effectLst/>
+                <a:uLnTx/>
+                <a:uFillTx/>
+                <a:latin typeface="Myriad Pro"/>
+                <a:ea typeface="+mn-ea"/>
+                <a:cs typeface="+mn-cs"/>
+              </a:rPr>
+              <a:t>api</a:t>
+            </a:r>
+            <a:r>
+              <a:rPr kumimoji="0" lang="en-US" sz="1000" b="0" i="0" u="none" strike="noStrike" kern="1200" cap="none" spc="0" normalizeH="0" baseline="0" noProof="0" dirty="0">
+                <a:ln>
+                  <a:noFill/>
+                </a:ln>
+                <a:solidFill>
+                  <a:srgbClr val="000000"/>
+                </a:solidFill>
+                <a:effectLst/>
+                <a:uLnTx/>
+                <a:uFillTx/>
+                <a:latin typeface="Myriad Pro"/>
+                <a:ea typeface="+mn-ea"/>
+                <a:cs typeface="+mn-cs"/>
+              </a:rPr>
+              <a:t> call is made by passing this data to the server.</a:t>
+            </a:r>
+          </a:p>
+        </p:txBody>
+      </p:sp>
+      <p:pic>
+        <p:nvPicPr>
+          <p:cNvPr id="11" name="Picture 10">
+            <a:extLst>
+              <a:ext uri="{FF2B5EF4-FFF2-40B4-BE49-F238E27FC236}">
+                <a16:creationId xmlns:a16="http://schemas.microsoft.com/office/drawing/2014/main" id="{2C443C11-67E9-4F4F-B942-DF1D11E038A8}"/>
+              </a:ext>
+            </a:extLst>
+          </p:cNvPr>
+          <p:cNvPicPr>
+            <a:picLocks noChangeAspect="1"/>
+          </p:cNvPicPr>
+          <p:nvPr/>
+        </p:nvPicPr>
+        <p:blipFill>
+          <a:blip r:embed="rId6"/>
+          <a:stretch>
+            <a:fillRect/>
+          </a:stretch>
+        </p:blipFill>
+        <p:spPr>
+          <a:xfrm>
+            <a:off x="6004831" y="918517"/>
+            <a:ext cx="2880904" cy="948145"/>
+          </a:xfrm>
+          <a:prstGeom prst="rect">
+            <a:avLst/>
+          </a:prstGeom>
+        </p:spPr>
+      </p:pic>
     </p:spTree>
     <p:extLst>
       <p:ext uri="{BB962C8B-B14F-4D97-AF65-F5344CB8AC3E}">
-        <p14:creationId xmlns:p14="http://schemas.microsoft.com/office/powerpoint/2010/main" val="254312320"/>
+        <p14:creationId xmlns:p14="http://schemas.microsoft.com/office/powerpoint/2010/main" val="33950850"/>
       </p:ext>
     </p:extLst>
   </p:cSld>
@@ -5175,7 +7631,13 @@
       </p:grpSpPr>
       <p:sp>
         <p:nvSpPr>
-          <p:cNvPr id="2" name="Title 1"/>
+          <p:cNvPr id="2" name="Title 1">
+            <a:extLst>
+              <a:ext uri="{FF2B5EF4-FFF2-40B4-BE49-F238E27FC236}">
+                <a16:creationId xmlns:a16="http://schemas.microsoft.com/office/drawing/2014/main" id="{643C8D8D-7962-4C43-AEE0-F47FA2F063C6}"/>
+              </a:ext>
+            </a:extLst>
+          </p:cNvPr>
           <p:cNvSpPr>
             <a:spLocks noGrp="1"/>
           </p:cNvSpPr>
@@ -5183,15 +7645,10 @@
             <p:ph type="title"/>
           </p:nvPr>
         </p:nvSpPr>
-        <p:spPr>
-          <a:xfrm>
-            <a:off x="403761" y="159855"/>
-            <a:ext cx="6244784" cy="481985"/>
-          </a:xfrm>
-        </p:spPr>
+        <p:spPr/>
         <p:txBody>
           <a:bodyPr wrap="square">
-            <a:normAutofit/>
+            <a:normAutofit fontScale="92500"/>
           </a:bodyPr>
           <a:lstStyle/>
           <a:p>
@@ -5202,14 +7659,26 @@
                 </a:solidFill>
                 <a:cs typeface="Arial" pitchFamily="34" charset="0"/>
               </a:rPr>
-              <a:t>ARIMA Sales Forecasting – Process Flow</a:t>
-            </a:r>
+              <a:t>Request – Response Details</a:t>
+            </a:r>
+            <a:endParaRPr lang="en-US" sz="2400" dirty="0">
+              <a:solidFill>
+                <a:schemeClr val="tx2"/>
+              </a:solidFill>
+              <a:cs typeface="Arial" pitchFamily="34" charset="0"/>
+            </a:endParaRPr>
           </a:p>
         </p:txBody>
       </p:sp>
       <p:sp>
         <p:nvSpPr>
-          <p:cNvPr id="4" name="Text Placeholder 3"/>
+          <p:cNvPr id="3" name="Text Placeholder 2">
+            <a:extLst>
+              <a:ext uri="{FF2B5EF4-FFF2-40B4-BE49-F238E27FC236}">
+                <a16:creationId xmlns:a16="http://schemas.microsoft.com/office/drawing/2014/main" id="{863503B4-2F64-411E-AFCB-FDF7DCE8BC10}"/>
+              </a:ext>
+            </a:extLst>
+          </p:cNvPr>
           <p:cNvSpPr>
             <a:spLocks noGrp="1"/>
           </p:cNvSpPr>
@@ -5222,23 +7691,20 @@
           <a:bodyPr/>
           <a:lstStyle/>
           <a:p>
-            <a:r>
-              <a:rPr lang="en-US" dirty="0"/>
-              <a:t>TCS Internal</a:t>
-            </a:r>
+            <a:endParaRPr lang="en-US"/>
           </a:p>
         </p:txBody>
       </p:sp>
       <p:sp>
         <p:nvSpPr>
-          <p:cNvPr id="33" name="Rounded Rectangle 32"/>
+          <p:cNvPr id="5" name="Rounded Rectangle 4"/>
           <p:cNvSpPr/>
           <p:nvPr/>
         </p:nvSpPr>
         <p:spPr>
           <a:xfrm>
             <a:off x="170637" y="813290"/>
-            <a:ext cx="8846363" cy="3917125"/>
+            <a:ext cx="2702381" cy="3917125"/>
           </a:xfrm>
           <a:prstGeom prst="roundRect">
             <a:avLst>
@@ -5275,54 +7741,29 @@
           </a:bodyPr>
           <a:lstStyle/>
           <a:p>
-            <a:pPr marL="0" marR="0" lvl="0" indent="0" algn="ctr" defTabSz="685800" rtl="0" eaLnBrk="1" fontAlgn="auto" latinLnBrk="0" hangingPunct="1">
-              <a:lnSpc>
-                <a:spcPct val="100000"/>
-              </a:lnSpc>
-              <a:spcBef>
-                <a:spcPts val="0"/>
-              </a:spcBef>
-              <a:spcAft>
-                <a:spcPts val="0"/>
-              </a:spcAft>
-              <a:buClrTx/>
-              <a:buSzTx/>
-              <a:buFontTx/>
-              <a:buNone/>
-              <a:tabLst/>
-              <a:defRPr/>
-            </a:pPr>
-            <a:endParaRPr kumimoji="0" lang="en-US" sz="1200" b="0" i="0" u="none" strike="noStrike" kern="1200" cap="none" spc="0" normalizeH="0" baseline="0" noProof="0" dirty="0">
-              <a:ln>
-                <a:noFill/>
-              </a:ln>
+            <a:pPr algn="ctr"/>
+            <a:endParaRPr lang="en-US" dirty="0">
               <a:solidFill>
-                <a:prstClr val="white"/>
+                <a:schemeClr val="bg1"/>
               </a:solidFill>
-              <a:effectLst/>
-              <a:uLnTx/>
-              <a:uFillTx/>
-              <a:latin typeface="Myriad Pro"/>
-              <a:ea typeface="+mn-ea"/>
-              <a:cs typeface="+mn-cs"/>
             </a:endParaRPr>
           </a:p>
         </p:txBody>
       </p:sp>
       <p:sp>
         <p:nvSpPr>
-          <p:cNvPr id="34" name="Rounded Rectangle 33"/>
+          <p:cNvPr id="7" name="Rounded Rectangle 6"/>
           <p:cNvSpPr/>
           <p:nvPr/>
         </p:nvSpPr>
         <p:spPr>
           <a:xfrm>
-            <a:off x="170637" y="813290"/>
-            <a:ext cx="1137463" cy="3917125"/>
+            <a:off x="3196533" y="813289"/>
+            <a:ext cx="2702381" cy="3917125"/>
           </a:xfrm>
           <a:prstGeom prst="roundRect">
             <a:avLst>
-              <a:gd name="adj" fmla="val 16592"/>
+              <a:gd name="adj" fmla="val 4869"/>
             </a:avLst>
           </a:prstGeom>
           <a:noFill/>
@@ -5355,54 +7796,29 @@
           </a:bodyPr>
           <a:lstStyle/>
           <a:p>
-            <a:pPr marL="0" marR="0" lvl="0" indent="0" algn="ctr" defTabSz="685800" rtl="0" eaLnBrk="1" fontAlgn="auto" latinLnBrk="0" hangingPunct="1">
-              <a:lnSpc>
-                <a:spcPct val="100000"/>
-              </a:lnSpc>
-              <a:spcBef>
-                <a:spcPts val="0"/>
-              </a:spcBef>
-              <a:spcAft>
-                <a:spcPts val="0"/>
-              </a:spcAft>
-              <a:buClrTx/>
-              <a:buSzTx/>
-              <a:buFontTx/>
-              <a:buNone/>
-              <a:tabLst/>
-              <a:defRPr/>
-            </a:pPr>
-            <a:endParaRPr kumimoji="0" lang="en-US" sz="1200" b="0" i="0" u="none" strike="noStrike" kern="1200" cap="none" spc="0" normalizeH="0" baseline="0" noProof="0" dirty="0">
-              <a:ln>
-                <a:noFill/>
-              </a:ln>
+            <a:pPr algn="ctr"/>
+            <a:endParaRPr lang="en-US" dirty="0">
               <a:solidFill>
-                <a:prstClr val="white"/>
+                <a:schemeClr val="bg1"/>
               </a:solidFill>
-              <a:effectLst/>
-              <a:uLnTx/>
-              <a:uFillTx/>
-              <a:latin typeface="Myriad Pro"/>
-              <a:ea typeface="+mn-ea"/>
-              <a:cs typeface="+mn-cs"/>
             </a:endParaRPr>
           </a:p>
         </p:txBody>
       </p:sp>
       <p:sp>
         <p:nvSpPr>
-          <p:cNvPr id="35" name="Rounded Rectangle 34"/>
+          <p:cNvPr id="10" name="Rounded Rectangle 9"/>
           <p:cNvSpPr/>
           <p:nvPr/>
         </p:nvSpPr>
         <p:spPr>
           <a:xfrm>
-            <a:off x="170636" y="813290"/>
-            <a:ext cx="8846363" cy="1123460"/>
+            <a:off x="6222430" y="752416"/>
+            <a:ext cx="2702381" cy="1948903"/>
           </a:xfrm>
           <a:prstGeom prst="roundRect">
             <a:avLst>
-              <a:gd name="adj" fmla="val 17448"/>
+              <a:gd name="adj" fmla="val 4869"/>
             </a:avLst>
           </a:prstGeom>
           <a:noFill/>
@@ -5435,54 +7851,429 @@
           </a:bodyPr>
           <a:lstStyle/>
           <a:p>
-            <a:pPr marL="0" marR="0" lvl="0" indent="0" algn="ctr" defTabSz="685800" rtl="0" eaLnBrk="1" fontAlgn="auto" latinLnBrk="0" hangingPunct="1">
-              <a:lnSpc>
-                <a:spcPct val="100000"/>
-              </a:lnSpc>
-              <a:spcBef>
-                <a:spcPts val="0"/>
-              </a:spcBef>
-              <a:spcAft>
-                <a:spcPts val="0"/>
-              </a:spcAft>
-              <a:buClrTx/>
-              <a:buSzTx/>
-              <a:buFontTx/>
-              <a:buNone/>
-              <a:tabLst/>
-              <a:defRPr/>
+            <a:pPr algn="ctr"/>
+            <a:endParaRPr lang="en-US" dirty="0">
+              <a:solidFill>
+                <a:schemeClr val="bg1"/>
+              </a:solidFill>
+            </a:endParaRPr>
+          </a:p>
+        </p:txBody>
+      </p:sp>
+      <p:grpSp>
+        <p:nvGrpSpPr>
+          <p:cNvPr id="12" name="Group 11"/>
+          <p:cNvGrpSpPr/>
+          <p:nvPr/>
+        </p:nvGrpSpPr>
+        <p:grpSpPr>
+          <a:xfrm>
+            <a:off x="3680856" y="843773"/>
+            <a:ext cx="1813418" cy="360899"/>
+            <a:chOff x="3685937" y="877291"/>
+            <a:chExt cx="1813418" cy="360899"/>
+          </a:xfrm>
+        </p:grpSpPr>
+        <p:sp>
+          <p:nvSpPr>
+            <p:cNvPr id="13" name="TextBox 12"/>
+            <p:cNvSpPr txBox="1"/>
+            <p:nvPr/>
+          </p:nvSpPr>
+          <p:spPr>
+            <a:xfrm>
+              <a:off x="3922331" y="888464"/>
+              <a:ext cx="1577024" cy="338554"/>
+            </a:xfrm>
+            <a:prstGeom prst="rect">
+              <a:avLst/>
+            </a:prstGeom>
+            <a:noFill/>
+          </p:spPr>
+          <p:txBody>
+            <a:bodyPr wrap="square" rtlCol="0">
+              <a:spAutoFit/>
+            </a:bodyPr>
+            <a:lstStyle/>
+            <a:p>
+              <a:pPr algn="ctr"/>
+              <a:r>
+                <a:rPr lang="en-US" sz="1600" dirty="0" smtClean="0">
+                  <a:solidFill>
+                    <a:srgbClr val="FBB141"/>
+                  </a:solidFill>
+                  <a:latin typeface="Calibri" panose="020F0502020204030204" pitchFamily="34" charset="0"/>
+                </a:rPr>
+                <a:t>Node JS Service</a:t>
+              </a:r>
+              <a:endParaRPr lang="en-US" sz="1600" dirty="0">
+                <a:solidFill>
+                  <a:srgbClr val="FBB141"/>
+                </a:solidFill>
+                <a:latin typeface="Calibri" panose="020F0502020204030204" pitchFamily="34" charset="0"/>
+              </a:endParaRPr>
+            </a:p>
+          </p:txBody>
+        </p:sp>
+        <p:pic>
+          <p:nvPicPr>
+            <p:cNvPr id="14" name="Picture 60" descr="Image result for nodejs logo transparent"/>
+            <p:cNvPicPr>
+              <a:picLocks noChangeAspect="1" noChangeArrowheads="1"/>
+            </p:cNvPicPr>
+            <p:nvPr/>
+          </p:nvPicPr>
+          <p:blipFill>
+            <a:blip r:embed="rId2" cstate="print">
+              <a:extLst>
+                <a:ext uri="{28A0092B-C50C-407E-A947-70E740481C1C}">
+                  <a14:useLocalDpi xmlns:a14="http://schemas.microsoft.com/office/drawing/2010/main" val="0"/>
+                </a:ext>
+              </a:extLst>
+            </a:blip>
+            <a:srcRect/>
+            <a:stretch>
+              <a:fillRect/>
+            </a:stretch>
+          </p:blipFill>
+          <p:spPr bwMode="auto">
+            <a:xfrm>
+              <a:off x="3685937" y="877291"/>
+              <a:ext cx="331905" cy="360899"/>
+            </a:xfrm>
+            <a:prstGeom prst="rect">
+              <a:avLst/>
+            </a:prstGeom>
+            <a:noFill/>
+            <a:extLst>
+              <a:ext uri="{909E8E84-426E-40DD-AFC4-6F175D3DCCD1}">
+                <a14:hiddenFill xmlns:a14="http://schemas.microsoft.com/office/drawing/2010/main">
+                  <a:solidFill>
+                    <a:srgbClr val="FFFFFF"/>
+                  </a:solidFill>
+                </a14:hiddenFill>
+              </a:ext>
+            </a:extLst>
+          </p:spPr>
+        </p:pic>
+      </p:grpSp>
+      <p:grpSp>
+        <p:nvGrpSpPr>
+          <p:cNvPr id="18" name="Group 17"/>
+          <p:cNvGrpSpPr/>
+          <p:nvPr/>
+        </p:nvGrpSpPr>
+        <p:grpSpPr>
+          <a:xfrm>
+            <a:off x="635534" y="838049"/>
+            <a:ext cx="1772586" cy="377796"/>
+            <a:chOff x="933923" y="860394"/>
+            <a:chExt cx="1772586" cy="377796"/>
+          </a:xfrm>
+        </p:grpSpPr>
+        <p:sp>
+          <p:nvSpPr>
+            <p:cNvPr id="19" name="TextBox 18"/>
+            <p:cNvSpPr txBox="1"/>
+            <p:nvPr/>
+          </p:nvSpPr>
+          <p:spPr>
+            <a:xfrm>
+              <a:off x="1132306" y="877291"/>
+              <a:ext cx="1574203" cy="338554"/>
+            </a:xfrm>
+            <a:prstGeom prst="rect">
+              <a:avLst/>
+            </a:prstGeom>
+            <a:noFill/>
+          </p:spPr>
+          <p:txBody>
+            <a:bodyPr wrap="square" rtlCol="0">
+              <a:spAutoFit/>
+            </a:bodyPr>
+            <a:lstStyle/>
+            <a:p>
+              <a:pPr algn="ctr"/>
+              <a:r>
+                <a:rPr lang="en-US" sz="1600" dirty="0">
+                  <a:solidFill>
+                    <a:schemeClr val="accent1"/>
+                  </a:solidFill>
+                  <a:latin typeface="Calibri" panose="020F0502020204030204" pitchFamily="34" charset="0"/>
+                </a:rPr>
+                <a:t>User Interface</a:t>
+              </a:r>
+            </a:p>
+          </p:txBody>
+        </p:sp>
+        <p:pic>
+          <p:nvPicPr>
+            <p:cNvPr id="20" name="Picture 2" descr="Image result for angular"/>
+            <p:cNvPicPr>
+              <a:picLocks noChangeAspect="1" noChangeArrowheads="1"/>
+            </p:cNvPicPr>
+            <p:nvPr/>
+          </p:nvPicPr>
+          <p:blipFill>
+            <a:blip r:embed="rId3" cstate="print">
+              <a:extLst>
+                <a:ext uri="{28A0092B-C50C-407E-A947-70E740481C1C}">
+                  <a14:useLocalDpi xmlns:a14="http://schemas.microsoft.com/office/drawing/2010/main" val="0"/>
+                </a:ext>
+              </a:extLst>
+            </a:blip>
+            <a:srcRect/>
+            <a:stretch>
+              <a:fillRect/>
+            </a:stretch>
+          </p:blipFill>
+          <p:spPr bwMode="auto">
+            <a:xfrm>
+              <a:off x="933923" y="860394"/>
+              <a:ext cx="382266" cy="377796"/>
+            </a:xfrm>
+            <a:prstGeom prst="rect">
+              <a:avLst/>
+            </a:prstGeom>
+            <a:noFill/>
+            <a:extLst>
+              <a:ext uri="{909E8E84-426E-40DD-AFC4-6F175D3DCCD1}">
+                <a14:hiddenFill xmlns:a14="http://schemas.microsoft.com/office/drawing/2010/main">
+                  <a:solidFill>
+                    <a:srgbClr val="FFFFFF"/>
+                  </a:solidFill>
+                </a14:hiddenFill>
+              </a:ext>
+            </a:extLst>
+          </p:spPr>
+        </p:pic>
+      </p:grpSp>
+      <p:sp>
+        <p:nvSpPr>
+          <p:cNvPr id="26" name="TextBox 25"/>
+          <p:cNvSpPr txBox="1"/>
+          <p:nvPr/>
+        </p:nvSpPr>
+        <p:spPr>
+          <a:xfrm>
+            <a:off x="635534" y="1402658"/>
+            <a:ext cx="1966017" cy="830997"/>
+          </a:xfrm>
+          <a:prstGeom prst="rect">
+            <a:avLst/>
+          </a:prstGeom>
+          <a:noFill/>
+        </p:spPr>
+        <p:txBody>
+          <a:bodyPr wrap="square" rtlCol="0">
+            <a:spAutoFit/>
+          </a:bodyPr>
+          <a:lstStyle/>
+          <a:p>
+            <a:pPr marL="285750" indent="-285750">
+              <a:buFont typeface="Wingdings" panose="05000000000000000000" pitchFamily="2" charset="2"/>
+              <a:buChar char="ü"/>
             </a:pPr>
-            <a:endParaRPr kumimoji="0" lang="en-US" sz="1200" b="0" i="0" u="none" strike="noStrike" kern="1200" cap="none" spc="0" normalizeH="0" baseline="0" noProof="0" dirty="0">
-              <a:ln>
-                <a:noFill/>
-              </a:ln>
-              <a:solidFill>
-                <a:prstClr val="white"/>
-              </a:solidFill>
-              <a:effectLst/>
-              <a:uLnTx/>
-              <a:uFillTx/>
-              <a:latin typeface="Myriad Pro"/>
-              <a:ea typeface="+mn-ea"/>
-              <a:cs typeface="+mn-cs"/>
-            </a:endParaRPr>
+            <a:r>
+              <a:rPr lang="en-US" sz="1200" dirty="0" smtClean="0"/>
+              <a:t>History Start Date</a:t>
+            </a:r>
+          </a:p>
+          <a:p>
+            <a:pPr marL="285750" indent="-285750">
+              <a:buFont typeface="Wingdings" panose="05000000000000000000" pitchFamily="2" charset="2"/>
+              <a:buChar char="ü"/>
+            </a:pPr>
+            <a:r>
+              <a:rPr lang="en-US" sz="1200" dirty="0" smtClean="0"/>
+              <a:t>No. Of weeks </a:t>
+            </a:r>
+          </a:p>
+          <a:p>
+            <a:pPr marL="285750" indent="-285750">
+              <a:buFont typeface="Wingdings" panose="05000000000000000000" pitchFamily="2" charset="2"/>
+              <a:buChar char="ü"/>
+            </a:pPr>
+            <a:r>
+              <a:rPr lang="en-US" sz="1200" dirty="0" smtClean="0"/>
+              <a:t>Forecast Start Date</a:t>
+            </a:r>
+          </a:p>
+          <a:p>
+            <a:pPr marL="285750" indent="-285750">
+              <a:buFont typeface="Wingdings" panose="05000000000000000000" pitchFamily="2" charset="2"/>
+              <a:buChar char="ü"/>
+            </a:pPr>
+            <a:r>
+              <a:rPr lang="en-US" sz="1200" dirty="0" smtClean="0"/>
+              <a:t>No. Of Weeks</a:t>
+            </a:r>
+            <a:endParaRPr lang="en-US" sz="1200" dirty="0"/>
           </a:p>
         </p:txBody>
       </p:sp>
       <p:sp>
         <p:nvSpPr>
-          <p:cNvPr id="36" name="Rounded Rectangle 35"/>
+          <p:cNvPr id="29" name="Chevron 28"/>
           <p:cNvSpPr/>
           <p:nvPr/>
         </p:nvSpPr>
         <p:spPr>
           <a:xfrm>
-            <a:off x="170631" y="1936751"/>
-            <a:ext cx="8846363" cy="1606550"/>
+            <a:off x="2601551" y="1628087"/>
+            <a:ext cx="271466" cy="380140"/>
+          </a:xfrm>
+          <a:prstGeom prst="chevron">
+            <a:avLst/>
+          </a:prstGeom>
+        </p:spPr>
+        <p:style>
+          <a:lnRef idx="2">
+            <a:schemeClr val="accent1"/>
+          </a:lnRef>
+          <a:fillRef idx="1">
+            <a:schemeClr val="lt1"/>
+          </a:fillRef>
+          <a:effectRef idx="0">
+            <a:schemeClr val="accent1"/>
+          </a:effectRef>
+          <a:fontRef idx="minor">
+            <a:schemeClr val="dk1"/>
+          </a:fontRef>
+        </p:style>
+        <p:txBody>
+          <a:bodyPr rtlCol="0" anchor="ctr"/>
+          <a:lstStyle/>
+          <a:p>
+            <a:pPr algn="ctr"/>
+            <a:endParaRPr lang="en-US">
+              <a:solidFill>
+                <a:schemeClr val="tx1"/>
+              </a:solidFill>
+            </a:endParaRPr>
+          </a:p>
+        </p:txBody>
+      </p:sp>
+      <p:sp>
+        <p:nvSpPr>
+          <p:cNvPr id="30" name="TextBox 29"/>
+          <p:cNvSpPr txBox="1"/>
+          <p:nvPr/>
+        </p:nvSpPr>
+        <p:spPr>
+          <a:xfrm>
+            <a:off x="253156" y="3393171"/>
+            <a:ext cx="2350898" cy="830997"/>
+          </a:xfrm>
+          <a:prstGeom prst="rect">
+            <a:avLst/>
+          </a:prstGeom>
+          <a:noFill/>
+        </p:spPr>
+        <p:txBody>
+          <a:bodyPr wrap="square" rtlCol="0">
+            <a:spAutoFit/>
+          </a:bodyPr>
+          <a:lstStyle/>
+          <a:p>
+            <a:pPr marL="285750" indent="-285750">
+              <a:buFont typeface="Wingdings" panose="05000000000000000000" pitchFamily="2" charset="2"/>
+              <a:buChar char="v"/>
+            </a:pPr>
+            <a:r>
+              <a:rPr lang="en-US" sz="1200" dirty="0" smtClean="0"/>
+              <a:t>Product Information</a:t>
+            </a:r>
+          </a:p>
+          <a:p>
+            <a:pPr marL="285750" indent="-285750">
+              <a:buFont typeface="Wingdings" panose="05000000000000000000" pitchFamily="2" charset="2"/>
+              <a:buChar char="v"/>
+            </a:pPr>
+            <a:r>
+              <a:rPr lang="en-US" sz="1200" dirty="0" smtClean="0"/>
+              <a:t>History data in Weeks</a:t>
+            </a:r>
+          </a:p>
+          <a:p>
+            <a:pPr marL="285750" indent="-285750">
+              <a:buFont typeface="Wingdings" panose="05000000000000000000" pitchFamily="2" charset="2"/>
+              <a:buChar char="v"/>
+            </a:pPr>
+            <a:r>
+              <a:rPr lang="en-US" sz="1200" dirty="0" smtClean="0"/>
+              <a:t>Forecasting Data in weeks</a:t>
+            </a:r>
+          </a:p>
+          <a:p>
+            <a:pPr marL="285750" indent="-285750">
+              <a:buFont typeface="Wingdings" panose="05000000000000000000" pitchFamily="2" charset="2"/>
+              <a:buChar char="v"/>
+            </a:pPr>
+            <a:r>
+              <a:rPr lang="en-US" sz="1200" dirty="0" smtClean="0"/>
+              <a:t>Summary Data in months</a:t>
+            </a:r>
+            <a:endParaRPr lang="en-US" sz="1200" dirty="0"/>
+          </a:p>
+        </p:txBody>
+      </p:sp>
+      <p:sp>
+        <p:nvSpPr>
+          <p:cNvPr id="31" name="Chevron 30"/>
+          <p:cNvSpPr/>
+          <p:nvPr/>
+        </p:nvSpPr>
+        <p:spPr>
+          <a:xfrm rot="10800000">
+            <a:off x="2590049" y="3624275"/>
+            <a:ext cx="294469" cy="368789"/>
+          </a:xfrm>
+          <a:prstGeom prst="chevron">
+            <a:avLst/>
+          </a:prstGeom>
+        </p:spPr>
+        <p:style>
+          <a:lnRef idx="2">
+            <a:schemeClr val="accent1"/>
+          </a:lnRef>
+          <a:fillRef idx="1">
+            <a:schemeClr val="lt1"/>
+          </a:fillRef>
+          <a:effectRef idx="0">
+            <a:schemeClr val="accent1"/>
+          </a:effectRef>
+          <a:fontRef idx="minor">
+            <a:schemeClr val="dk1"/>
+          </a:fontRef>
+        </p:style>
+        <p:txBody>
+          <a:bodyPr rtlCol="0" anchor="ctr"/>
+          <a:lstStyle/>
+          <a:p>
+            <a:pPr algn="ctr"/>
+            <a:endParaRPr lang="en-US">
+              <a:solidFill>
+                <a:schemeClr val="tx1"/>
+              </a:solidFill>
+            </a:endParaRPr>
+          </a:p>
+        </p:txBody>
+      </p:sp>
+      <p:sp>
+        <p:nvSpPr>
+          <p:cNvPr id="32" name="Rounded Rectangle 31"/>
+          <p:cNvSpPr/>
+          <p:nvPr/>
+        </p:nvSpPr>
+        <p:spPr>
+          <a:xfrm>
+            <a:off x="6208468" y="2788493"/>
+            <a:ext cx="2702381" cy="1941921"/>
           </a:xfrm>
           <a:prstGeom prst="roundRect">
             <a:avLst>
-              <a:gd name="adj" fmla="val 5590"/>
+              <a:gd name="adj" fmla="val 4869"/>
             </a:avLst>
           </a:prstGeom>
           <a:noFill/>
@@ -5515,54 +8306,620 @@
           </a:bodyPr>
           <a:lstStyle/>
           <a:p>
-            <a:pPr marL="0" marR="0" lvl="0" indent="0" algn="ctr" defTabSz="685800" rtl="0" eaLnBrk="1" fontAlgn="auto" latinLnBrk="0" hangingPunct="1">
-              <a:lnSpc>
-                <a:spcPct val="100000"/>
-              </a:lnSpc>
-              <a:spcBef>
-                <a:spcPts val="0"/>
-              </a:spcBef>
-              <a:spcAft>
-                <a:spcPts val="0"/>
-              </a:spcAft>
-              <a:buClrTx/>
-              <a:buSzTx/>
-              <a:buFontTx/>
-              <a:buNone/>
-              <a:tabLst/>
-              <a:defRPr/>
-            </a:pPr>
-            <a:endParaRPr kumimoji="0" lang="en-US" sz="1200" b="0" i="0" u="none" strike="noStrike" kern="1200" cap="none" spc="0" normalizeH="0" baseline="0" noProof="0" dirty="0">
-              <a:ln>
-                <a:noFill/>
-              </a:ln>
+            <a:pPr algn="ctr"/>
+            <a:endParaRPr lang="en-US" dirty="0">
               <a:solidFill>
-                <a:prstClr val="white"/>
+                <a:schemeClr val="bg1"/>
               </a:solidFill>
-              <a:effectLst/>
-              <a:uLnTx/>
-              <a:uFillTx/>
-              <a:latin typeface="Myriad Pro"/>
-              <a:ea typeface="+mn-ea"/>
-              <a:cs typeface="+mn-cs"/>
+            </a:endParaRPr>
+          </a:p>
+        </p:txBody>
+      </p:sp>
+      <p:grpSp>
+        <p:nvGrpSpPr>
+          <p:cNvPr id="33" name="Group 32"/>
+          <p:cNvGrpSpPr/>
+          <p:nvPr/>
+        </p:nvGrpSpPr>
+        <p:grpSpPr>
+          <a:xfrm>
+            <a:off x="6660204" y="2924540"/>
+            <a:ext cx="1798908" cy="338554"/>
+            <a:chOff x="6691641" y="877291"/>
+            <a:chExt cx="1798908" cy="338554"/>
+          </a:xfrm>
+        </p:grpSpPr>
+        <p:sp>
+          <p:nvSpPr>
+            <p:cNvPr id="34" name="TextBox 33"/>
+            <p:cNvSpPr txBox="1"/>
+            <p:nvPr/>
+          </p:nvSpPr>
+          <p:spPr>
+            <a:xfrm>
+              <a:off x="6913525" y="877291"/>
+              <a:ext cx="1577024" cy="338554"/>
+            </a:xfrm>
+            <a:prstGeom prst="rect">
+              <a:avLst/>
+            </a:prstGeom>
+            <a:noFill/>
+          </p:spPr>
+          <p:txBody>
+            <a:bodyPr wrap="square" rtlCol="0">
+              <a:spAutoFit/>
+            </a:bodyPr>
+            <a:lstStyle/>
+            <a:p>
+              <a:pPr algn="ctr"/>
+              <a:r>
+                <a:rPr lang="en-US" sz="1600" dirty="0">
+                  <a:solidFill>
+                    <a:schemeClr val="accent6"/>
+                  </a:solidFill>
+                  <a:latin typeface="Calibri" panose="020F0502020204030204" pitchFamily="34" charset="0"/>
+                </a:rPr>
+                <a:t>ARIMA Service </a:t>
+              </a:r>
+            </a:p>
+          </p:txBody>
+        </p:sp>
+        <p:pic>
+          <p:nvPicPr>
+            <p:cNvPr id="35" name="Picture 56" descr="Image result for python logo transparent"/>
+            <p:cNvPicPr>
+              <a:picLocks noChangeAspect="1" noChangeArrowheads="1"/>
+            </p:cNvPicPr>
+            <p:nvPr/>
+          </p:nvPicPr>
+          <p:blipFill>
+            <a:blip r:embed="rId4" cstate="print">
+              <a:extLst>
+                <a:ext uri="{28A0092B-C50C-407E-A947-70E740481C1C}">
+                  <a14:useLocalDpi xmlns:a14="http://schemas.microsoft.com/office/drawing/2010/main" val="0"/>
+                </a:ext>
+              </a:extLst>
+            </a:blip>
+            <a:srcRect/>
+            <a:stretch>
+              <a:fillRect/>
+            </a:stretch>
+          </p:blipFill>
+          <p:spPr bwMode="auto">
+            <a:xfrm>
+              <a:off x="6691641" y="917169"/>
+              <a:ext cx="282240" cy="281142"/>
+            </a:xfrm>
+            <a:prstGeom prst="rect">
+              <a:avLst/>
+            </a:prstGeom>
+            <a:noFill/>
+            <a:extLst>
+              <a:ext uri="{909E8E84-426E-40DD-AFC4-6F175D3DCCD1}">
+                <a14:hiddenFill xmlns:a14="http://schemas.microsoft.com/office/drawing/2010/main">
+                  <a:solidFill>
+                    <a:srgbClr val="FFFFFF"/>
+                  </a:solidFill>
+                </a14:hiddenFill>
+              </a:ext>
+            </a:extLst>
+          </p:spPr>
+        </p:pic>
+      </p:grpSp>
+      <p:grpSp>
+        <p:nvGrpSpPr>
+          <p:cNvPr id="36" name="Group 35"/>
+          <p:cNvGrpSpPr/>
+          <p:nvPr/>
+        </p:nvGrpSpPr>
+        <p:grpSpPr>
+          <a:xfrm>
+            <a:off x="6566219" y="861575"/>
+            <a:ext cx="2014801" cy="359601"/>
+            <a:chOff x="6689448" y="867416"/>
+            <a:chExt cx="2014801" cy="359601"/>
+          </a:xfrm>
+        </p:grpSpPr>
+        <p:sp>
+          <p:nvSpPr>
+            <p:cNvPr id="16" name="TextBox 15"/>
+            <p:cNvSpPr txBox="1"/>
+            <p:nvPr/>
+          </p:nvSpPr>
+          <p:spPr>
+            <a:xfrm>
+              <a:off x="6882088" y="867416"/>
+              <a:ext cx="1822161" cy="338554"/>
+            </a:xfrm>
+            <a:prstGeom prst="rect">
+              <a:avLst/>
+            </a:prstGeom>
+            <a:noFill/>
+          </p:spPr>
+          <p:txBody>
+            <a:bodyPr wrap="square" rtlCol="0">
+              <a:spAutoFit/>
+            </a:bodyPr>
+            <a:lstStyle/>
+            <a:p>
+              <a:pPr algn="ctr"/>
+              <a:r>
+                <a:rPr lang="en-US" sz="1600" dirty="0" smtClean="0">
+                  <a:solidFill>
+                    <a:schemeClr val="accent6"/>
+                  </a:solidFill>
+                  <a:latin typeface="Calibri" panose="020F0502020204030204" pitchFamily="34" charset="0"/>
+                </a:rPr>
+                <a:t>MongoDB Service</a:t>
+              </a:r>
+              <a:endParaRPr lang="en-US" sz="1600" dirty="0">
+                <a:solidFill>
+                  <a:schemeClr val="accent6"/>
+                </a:solidFill>
+                <a:latin typeface="Calibri" panose="020F0502020204030204" pitchFamily="34" charset="0"/>
+              </a:endParaRPr>
+            </a:p>
+          </p:txBody>
+        </p:sp>
+        <p:pic>
+          <p:nvPicPr>
+            <p:cNvPr id="2054" name="Picture 6" descr="Related image"/>
+            <p:cNvPicPr>
+              <a:picLocks noChangeAspect="1" noChangeArrowheads="1"/>
+            </p:cNvPicPr>
+            <p:nvPr/>
+          </p:nvPicPr>
+          <p:blipFill>
+            <a:blip r:embed="rId5" cstate="print">
+              <a:extLst>
+                <a:ext uri="{28A0092B-C50C-407E-A947-70E740481C1C}">
+                  <a14:useLocalDpi xmlns:a14="http://schemas.microsoft.com/office/drawing/2010/main" val="0"/>
+                </a:ext>
+              </a:extLst>
+            </a:blip>
+            <a:srcRect/>
+            <a:stretch>
+              <a:fillRect/>
+            </a:stretch>
+          </p:blipFill>
+          <p:spPr bwMode="auto">
+            <a:xfrm>
+              <a:off x="6689448" y="870124"/>
+              <a:ext cx="356893" cy="356893"/>
+            </a:xfrm>
+            <a:prstGeom prst="rect">
+              <a:avLst/>
+            </a:prstGeom>
+            <a:noFill/>
+            <a:extLst>
+              <a:ext uri="{909E8E84-426E-40DD-AFC4-6F175D3DCCD1}">
+                <a14:hiddenFill xmlns:a14="http://schemas.microsoft.com/office/drawing/2010/main">
+                  <a:solidFill>
+                    <a:srgbClr val="FFFFFF"/>
+                  </a:solidFill>
+                </a14:hiddenFill>
+              </a:ext>
+            </a:extLst>
+          </p:spPr>
+        </p:pic>
+      </p:grpSp>
+      <p:sp>
+        <p:nvSpPr>
+          <p:cNvPr id="40" name="Chevron 39"/>
+          <p:cNvSpPr/>
+          <p:nvPr/>
+        </p:nvSpPr>
+        <p:spPr>
+          <a:xfrm>
+            <a:off x="5617367" y="1358304"/>
+            <a:ext cx="271466" cy="380140"/>
+          </a:xfrm>
+          <a:prstGeom prst="chevron">
+            <a:avLst/>
+          </a:prstGeom>
+        </p:spPr>
+        <p:style>
+          <a:lnRef idx="2">
+            <a:schemeClr val="accent1"/>
+          </a:lnRef>
+          <a:fillRef idx="1">
+            <a:schemeClr val="lt1"/>
+          </a:fillRef>
+          <a:effectRef idx="0">
+            <a:schemeClr val="accent1"/>
+          </a:effectRef>
+          <a:fontRef idx="minor">
+            <a:schemeClr val="dk1"/>
+          </a:fontRef>
+        </p:style>
+        <p:txBody>
+          <a:bodyPr rtlCol="0" anchor="ctr"/>
+          <a:lstStyle/>
+          <a:p>
+            <a:pPr algn="ctr"/>
+            <a:endParaRPr lang="en-US">
+              <a:solidFill>
+                <a:schemeClr val="tx1"/>
+              </a:solidFill>
             </a:endParaRPr>
           </a:p>
         </p:txBody>
       </p:sp>
       <p:sp>
         <p:nvSpPr>
-          <p:cNvPr id="37" name="Rounded Rectangle 36"/>
+          <p:cNvPr id="41" name="Chevron 40"/>
           <p:cNvSpPr/>
           <p:nvPr/>
         </p:nvSpPr>
         <p:spPr>
-          <a:xfrm>
-            <a:off x="170634" y="3543300"/>
-            <a:ext cx="8846363" cy="1187115"/>
+          <a:xfrm rot="10800000">
+            <a:off x="5594364" y="2122896"/>
+            <a:ext cx="294469" cy="368789"/>
+          </a:xfrm>
+          <a:prstGeom prst="chevron">
+            <a:avLst/>
+          </a:prstGeom>
+        </p:spPr>
+        <p:style>
+          <a:lnRef idx="2">
+            <a:schemeClr val="accent1"/>
+          </a:lnRef>
+          <a:fillRef idx="1">
+            <a:schemeClr val="lt1"/>
+          </a:fillRef>
+          <a:effectRef idx="0">
+            <a:schemeClr val="accent1"/>
+          </a:effectRef>
+          <a:fontRef idx="minor">
+            <a:schemeClr val="dk1"/>
+          </a:fontRef>
+        </p:style>
+        <p:txBody>
+          <a:bodyPr rtlCol="0" anchor="ctr"/>
+          <a:lstStyle/>
+          <a:p>
+            <a:pPr algn="ctr"/>
+            <a:endParaRPr lang="en-US">
+              <a:solidFill>
+                <a:schemeClr val="tx1"/>
+              </a:solidFill>
+            </a:endParaRPr>
+          </a:p>
+        </p:txBody>
+      </p:sp>
+      <p:sp>
+        <p:nvSpPr>
+          <p:cNvPr id="42" name="TextBox 41"/>
+          <p:cNvSpPr txBox="1"/>
+          <p:nvPr/>
+        </p:nvSpPr>
+        <p:spPr>
+          <a:xfrm>
+            <a:off x="3909561" y="1316539"/>
+            <a:ext cx="1707806" cy="461665"/>
+          </a:xfrm>
+          <a:prstGeom prst="rect">
+            <a:avLst/>
+          </a:prstGeom>
+          <a:noFill/>
+        </p:spPr>
+        <p:txBody>
+          <a:bodyPr wrap="square" rtlCol="0">
+            <a:spAutoFit/>
+          </a:bodyPr>
+          <a:lstStyle/>
+          <a:p>
+            <a:pPr marL="285750" indent="-285750">
+              <a:buFont typeface="Wingdings" panose="05000000000000000000" pitchFamily="2" charset="2"/>
+              <a:buChar char="ü"/>
+            </a:pPr>
+            <a:r>
+              <a:rPr lang="en-US" sz="1200" dirty="0" smtClean="0"/>
+              <a:t>History Start Date</a:t>
+            </a:r>
+          </a:p>
+          <a:p>
+            <a:pPr marL="285750" indent="-285750">
+              <a:buFont typeface="Wingdings" panose="05000000000000000000" pitchFamily="2" charset="2"/>
+              <a:buChar char="ü"/>
+            </a:pPr>
+            <a:r>
+              <a:rPr lang="en-US" sz="1200" dirty="0" smtClean="0"/>
+              <a:t>History End Date</a:t>
+            </a:r>
+            <a:endParaRPr lang="en-US" sz="1200" dirty="0"/>
+          </a:p>
+        </p:txBody>
+      </p:sp>
+      <p:sp>
+        <p:nvSpPr>
+          <p:cNvPr id="43" name="TextBox 42"/>
+          <p:cNvSpPr txBox="1"/>
+          <p:nvPr/>
+        </p:nvSpPr>
+        <p:spPr>
+          <a:xfrm>
+            <a:off x="3434235" y="2117117"/>
+            <a:ext cx="2318865" cy="461665"/>
+          </a:xfrm>
+          <a:prstGeom prst="rect">
+            <a:avLst/>
+          </a:prstGeom>
+          <a:noFill/>
+        </p:spPr>
+        <p:txBody>
+          <a:bodyPr wrap="square" rtlCol="0">
+            <a:spAutoFit/>
+          </a:bodyPr>
+          <a:lstStyle/>
+          <a:p>
+            <a:pPr marL="285750" indent="-285750">
+              <a:buFont typeface="Wingdings" panose="05000000000000000000" pitchFamily="2" charset="2"/>
+              <a:buChar char="v"/>
+            </a:pPr>
+            <a:r>
+              <a:rPr lang="en-US" sz="1200" dirty="0" smtClean="0"/>
+              <a:t>History Data for the selected period of time</a:t>
+            </a:r>
+            <a:endParaRPr lang="en-US" sz="1200" dirty="0"/>
+          </a:p>
+        </p:txBody>
+      </p:sp>
+      <p:sp>
+        <p:nvSpPr>
+          <p:cNvPr id="44" name="Chevron 43"/>
+          <p:cNvSpPr/>
+          <p:nvPr/>
+        </p:nvSpPr>
+        <p:spPr>
+          <a:xfrm>
+            <a:off x="6222429" y="1358304"/>
+            <a:ext cx="271466" cy="380140"/>
+          </a:xfrm>
+          <a:prstGeom prst="chevron">
+            <a:avLst/>
+          </a:prstGeom>
+        </p:spPr>
+        <p:style>
+          <a:lnRef idx="2">
+            <a:schemeClr val="accent1"/>
+          </a:lnRef>
+          <a:fillRef idx="1">
+            <a:schemeClr val="lt1"/>
+          </a:fillRef>
+          <a:effectRef idx="0">
+            <a:schemeClr val="accent1"/>
+          </a:effectRef>
+          <a:fontRef idx="minor">
+            <a:schemeClr val="dk1"/>
+          </a:fontRef>
+        </p:style>
+        <p:txBody>
+          <a:bodyPr rtlCol="0" anchor="ctr"/>
+          <a:lstStyle/>
+          <a:p>
+            <a:pPr algn="ctr"/>
+            <a:endParaRPr lang="en-US">
+              <a:solidFill>
+                <a:schemeClr val="tx1"/>
+              </a:solidFill>
+            </a:endParaRPr>
+          </a:p>
+        </p:txBody>
+      </p:sp>
+      <p:grpSp>
+        <p:nvGrpSpPr>
+          <p:cNvPr id="45" name="Group 44"/>
+          <p:cNvGrpSpPr/>
+          <p:nvPr/>
+        </p:nvGrpSpPr>
+        <p:grpSpPr>
+          <a:xfrm>
+            <a:off x="8278453" y="1425511"/>
+            <a:ext cx="619436" cy="767183"/>
+            <a:chOff x="4025772" y="3140956"/>
+            <a:chExt cx="1207107" cy="1235554"/>
+          </a:xfrm>
+        </p:grpSpPr>
+        <p:pic>
+          <p:nvPicPr>
+            <p:cNvPr id="46" name="Picture 48" descr="Related image"/>
+            <p:cNvPicPr>
+              <a:picLocks noChangeAspect="1" noChangeArrowheads="1"/>
+            </p:cNvPicPr>
+            <p:nvPr/>
+          </p:nvPicPr>
+          <p:blipFill>
+            <a:blip r:embed="rId6" cstate="print">
+              <a:extLst>
+                <a:ext uri="{28A0092B-C50C-407E-A947-70E740481C1C}">
+                  <a14:useLocalDpi xmlns:a14="http://schemas.microsoft.com/office/drawing/2010/main" val="0"/>
+                </a:ext>
+              </a:extLst>
+            </a:blip>
+            <a:srcRect/>
+            <a:stretch>
+              <a:fillRect/>
+            </a:stretch>
+          </p:blipFill>
+          <p:spPr bwMode="auto">
+            <a:xfrm>
+              <a:off x="4174591" y="3318222"/>
+              <a:ext cx="1058288" cy="1058288"/>
+            </a:xfrm>
+            <a:prstGeom prst="rect">
+              <a:avLst/>
+            </a:prstGeom>
+            <a:noFill/>
+            <a:extLst>
+              <a:ext uri="{909E8E84-426E-40DD-AFC4-6F175D3DCCD1}">
+                <a14:hiddenFill xmlns:a14="http://schemas.microsoft.com/office/drawing/2010/main">
+                  <a:solidFill>
+                    <a:srgbClr val="FFFFFF"/>
+                  </a:solidFill>
+                </a14:hiddenFill>
+              </a:ext>
+            </a:extLst>
+          </p:spPr>
+        </p:pic>
+        <p:pic>
+          <p:nvPicPr>
+            <p:cNvPr id="47" name="Picture 12" descr="Related image"/>
+            <p:cNvPicPr>
+              <a:picLocks noChangeAspect="1" noChangeArrowheads="1"/>
+            </p:cNvPicPr>
+            <p:nvPr/>
+          </p:nvPicPr>
+          <p:blipFill>
+            <a:blip r:embed="rId7" cstate="print">
+              <a:extLst>
+                <a:ext uri="{28A0092B-C50C-407E-A947-70E740481C1C}">
+                  <a14:useLocalDpi xmlns:a14="http://schemas.microsoft.com/office/drawing/2010/main" val="0"/>
+                </a:ext>
+              </a:extLst>
+            </a:blip>
+            <a:srcRect/>
+            <a:stretch>
+              <a:fillRect/>
+            </a:stretch>
+          </p:blipFill>
+          <p:spPr bwMode="auto">
+            <a:xfrm>
+              <a:off x="4025772" y="3140956"/>
+              <a:ext cx="409190" cy="409190"/>
+            </a:xfrm>
+            <a:prstGeom prst="rect">
+              <a:avLst/>
+            </a:prstGeom>
+            <a:noFill/>
+            <a:extLst>
+              <a:ext uri="{909E8E84-426E-40DD-AFC4-6F175D3DCCD1}">
+                <a14:hiddenFill xmlns:a14="http://schemas.microsoft.com/office/drawing/2010/main">
+                  <a:solidFill>
+                    <a:srgbClr val="FFFFFF"/>
+                  </a:solidFill>
+                </a14:hiddenFill>
+              </a:ext>
+            </a:extLst>
+          </p:spPr>
+        </p:pic>
+      </p:grpSp>
+      <p:sp>
+        <p:nvSpPr>
+          <p:cNvPr id="48" name="TextBox 47"/>
+          <p:cNvSpPr txBox="1"/>
+          <p:nvPr/>
+        </p:nvSpPr>
+        <p:spPr>
+          <a:xfrm>
+            <a:off x="6469262" y="1412557"/>
+            <a:ext cx="1865325" cy="276999"/>
+          </a:xfrm>
+          <a:prstGeom prst="rect">
+            <a:avLst/>
+          </a:prstGeom>
+          <a:noFill/>
+        </p:spPr>
+        <p:txBody>
+          <a:bodyPr wrap="square" rtlCol="0">
+            <a:spAutoFit/>
+          </a:bodyPr>
+          <a:lstStyle/>
+          <a:p>
+            <a:r>
+              <a:rPr lang="en-US" sz="1200" dirty="0" smtClean="0"/>
+              <a:t>Fetch History Data</a:t>
+            </a:r>
+            <a:endParaRPr lang="en-US" sz="1200" dirty="0"/>
+          </a:p>
+        </p:txBody>
+      </p:sp>
+      <p:sp>
+        <p:nvSpPr>
+          <p:cNvPr id="49" name="Chevron 48"/>
+          <p:cNvSpPr/>
+          <p:nvPr/>
+        </p:nvSpPr>
+        <p:spPr>
+          <a:xfrm rot="10800000">
+            <a:off x="6245284" y="2118407"/>
+            <a:ext cx="294469" cy="368789"/>
+          </a:xfrm>
+          <a:prstGeom prst="chevron">
+            <a:avLst/>
+          </a:prstGeom>
+        </p:spPr>
+        <p:style>
+          <a:lnRef idx="2">
+            <a:schemeClr val="accent1"/>
+          </a:lnRef>
+          <a:fillRef idx="1">
+            <a:schemeClr val="lt1"/>
+          </a:fillRef>
+          <a:effectRef idx="0">
+            <a:schemeClr val="accent1"/>
+          </a:effectRef>
+          <a:fontRef idx="minor">
+            <a:schemeClr val="dk1"/>
+          </a:fontRef>
+        </p:style>
+        <p:txBody>
+          <a:bodyPr rtlCol="0" anchor="ctr"/>
+          <a:lstStyle/>
+          <a:p>
+            <a:pPr algn="ctr"/>
+            <a:endParaRPr lang="en-US">
+              <a:solidFill>
+                <a:schemeClr val="tx1"/>
+              </a:solidFill>
+            </a:endParaRPr>
+          </a:p>
+        </p:txBody>
+      </p:sp>
+      <p:sp>
+        <p:nvSpPr>
+          <p:cNvPr id="50" name="TextBox 49"/>
+          <p:cNvSpPr txBox="1"/>
+          <p:nvPr/>
+        </p:nvSpPr>
+        <p:spPr>
+          <a:xfrm>
+            <a:off x="6493895" y="2089053"/>
+            <a:ext cx="2087125" cy="461665"/>
+          </a:xfrm>
+          <a:prstGeom prst="rect">
+            <a:avLst/>
+          </a:prstGeom>
+          <a:noFill/>
+        </p:spPr>
+        <p:txBody>
+          <a:bodyPr wrap="square" rtlCol="0">
+            <a:spAutoFit/>
+          </a:bodyPr>
+          <a:lstStyle/>
+          <a:p>
+            <a:r>
+              <a:rPr lang="en-US" sz="1200" dirty="0" smtClean="0"/>
+              <a:t>Fetch History Data and Send back to Node Service</a:t>
+            </a:r>
+            <a:endParaRPr lang="en-US" sz="1200" dirty="0"/>
+          </a:p>
+        </p:txBody>
+      </p:sp>
+      <p:sp>
+        <p:nvSpPr>
+          <p:cNvPr id="51" name="Rounded Rectangle 50"/>
+          <p:cNvSpPr/>
+          <p:nvPr/>
+        </p:nvSpPr>
+        <p:spPr>
+          <a:xfrm>
+            <a:off x="3188768" y="1200129"/>
+            <a:ext cx="2702381" cy="1501190"/>
           </a:xfrm>
           <a:prstGeom prst="roundRect">
             <a:avLst>
-              <a:gd name="adj" fmla="val 17448"/>
+              <a:gd name="adj" fmla="val 4869"/>
             </a:avLst>
           </a:prstGeom>
           <a:noFill/>
@@ -5595,50 +8952,164 @@
           </a:bodyPr>
           <a:lstStyle/>
           <a:p>
-            <a:pPr marL="0" marR="0" lvl="0" indent="0" algn="ctr" defTabSz="685800" rtl="0" eaLnBrk="1" fontAlgn="auto" latinLnBrk="0" hangingPunct="1">
-              <a:lnSpc>
-                <a:spcPct val="100000"/>
-              </a:lnSpc>
-              <a:spcBef>
-                <a:spcPts val="0"/>
-              </a:spcBef>
-              <a:spcAft>
-                <a:spcPts val="0"/>
-              </a:spcAft>
-              <a:buClrTx/>
-              <a:buSzTx/>
-              <a:buFontTx/>
-              <a:buNone/>
-              <a:tabLst/>
-              <a:defRPr/>
-            </a:pPr>
-            <a:endParaRPr kumimoji="0" lang="en-US" sz="1200" b="0" i="0" u="none" strike="noStrike" kern="1200" cap="none" spc="0" normalizeH="0" baseline="0" noProof="0" dirty="0">
-              <a:ln>
-                <a:noFill/>
-              </a:ln>
+            <a:pPr algn="ctr"/>
+            <a:endParaRPr lang="en-US" dirty="0">
               <a:solidFill>
-                <a:prstClr val="white"/>
+                <a:schemeClr val="bg1"/>
               </a:solidFill>
-              <a:effectLst/>
-              <a:uLnTx/>
-              <a:uFillTx/>
-              <a:latin typeface="Myriad Pro"/>
-              <a:ea typeface="+mn-ea"/>
-              <a:cs typeface="+mn-cs"/>
             </a:endParaRPr>
           </a:p>
         </p:txBody>
       </p:sp>
       <p:sp>
         <p:nvSpPr>
-          <p:cNvPr id="5" name="TextBox 4"/>
+          <p:cNvPr id="52" name="Rounded Rectangle 51"/>
+          <p:cNvSpPr/>
+          <p:nvPr/>
+        </p:nvSpPr>
+        <p:spPr>
+          <a:xfrm>
+            <a:off x="3204298" y="3008858"/>
+            <a:ext cx="2702381" cy="1597050"/>
+          </a:xfrm>
+          <a:prstGeom prst="roundRect">
+            <a:avLst>
+              <a:gd name="adj" fmla="val 4869"/>
+            </a:avLst>
+          </a:prstGeom>
+          <a:noFill/>
+          <a:ln w="12700">
+            <a:solidFill>
+              <a:schemeClr val="accent1"/>
+            </a:solidFill>
+            <a:prstDash val="sysDash"/>
+          </a:ln>
+        </p:spPr>
+        <p:style>
+          <a:lnRef idx="2">
+            <a:schemeClr val="accent1"/>
+          </a:lnRef>
+          <a:fillRef idx="1">
+            <a:schemeClr val="lt1"/>
+          </a:fillRef>
+          <a:effectRef idx="0">
+            <a:schemeClr val="accent1"/>
+          </a:effectRef>
+          <a:fontRef idx="minor">
+            <a:schemeClr val="dk1"/>
+          </a:fontRef>
+        </p:style>
+        <p:txBody>
+          <a:bodyPr vert="horz" wrap="square" lIns="91440" tIns="45720" rIns="91440" bIns="45720" numCol="1" anchor="ctr" anchorCtr="0" compatLnSpc="1">
+            <a:prstTxWarp prst="textNoShape">
+              <a:avLst/>
+            </a:prstTxWarp>
+          </a:bodyPr>
+          <a:lstStyle/>
+          <a:p>
+            <a:pPr algn="ctr"/>
+            <a:endParaRPr lang="en-US" dirty="0">
+              <a:solidFill>
+                <a:schemeClr val="bg1"/>
+              </a:solidFill>
+            </a:endParaRPr>
+          </a:p>
+        </p:txBody>
+      </p:sp>
+      <p:sp>
+        <p:nvSpPr>
+          <p:cNvPr id="53" name="Chevron 52"/>
+          <p:cNvSpPr/>
+          <p:nvPr/>
+        </p:nvSpPr>
+        <p:spPr>
+          <a:xfrm>
+            <a:off x="5607482" y="3306955"/>
+            <a:ext cx="271466" cy="380140"/>
+          </a:xfrm>
+          <a:prstGeom prst="chevron">
+            <a:avLst/>
+          </a:prstGeom>
+        </p:spPr>
+        <p:style>
+          <a:lnRef idx="2">
+            <a:schemeClr val="accent1"/>
+          </a:lnRef>
+          <a:fillRef idx="1">
+            <a:schemeClr val="lt1"/>
+          </a:fillRef>
+          <a:effectRef idx="0">
+            <a:schemeClr val="accent1"/>
+          </a:effectRef>
+          <a:fontRef idx="minor">
+            <a:schemeClr val="dk1"/>
+          </a:fontRef>
+        </p:style>
+        <p:txBody>
+          <a:bodyPr rtlCol="0" anchor="ctr"/>
+          <a:lstStyle/>
+          <a:p>
+            <a:pPr algn="ctr"/>
+            <a:endParaRPr lang="en-US">
+              <a:solidFill>
+                <a:schemeClr val="tx1"/>
+              </a:solidFill>
+            </a:endParaRPr>
+          </a:p>
+        </p:txBody>
+      </p:sp>
+      <p:sp>
+        <p:nvSpPr>
+          <p:cNvPr id="54" name="Chevron 53"/>
+          <p:cNvSpPr/>
+          <p:nvPr/>
+        </p:nvSpPr>
+        <p:spPr>
+          <a:xfrm rot="10800000">
+            <a:off x="5584479" y="4071547"/>
+            <a:ext cx="294469" cy="368789"/>
+          </a:xfrm>
+          <a:prstGeom prst="chevron">
+            <a:avLst/>
+          </a:prstGeom>
+        </p:spPr>
+        <p:style>
+          <a:lnRef idx="2">
+            <a:schemeClr val="accent1"/>
+          </a:lnRef>
+          <a:fillRef idx="1">
+            <a:schemeClr val="lt1"/>
+          </a:fillRef>
+          <a:effectRef idx="0">
+            <a:schemeClr val="accent1"/>
+          </a:effectRef>
+          <a:fontRef idx="minor">
+            <a:schemeClr val="dk1"/>
+          </a:fontRef>
+        </p:style>
+        <p:txBody>
+          <a:bodyPr rtlCol="0" anchor="ctr"/>
+          <a:lstStyle/>
+          <a:p>
+            <a:pPr algn="ctr"/>
+            <a:endParaRPr lang="en-US">
+              <a:solidFill>
+                <a:schemeClr val="tx1"/>
+              </a:solidFill>
+            </a:endParaRPr>
+          </a:p>
+        </p:txBody>
+      </p:sp>
+      <p:sp>
+        <p:nvSpPr>
+          <p:cNvPr id="55" name="TextBox 54"/>
           <p:cNvSpPr txBox="1"/>
           <p:nvPr/>
         </p:nvSpPr>
         <p:spPr>
           <a:xfrm>
-            <a:off x="287198" y="1113411"/>
-            <a:ext cx="904339" cy="461665"/>
+            <a:off x="3505894" y="3146692"/>
+            <a:ext cx="2271228" cy="646331"/>
           </a:xfrm>
           <a:prstGeom prst="rect">
             <a:avLst/>
@@ -5651,53 +9122,48 @@
           </a:bodyPr>
           <a:lstStyle/>
           <a:p>
-            <a:pPr marL="0" marR="0" lvl="0" indent="0" algn="ctr" defTabSz="685800" rtl="0" eaLnBrk="1" fontAlgn="auto" latinLnBrk="0" hangingPunct="1">
-              <a:lnSpc>
-                <a:spcPct val="100000"/>
-              </a:lnSpc>
-              <a:spcBef>
-                <a:spcPts val="0"/>
-              </a:spcBef>
-              <a:spcAft>
-                <a:spcPts val="0"/>
-              </a:spcAft>
-              <a:buClrTx/>
-              <a:buSzTx/>
-              <a:buFontTx/>
-              <a:buNone/>
-              <a:tabLst/>
-              <a:defRPr/>
+            <a:pPr marL="285750" indent="-285750">
+              <a:buFont typeface="Wingdings" panose="05000000000000000000" pitchFamily="2" charset="2"/>
+              <a:buChar char="ü"/>
             </a:pPr>
             <a:r>
-              <a:rPr kumimoji="0" lang="en-US" sz="1200" b="0" i="0" u="none" strike="noStrike" kern="1200" cap="none" spc="0" normalizeH="0" baseline="0" noProof="0" dirty="0">
-                <a:ln>
-                  <a:noFill/>
-                </a:ln>
-                <a:solidFill>
-                  <a:srgbClr val="000000"/>
-                </a:solidFill>
-                <a:effectLst/>
-                <a:uLnTx/>
-                <a:uFillTx/>
-                <a:latin typeface="Myriad Pro"/>
-                <a:ea typeface="+mn-ea"/>
-                <a:cs typeface="+mn-cs"/>
-              </a:rPr>
-              <a:t>User Interface</a:t>
-            </a:r>
+              <a:rPr lang="en-US" sz="1200" dirty="0" smtClean="0"/>
+              <a:t>History Data</a:t>
+            </a:r>
+          </a:p>
+          <a:p>
+            <a:pPr marL="285750" indent="-285750">
+              <a:buFont typeface="Wingdings" panose="05000000000000000000" pitchFamily="2" charset="2"/>
+              <a:buChar char="ü"/>
+            </a:pPr>
+            <a:r>
+              <a:rPr lang="en-US" sz="1200" dirty="0" smtClean="0"/>
+              <a:t>Forecast Start Date</a:t>
+            </a:r>
+          </a:p>
+          <a:p>
+            <a:pPr marL="285750" indent="-285750">
+              <a:buFont typeface="Wingdings" panose="05000000000000000000" pitchFamily="2" charset="2"/>
+              <a:buChar char="ü"/>
+            </a:pPr>
+            <a:r>
+              <a:rPr lang="en-US" sz="1200" dirty="0" smtClean="0"/>
+              <a:t>Forecast No of Weeks</a:t>
+            </a:r>
+            <a:endParaRPr lang="en-US" sz="1200" dirty="0"/>
           </a:p>
         </p:txBody>
       </p:sp>
       <p:sp>
         <p:nvSpPr>
-          <p:cNvPr id="40" name="TextBox 39"/>
+          <p:cNvPr id="56" name="TextBox 55"/>
           <p:cNvSpPr txBox="1"/>
           <p:nvPr/>
         </p:nvSpPr>
         <p:spPr>
           <a:xfrm>
-            <a:off x="287197" y="2617963"/>
-            <a:ext cx="904339" cy="276999"/>
+            <a:off x="3182572" y="3957028"/>
+            <a:ext cx="2416497" cy="461665"/>
           </a:xfrm>
           <a:prstGeom prst="rect">
             <a:avLst/>
@@ -5710,53 +9176,112 @@
           </a:bodyPr>
           <a:lstStyle/>
           <a:p>
-            <a:pPr marL="0" marR="0" lvl="0" indent="0" algn="ctr" defTabSz="685800" rtl="0" eaLnBrk="1" fontAlgn="auto" latinLnBrk="0" hangingPunct="1">
-              <a:lnSpc>
-                <a:spcPct val="100000"/>
-              </a:lnSpc>
-              <a:spcBef>
-                <a:spcPts val="0"/>
-              </a:spcBef>
-              <a:spcAft>
-                <a:spcPts val="0"/>
-              </a:spcAft>
-              <a:buClrTx/>
-              <a:buSzTx/>
-              <a:buFontTx/>
-              <a:buNone/>
-              <a:tabLst/>
-              <a:defRPr/>
+            <a:pPr marL="285750" indent="-285750">
+              <a:buFont typeface="Wingdings" panose="05000000000000000000" pitchFamily="2" charset="2"/>
+              <a:buChar char="v"/>
             </a:pPr>
             <a:r>
-              <a:rPr kumimoji="0" lang="en-US" sz="1200" b="0" i="0" u="none" strike="noStrike" kern="1200" cap="none" spc="0" normalizeH="0" baseline="0" noProof="0" dirty="0">
-                <a:ln>
-                  <a:noFill/>
-                </a:ln>
-                <a:solidFill>
-                  <a:srgbClr val="000000"/>
-                </a:solidFill>
-                <a:effectLst/>
-                <a:uLnTx/>
-                <a:uFillTx/>
-                <a:latin typeface="Myriad Pro"/>
-                <a:ea typeface="+mn-ea"/>
-                <a:cs typeface="+mn-cs"/>
-              </a:rPr>
-              <a:t>Server</a:t>
-            </a:r>
+              <a:rPr lang="en-US" sz="1200" dirty="0" smtClean="0"/>
+              <a:t>Receive and format the Forecast data and send</a:t>
+            </a:r>
+            <a:endParaRPr lang="en-US" sz="1200" dirty="0"/>
           </a:p>
         </p:txBody>
       </p:sp>
       <p:sp>
         <p:nvSpPr>
-          <p:cNvPr id="41" name="TextBox 40"/>
+          <p:cNvPr id="57" name="Chevron 56"/>
+          <p:cNvSpPr/>
+          <p:nvPr/>
+        </p:nvSpPr>
+        <p:spPr>
+          <a:xfrm rot="5400000">
+            <a:off x="4448536" y="2605792"/>
+            <a:ext cx="275109" cy="480519"/>
+          </a:xfrm>
+          <a:prstGeom prst="chevron">
+            <a:avLst/>
+          </a:prstGeom>
+        </p:spPr>
+        <p:style>
+          <a:lnRef idx="2">
+            <a:schemeClr val="accent1"/>
+          </a:lnRef>
+          <a:fillRef idx="1">
+            <a:schemeClr val="lt1"/>
+          </a:fillRef>
+          <a:effectRef idx="0">
+            <a:schemeClr val="accent1"/>
+          </a:effectRef>
+          <a:fontRef idx="minor">
+            <a:schemeClr val="dk1"/>
+          </a:fontRef>
+        </p:style>
+        <p:txBody>
+          <a:bodyPr rtlCol="0" anchor="ctr"/>
+          <a:lstStyle/>
+          <a:p>
+            <a:pPr algn="ctr"/>
+            <a:endParaRPr lang="en-US">
+              <a:solidFill>
+                <a:schemeClr val="tx1"/>
+              </a:solidFill>
+            </a:endParaRPr>
+          </a:p>
+        </p:txBody>
+      </p:sp>
+      <p:sp>
+        <p:nvSpPr>
+          <p:cNvPr id="58" name="Chevron 57"/>
+          <p:cNvSpPr/>
+          <p:nvPr/>
+        </p:nvSpPr>
+        <p:spPr>
+          <a:xfrm>
+            <a:off x="6235389" y="3325406"/>
+            <a:ext cx="271466" cy="380140"/>
+          </a:xfrm>
+          <a:prstGeom prst="chevron">
+            <a:avLst/>
+          </a:prstGeom>
+        </p:spPr>
+        <p:style>
+          <a:lnRef idx="2">
+            <a:schemeClr val="accent1"/>
+          </a:lnRef>
+          <a:fillRef idx="1">
+            <a:schemeClr val="lt1"/>
+          </a:fillRef>
+          <a:effectRef idx="0">
+            <a:schemeClr val="accent1"/>
+          </a:effectRef>
+          <a:fontRef idx="minor">
+            <a:schemeClr val="dk1"/>
+          </a:fontRef>
+        </p:style>
+        <p:txBody>
+          <a:bodyPr rtlCol="0" anchor="ctr"/>
+          <a:lstStyle/>
+          <a:p>
+            <a:pPr algn="ctr"/>
+            <a:endParaRPr lang="en-US">
+              <a:solidFill>
+                <a:schemeClr val="tx1"/>
+              </a:solidFill>
+            </a:endParaRPr>
+          </a:p>
+        </p:txBody>
+      </p:sp>
+      <p:sp>
+        <p:nvSpPr>
+          <p:cNvPr id="62" name="TextBox 61"/>
           <p:cNvSpPr txBox="1"/>
           <p:nvPr/>
         </p:nvSpPr>
         <p:spPr>
           <a:xfrm>
-            <a:off x="287197" y="3875248"/>
-            <a:ext cx="904339" cy="461665"/>
+            <a:off x="6482222" y="3379659"/>
+            <a:ext cx="1865325" cy="461665"/>
           </a:xfrm>
           <a:prstGeom prst="rect">
             <a:avLst/>
@@ -5769,83 +9294,66 @@
           </a:bodyPr>
           <a:lstStyle/>
           <a:p>
-            <a:pPr marL="0" marR="0" lvl="0" indent="0" algn="ctr" defTabSz="685800" rtl="0" eaLnBrk="1" fontAlgn="auto" latinLnBrk="0" hangingPunct="1">
-              <a:lnSpc>
-                <a:spcPct val="100000"/>
-              </a:lnSpc>
-              <a:spcBef>
-                <a:spcPts val="0"/>
-              </a:spcBef>
-              <a:spcAft>
-                <a:spcPts val="0"/>
-              </a:spcAft>
-              <a:buClrTx/>
-              <a:buSzTx/>
-              <a:buFontTx/>
-              <a:buNone/>
-              <a:tabLst/>
-              <a:defRPr/>
-            </a:pPr>
-            <a:r>
-              <a:rPr kumimoji="0" lang="en-US" sz="1200" b="0" i="0" u="none" strike="noStrike" kern="1200" cap="none" spc="0" normalizeH="0" baseline="0" noProof="0" dirty="0">
-                <a:ln>
-                  <a:noFill/>
-                </a:ln>
-                <a:solidFill>
-                  <a:srgbClr val="000000"/>
-                </a:solidFill>
-                <a:effectLst/>
-                <a:uLnTx/>
-                <a:uFillTx/>
-                <a:latin typeface="Myriad Pro"/>
-                <a:ea typeface="+mn-ea"/>
-                <a:cs typeface="+mn-cs"/>
-              </a:rPr>
-              <a:t>ARIMA Service</a:t>
-            </a:r>
+            <a:r>
+              <a:rPr lang="en-US" sz="1200" dirty="0" smtClean="0"/>
+              <a:t>Run ARIMA with History Data for Forecasting </a:t>
+            </a:r>
+            <a:endParaRPr lang="en-US" sz="1200" dirty="0"/>
           </a:p>
         </p:txBody>
       </p:sp>
-      <p:pic>
-        <p:nvPicPr>
-          <p:cNvPr id="8" name="Picture 7"/>
-          <p:cNvPicPr>
-            <a:picLocks noChangeAspect="1"/>
-          </p:cNvPicPr>
-          <p:nvPr/>
-        </p:nvPicPr>
-        <p:blipFill>
-          <a:blip r:embed="rId2" cstate="print">
-            <a:extLst>
-              <a:ext uri="{28A0092B-C50C-407E-A947-70E740481C1C}">
-                <a14:useLocalDpi xmlns:a14="http://schemas.microsoft.com/office/drawing/2010/main" val="0"/>
-              </a:ext>
-            </a:extLst>
-          </a:blip>
-          <a:stretch>
-            <a:fillRect/>
-          </a:stretch>
-        </p:blipFill>
-        <p:spPr>
-          <a:xfrm>
-            <a:off x="1343775" y="3787445"/>
-            <a:ext cx="1611934" cy="549468"/>
-          </a:xfrm>
-          <a:prstGeom prst="rect">
-            <a:avLst/>
-          </a:prstGeom>
-        </p:spPr>
-      </p:pic>
       <p:sp>
         <p:nvSpPr>
-          <p:cNvPr id="9" name="TextBox 8"/>
+          <p:cNvPr id="63" name="Chevron 62"/>
+          <p:cNvSpPr/>
+          <p:nvPr/>
+        </p:nvSpPr>
+        <p:spPr>
+          <a:xfrm rot="10800000">
+            <a:off x="6258244" y="4085509"/>
+            <a:ext cx="294469" cy="368789"/>
+          </a:xfrm>
+          <a:prstGeom prst="chevron">
+            <a:avLst/>
+          </a:prstGeom>
+        </p:spPr>
+        <p:style>
+          <a:lnRef idx="2">
+            <a:schemeClr val="accent1"/>
+          </a:lnRef>
+          <a:fillRef idx="1">
+            <a:schemeClr val="lt1"/>
+          </a:fillRef>
+          <a:effectRef idx="0">
+            <a:schemeClr val="accent1"/>
+          </a:effectRef>
+          <a:fontRef idx="minor">
+            <a:schemeClr val="dk1"/>
+          </a:fontRef>
+        </p:style>
+        <p:txBody>
+          <a:bodyPr rtlCol="0" anchor="ctr"/>
+          <a:lstStyle/>
+          <a:p>
+            <a:pPr algn="ctr"/>
+            <a:endParaRPr lang="en-US">
+              <a:solidFill>
+                <a:schemeClr val="tx1"/>
+              </a:solidFill>
+            </a:endParaRPr>
+          </a:p>
+        </p:txBody>
+      </p:sp>
+      <p:sp>
+        <p:nvSpPr>
+          <p:cNvPr id="64" name="TextBox 63"/>
           <p:cNvSpPr txBox="1"/>
           <p:nvPr/>
         </p:nvSpPr>
         <p:spPr>
           <a:xfrm>
-            <a:off x="1356237" y="4184691"/>
-            <a:ext cx="801788" cy="246221"/>
+            <a:off x="6482222" y="4124613"/>
+            <a:ext cx="2087125" cy="276999"/>
           </a:xfrm>
           <a:prstGeom prst="rect">
             <a:avLst/>
@@ -5858,688 +9366,24 @@
           </a:bodyPr>
           <a:lstStyle/>
           <a:p>
-            <a:pPr marL="0" marR="0" lvl="0" indent="0" algn="l" defTabSz="685800" rtl="0" eaLnBrk="1" fontAlgn="auto" latinLnBrk="0" hangingPunct="1">
-              <a:lnSpc>
-                <a:spcPct val="100000"/>
-              </a:lnSpc>
-              <a:spcBef>
-                <a:spcPts val="0"/>
-              </a:spcBef>
-              <a:spcAft>
-                <a:spcPts val="0"/>
-              </a:spcAft>
-              <a:buClrTx/>
-              <a:buSzTx/>
-              <a:buFontTx/>
-              <a:buNone/>
-              <a:tabLst/>
-              <a:defRPr/>
-            </a:pPr>
-            <a:r>
-              <a:rPr kumimoji="0" lang="en-US" sz="1000" b="1" i="0" u="none" strike="noStrike" kern="1200" cap="none" spc="0" normalizeH="0" baseline="0" noProof="0" dirty="0">
-                <a:ln>
-                  <a:noFill/>
-                </a:ln>
-                <a:solidFill>
-                  <a:srgbClr val="000000"/>
-                </a:solidFill>
-                <a:effectLst/>
-                <a:uLnTx/>
-                <a:uFillTx/>
-                <a:latin typeface="Myriad Pro"/>
-                <a:ea typeface="+mn-ea"/>
-                <a:cs typeface="+mn-cs"/>
-              </a:rPr>
-              <a:t>REST API</a:t>
-            </a:r>
+            <a:r>
+              <a:rPr lang="en-US" sz="1200" dirty="0" smtClean="0"/>
+              <a:t>Send Forecasting Data</a:t>
+            </a:r>
+            <a:endParaRPr lang="en-US" sz="1200" dirty="0"/>
           </a:p>
         </p:txBody>
       </p:sp>
       <p:pic>
         <p:nvPicPr>
-          <p:cNvPr id="1032" name="Picture 8" descr="https://docs-secure-cdn.fresco.me/system/attachments/files/011/038/782/original/310f1aa559338186f561d6b750a1ee2d6ab74e52/image.png?Expires=1573695671&amp;Signature=m-MXZp-ii36c2GPWYaoYSGdMq4ZoAXbi3O8vgsWfwoZBNVEVCf7PKBJNHBkCYTxDqUSNJYYDjwB4nKZUtXsNNjksVAkbhbdrTrmMarVQYTCzvhDMfHxpASBLbjXLwYX1koTUUaFTFdNGcVTQ6EPMjzpIjtblN-zLXBggVz8fNHkZg9rH-LAQyrqUYFnpVoYHW0SY3ulQEnaSVMZEEc7Eay~CWIkztZ6ym395VG~f7BB7V9yi1NhI20WORWVrEA3L1jvs1PbYUTvkSM7QNJHpjI6icMKU74FCApXQ5xqWmyMJw-cUQ1FuUKPp2H5-m1Epc8Nmxw2W7Ip5qP6I4bRWbw__&amp;Key-Pair-Id=APKAJUTRVJCFRZY3Z43A"/>
-          <p:cNvPicPr>
-            <a:picLocks noChangeAspect="1" noChangeArrowheads="1"/>
-          </p:cNvPicPr>
-          <p:nvPr/>
-        </p:nvPicPr>
-        <p:blipFill rotWithShape="1">
-          <a:blip r:embed="rId3" cstate="print">
-            <a:extLst>
-              <a:ext uri="{28A0092B-C50C-407E-A947-70E740481C1C}">
-                <a14:useLocalDpi xmlns:a14="http://schemas.microsoft.com/office/drawing/2010/main" val="0"/>
-              </a:ext>
-            </a:extLst>
-          </a:blip>
-          <a:srcRect l="-3129" r="2755" b="9410"/>
-          <a:stretch/>
-        </p:blipFill>
-        <p:spPr bwMode="auto">
-          <a:xfrm>
-            <a:off x="6175825" y="3543300"/>
-            <a:ext cx="2590800" cy="1187115"/>
-          </a:xfrm>
-          <a:prstGeom prst="rect">
-            <a:avLst/>
-          </a:prstGeom>
-          <a:noFill/>
-          <a:extLst>
-            <a:ext uri="{909E8E84-426E-40DD-AFC4-6F175D3DCCD1}">
-              <a14:hiddenFill xmlns:a14="http://schemas.microsoft.com/office/drawing/2010/main">
-                <a:solidFill>
-                  <a:srgbClr val="FFFFFF"/>
-                </a:solidFill>
-              </a14:hiddenFill>
-            </a:ext>
-          </a:extLst>
-        </p:spPr>
-      </p:pic>
-      <p:sp>
-        <p:nvSpPr>
-          <p:cNvPr id="14" name="Right Arrow 13"/>
-          <p:cNvSpPr/>
-          <p:nvPr/>
-        </p:nvSpPr>
-        <p:spPr>
-          <a:xfrm>
-            <a:off x="4422115" y="4136857"/>
-            <a:ext cx="1831308" cy="78611"/>
-          </a:xfrm>
-          <a:prstGeom prst="rightArrow">
-            <a:avLst/>
-          </a:prstGeom>
-        </p:spPr>
-        <p:style>
-          <a:lnRef idx="2">
-            <a:schemeClr val="accent1">
-              <a:shade val="50000"/>
-            </a:schemeClr>
-          </a:lnRef>
-          <a:fillRef idx="1">
-            <a:schemeClr val="accent1"/>
-          </a:fillRef>
-          <a:effectRef idx="0">
-            <a:schemeClr val="accent1"/>
-          </a:effectRef>
-          <a:fontRef idx="minor">
-            <a:schemeClr val="lt1"/>
-          </a:fontRef>
-        </p:style>
-        <p:txBody>
-          <a:bodyPr rtlCol="0" anchor="ctr"/>
-          <a:lstStyle/>
-          <a:p>
-            <a:pPr marL="0" marR="0" lvl="0" indent="0" algn="ctr" defTabSz="685800" rtl="0" eaLnBrk="1" fontAlgn="auto" latinLnBrk="0" hangingPunct="1">
-              <a:lnSpc>
-                <a:spcPct val="100000"/>
-              </a:lnSpc>
-              <a:spcBef>
-                <a:spcPts val="0"/>
-              </a:spcBef>
-              <a:spcAft>
-                <a:spcPts val="0"/>
-              </a:spcAft>
-              <a:buClrTx/>
-              <a:buSzTx/>
-              <a:buFontTx/>
-              <a:buNone/>
-              <a:tabLst/>
-              <a:defRPr/>
-            </a:pPr>
-            <a:endParaRPr kumimoji="0" lang="en-US" sz="1400" b="0" i="0" u="none" strike="noStrike" kern="1200" cap="none" spc="0" normalizeH="0" baseline="0" noProof="0">
-              <a:ln>
-                <a:noFill/>
-              </a:ln>
-              <a:solidFill>
-                <a:prstClr val="white"/>
-              </a:solidFill>
-              <a:effectLst/>
-              <a:uLnTx/>
-              <a:uFillTx/>
-              <a:latin typeface="Myriad Pro"/>
-              <a:ea typeface="+mn-ea"/>
-              <a:cs typeface="+mn-cs"/>
-            </a:endParaRPr>
-          </a:p>
-        </p:txBody>
-      </p:sp>
-      <p:sp>
-        <p:nvSpPr>
-          <p:cNvPr id="15" name="TextBox 14"/>
-          <p:cNvSpPr txBox="1"/>
-          <p:nvPr/>
-        </p:nvSpPr>
-        <p:spPr>
-          <a:xfrm>
-            <a:off x="4560644" y="3937561"/>
-            <a:ext cx="1625600" cy="215444"/>
-          </a:xfrm>
-          <a:prstGeom prst="rect">
-            <a:avLst/>
-          </a:prstGeom>
-          <a:noFill/>
-        </p:spPr>
-        <p:txBody>
-          <a:bodyPr wrap="square" rtlCol="0">
-            <a:spAutoFit/>
-          </a:bodyPr>
-          <a:lstStyle/>
-          <a:p>
-            <a:pPr marL="0" marR="0" lvl="0" indent="0" algn="l" defTabSz="685800" rtl="0" eaLnBrk="1" fontAlgn="auto" latinLnBrk="0" hangingPunct="1">
-              <a:lnSpc>
-                <a:spcPct val="100000"/>
-              </a:lnSpc>
-              <a:spcBef>
-                <a:spcPts val="0"/>
-              </a:spcBef>
-              <a:spcAft>
-                <a:spcPts val="0"/>
-              </a:spcAft>
-              <a:buClrTx/>
-              <a:buSzTx/>
-              <a:buFontTx/>
-              <a:buNone/>
-              <a:tabLst/>
-              <a:defRPr/>
-            </a:pPr>
-            <a:r>
-              <a:rPr kumimoji="0" lang="en-US" sz="800" b="0" i="0" u="none" strike="noStrike" kern="1200" cap="none" spc="0" normalizeH="0" baseline="0" noProof="0" dirty="0">
-                <a:ln>
-                  <a:noFill/>
-                </a:ln>
-                <a:solidFill>
-                  <a:srgbClr val="000000"/>
-                </a:solidFill>
-                <a:effectLst/>
-                <a:uLnTx/>
-                <a:uFillTx/>
-                <a:latin typeface="Myriad Pro"/>
-                <a:ea typeface="+mn-ea"/>
-                <a:cs typeface="+mn-cs"/>
-              </a:rPr>
-              <a:t>Forecasting</a:t>
-            </a:r>
-          </a:p>
-        </p:txBody>
-      </p:sp>
-      <p:sp>
-        <p:nvSpPr>
-          <p:cNvPr id="20" name="TextBox 19"/>
-          <p:cNvSpPr txBox="1"/>
-          <p:nvPr/>
-        </p:nvSpPr>
-        <p:spPr>
-          <a:xfrm>
-            <a:off x="4432534" y="4168205"/>
-            <a:ext cx="1753710" cy="215444"/>
-          </a:xfrm>
-          <a:prstGeom prst="rect">
-            <a:avLst/>
-          </a:prstGeom>
-          <a:noFill/>
-        </p:spPr>
-        <p:txBody>
-          <a:bodyPr wrap="square" rtlCol="0">
-            <a:spAutoFit/>
-          </a:bodyPr>
-          <a:lstStyle/>
-          <a:p>
-            <a:pPr marL="0" marR="0" lvl="0" indent="0" algn="l" defTabSz="685800" rtl="0" eaLnBrk="1" fontAlgn="auto" latinLnBrk="0" hangingPunct="1">
-              <a:lnSpc>
-                <a:spcPct val="100000"/>
-              </a:lnSpc>
-              <a:spcBef>
-                <a:spcPts val="0"/>
-              </a:spcBef>
-              <a:spcAft>
-                <a:spcPts val="0"/>
-              </a:spcAft>
-              <a:buClrTx/>
-              <a:buSzTx/>
-              <a:buFontTx/>
-              <a:buNone/>
-              <a:tabLst/>
-              <a:defRPr/>
-            </a:pPr>
-            <a:r>
-              <a:rPr kumimoji="0" lang="en-US" sz="800" b="0" i="0" u="none" strike="noStrike" kern="1200" cap="none" spc="0" normalizeH="0" baseline="0" noProof="0" dirty="0">
-                <a:ln>
-                  <a:noFill/>
-                </a:ln>
-                <a:solidFill>
-                  <a:srgbClr val="000000"/>
-                </a:solidFill>
-                <a:effectLst/>
-                <a:uLnTx/>
-                <a:uFillTx/>
-                <a:latin typeface="Myriad Pro"/>
-                <a:ea typeface="+mn-ea"/>
-                <a:cs typeface="+mn-cs"/>
-              </a:rPr>
-              <a:t>First order auto regressive model</a:t>
-            </a:r>
-          </a:p>
-        </p:txBody>
-      </p:sp>
-      <p:sp>
-        <p:nvSpPr>
-          <p:cNvPr id="6" name="Rounded Rectangle 5"/>
-          <p:cNvSpPr/>
-          <p:nvPr/>
-        </p:nvSpPr>
-        <p:spPr>
-          <a:xfrm>
-            <a:off x="1996327" y="3629679"/>
-            <a:ext cx="1905580" cy="171725"/>
-          </a:xfrm>
-          <a:prstGeom prst="roundRect">
-            <a:avLst/>
-          </a:prstGeom>
-          <a:solidFill>
-            <a:srgbClr val="89C35F"/>
-          </a:solidFill>
-        </p:spPr>
-        <p:style>
-          <a:lnRef idx="2">
-            <a:schemeClr val="accent1">
-              <a:shade val="50000"/>
-            </a:schemeClr>
-          </a:lnRef>
-          <a:fillRef idx="1">
-            <a:schemeClr val="accent1"/>
-          </a:fillRef>
-          <a:effectRef idx="0">
-            <a:schemeClr val="accent1"/>
-          </a:effectRef>
-          <a:fontRef idx="minor">
-            <a:schemeClr val="lt1"/>
-          </a:fontRef>
-        </p:style>
-        <p:txBody>
-          <a:bodyPr rtlCol="0" anchor="ctr"/>
-          <a:lstStyle/>
-          <a:p>
-            <a:pPr marL="0" marR="0" lvl="0" indent="0" algn="ctr" defTabSz="685800" rtl="0" eaLnBrk="1" fontAlgn="auto" latinLnBrk="0" hangingPunct="1">
-              <a:lnSpc>
-                <a:spcPct val="100000"/>
-              </a:lnSpc>
-              <a:spcBef>
-                <a:spcPts val="0"/>
-              </a:spcBef>
-              <a:spcAft>
-                <a:spcPts val="0"/>
-              </a:spcAft>
-              <a:buClrTx/>
-              <a:buSzTx/>
-              <a:buFontTx/>
-              <a:buNone/>
-              <a:tabLst/>
-              <a:defRPr/>
-            </a:pPr>
-            <a:r>
-              <a:rPr kumimoji="0" lang="en-US" sz="800" b="0" i="0" u="none" strike="noStrike" kern="1200" cap="none" spc="0" normalizeH="0" baseline="0" noProof="0" dirty="0">
-                <a:ln>
-                  <a:noFill/>
-                </a:ln>
-                <a:solidFill>
-                  <a:prstClr val="white"/>
-                </a:solidFill>
-                <a:effectLst/>
-                <a:uLnTx/>
-                <a:uFillTx/>
-                <a:latin typeface="Calibri" panose="020F0502020204030204" pitchFamily="34" charset="0"/>
-                <a:ea typeface="+mn-ea"/>
-                <a:cs typeface="Calibri" panose="020F0502020204030204" pitchFamily="34" charset="0"/>
-              </a:rPr>
-              <a:t>Visualize and </a:t>
-            </a:r>
-            <a:r>
-              <a:rPr kumimoji="0" lang="en-US" sz="800" b="0" i="0" u="none" strike="noStrike" kern="1200" cap="none" spc="0" normalizeH="0" baseline="0" noProof="0" dirty="0" err="1">
-                <a:ln>
-                  <a:noFill/>
-                </a:ln>
-                <a:solidFill>
-                  <a:prstClr val="white"/>
-                </a:solidFill>
-                <a:effectLst/>
-                <a:uLnTx/>
-                <a:uFillTx/>
-                <a:latin typeface="Calibri" panose="020F0502020204030204" pitchFamily="34" charset="0"/>
-                <a:ea typeface="+mn-ea"/>
-                <a:cs typeface="Calibri" panose="020F0502020204030204" pitchFamily="34" charset="0"/>
-              </a:rPr>
-              <a:t>stationarize</a:t>
-            </a:r>
-            <a:r>
-              <a:rPr kumimoji="0" lang="en-US" sz="800" b="0" i="0" u="none" strike="noStrike" kern="1200" cap="none" spc="0" normalizeH="0" baseline="0" noProof="0" dirty="0">
-                <a:ln>
-                  <a:noFill/>
-                </a:ln>
-                <a:solidFill>
-                  <a:prstClr val="white"/>
-                </a:solidFill>
-                <a:effectLst/>
-                <a:uLnTx/>
-                <a:uFillTx/>
-                <a:latin typeface="Calibri" panose="020F0502020204030204" pitchFamily="34" charset="0"/>
-                <a:ea typeface="+mn-ea"/>
-                <a:cs typeface="Calibri" panose="020F0502020204030204" pitchFamily="34" charset="0"/>
-              </a:rPr>
-              <a:t> the time series</a:t>
-            </a:r>
-          </a:p>
-        </p:txBody>
-      </p:sp>
-      <p:sp>
-        <p:nvSpPr>
-          <p:cNvPr id="23" name="Rounded Rectangle 22"/>
-          <p:cNvSpPr/>
-          <p:nvPr/>
-        </p:nvSpPr>
-        <p:spPr>
-          <a:xfrm>
-            <a:off x="2148727" y="3851879"/>
-            <a:ext cx="1905580" cy="171725"/>
-          </a:xfrm>
-          <a:prstGeom prst="roundRect">
-            <a:avLst/>
-          </a:prstGeom>
-          <a:solidFill>
-            <a:srgbClr val="00B050"/>
-          </a:solidFill>
-        </p:spPr>
-        <p:style>
-          <a:lnRef idx="2">
-            <a:schemeClr val="accent1">
-              <a:shade val="50000"/>
-            </a:schemeClr>
-          </a:lnRef>
-          <a:fillRef idx="1">
-            <a:schemeClr val="accent1"/>
-          </a:fillRef>
-          <a:effectRef idx="0">
-            <a:schemeClr val="accent1"/>
-          </a:effectRef>
-          <a:fontRef idx="minor">
-            <a:schemeClr val="lt1"/>
-          </a:fontRef>
-        </p:style>
-        <p:txBody>
-          <a:bodyPr rtlCol="0" anchor="ctr"/>
-          <a:lstStyle/>
-          <a:p>
-            <a:pPr marL="0" marR="0" lvl="0" indent="0" algn="ctr" defTabSz="685800" rtl="0" eaLnBrk="1" fontAlgn="auto" latinLnBrk="0" hangingPunct="1">
-              <a:lnSpc>
-                <a:spcPct val="100000"/>
-              </a:lnSpc>
-              <a:spcBef>
-                <a:spcPts val="0"/>
-              </a:spcBef>
-              <a:spcAft>
-                <a:spcPts val="0"/>
-              </a:spcAft>
-              <a:buClrTx/>
-              <a:buSzTx/>
-              <a:buFontTx/>
-              <a:buNone/>
-              <a:tabLst/>
-              <a:defRPr/>
-            </a:pPr>
-            <a:r>
-              <a:rPr kumimoji="0" lang="en-US" sz="800" b="0" i="0" u="none" strike="noStrike" kern="1200" cap="none" spc="0" normalizeH="0" baseline="0" noProof="0" dirty="0">
-                <a:ln>
-                  <a:noFill/>
-                </a:ln>
-                <a:solidFill>
-                  <a:prstClr val="white"/>
-                </a:solidFill>
-                <a:effectLst/>
-                <a:uLnTx/>
-                <a:uFillTx/>
-                <a:latin typeface="Calibri" panose="020F0502020204030204" pitchFamily="34" charset="0"/>
-                <a:ea typeface="+mn-ea"/>
-                <a:cs typeface="Calibri" panose="020F0502020204030204" pitchFamily="34" charset="0"/>
-              </a:rPr>
-              <a:t>Plot ACF charts and find parameters</a:t>
-            </a:r>
-          </a:p>
-        </p:txBody>
-      </p:sp>
-      <p:sp>
-        <p:nvSpPr>
-          <p:cNvPr id="24" name="Rounded Rectangle 23"/>
-          <p:cNvSpPr/>
-          <p:nvPr/>
-        </p:nvSpPr>
-        <p:spPr>
-          <a:xfrm>
-            <a:off x="2301127" y="4053139"/>
-            <a:ext cx="1905580" cy="171725"/>
-          </a:xfrm>
-          <a:prstGeom prst="roundRect">
-            <a:avLst/>
-          </a:prstGeom>
-          <a:solidFill>
-            <a:srgbClr val="6DCFF6"/>
-          </a:solidFill>
-        </p:spPr>
-        <p:style>
-          <a:lnRef idx="2">
-            <a:schemeClr val="accent1">
-              <a:shade val="50000"/>
-            </a:schemeClr>
-          </a:lnRef>
-          <a:fillRef idx="1">
-            <a:schemeClr val="accent1"/>
-          </a:fillRef>
-          <a:effectRef idx="0">
-            <a:schemeClr val="accent1"/>
-          </a:effectRef>
-          <a:fontRef idx="minor">
-            <a:schemeClr val="lt1"/>
-          </a:fontRef>
-        </p:style>
-        <p:txBody>
-          <a:bodyPr rtlCol="0" anchor="ctr"/>
-          <a:lstStyle/>
-          <a:p>
-            <a:pPr marL="0" marR="0" lvl="0" indent="0" algn="ctr" defTabSz="685800" rtl="0" eaLnBrk="1" fontAlgn="auto" latinLnBrk="0" hangingPunct="1">
-              <a:lnSpc>
-                <a:spcPct val="100000"/>
-              </a:lnSpc>
-              <a:spcBef>
-                <a:spcPts val="0"/>
-              </a:spcBef>
-              <a:spcAft>
-                <a:spcPts val="0"/>
-              </a:spcAft>
-              <a:buClrTx/>
-              <a:buSzTx/>
-              <a:buFontTx/>
-              <a:buNone/>
-              <a:tabLst/>
-              <a:defRPr/>
-            </a:pPr>
-            <a:r>
-              <a:rPr kumimoji="0" lang="en-US" sz="800" b="0" i="0" u="none" strike="noStrike" kern="1200" cap="none" spc="0" normalizeH="0" baseline="0" noProof="0" dirty="0">
-                <a:ln>
-                  <a:noFill/>
-                </a:ln>
-                <a:solidFill>
-                  <a:prstClr val="white"/>
-                </a:solidFill>
-                <a:effectLst/>
-                <a:uLnTx/>
-                <a:uFillTx/>
-                <a:latin typeface="Calibri" panose="020F0502020204030204" pitchFamily="34" charset="0"/>
-                <a:ea typeface="+mn-ea"/>
-                <a:cs typeface="Calibri" panose="020F0502020204030204" pitchFamily="34" charset="0"/>
-              </a:rPr>
-              <a:t>Build the ARIMA model</a:t>
-            </a:r>
-          </a:p>
-        </p:txBody>
-      </p:sp>
-      <p:sp>
-        <p:nvSpPr>
-          <p:cNvPr id="25" name="Rounded Rectangle 24"/>
-          <p:cNvSpPr/>
-          <p:nvPr/>
-        </p:nvSpPr>
-        <p:spPr>
-          <a:xfrm>
-            <a:off x="2453527" y="4261379"/>
-            <a:ext cx="1905580" cy="171725"/>
-          </a:xfrm>
-          <a:prstGeom prst="roundRect">
-            <a:avLst/>
-          </a:prstGeom>
-          <a:solidFill>
-            <a:srgbClr val="4E84C4"/>
-          </a:solidFill>
-        </p:spPr>
-        <p:style>
-          <a:lnRef idx="2">
-            <a:schemeClr val="accent1">
-              <a:shade val="50000"/>
-            </a:schemeClr>
-          </a:lnRef>
-          <a:fillRef idx="1">
-            <a:schemeClr val="accent1"/>
-          </a:fillRef>
-          <a:effectRef idx="0">
-            <a:schemeClr val="accent1"/>
-          </a:effectRef>
-          <a:fontRef idx="minor">
-            <a:schemeClr val="lt1"/>
-          </a:fontRef>
-        </p:style>
-        <p:txBody>
-          <a:bodyPr rtlCol="0" anchor="ctr"/>
-          <a:lstStyle/>
-          <a:p>
-            <a:pPr marL="0" marR="0" lvl="0" indent="0" algn="ctr" defTabSz="685800" rtl="0" eaLnBrk="1" fontAlgn="auto" latinLnBrk="0" hangingPunct="1">
-              <a:lnSpc>
-                <a:spcPct val="100000"/>
-              </a:lnSpc>
-              <a:spcBef>
-                <a:spcPts val="0"/>
-              </a:spcBef>
-              <a:spcAft>
-                <a:spcPts val="0"/>
-              </a:spcAft>
-              <a:buClrTx/>
-              <a:buSzTx/>
-              <a:buFontTx/>
-              <a:buNone/>
-              <a:tabLst/>
-              <a:defRPr/>
-            </a:pPr>
-            <a:r>
-              <a:rPr kumimoji="0" lang="en-US" sz="800" b="0" i="0" u="none" strike="noStrike" kern="1200" cap="none" spc="0" normalizeH="0" baseline="0" noProof="0" dirty="0">
-                <a:ln>
-                  <a:noFill/>
-                </a:ln>
-                <a:solidFill>
-                  <a:prstClr val="white"/>
-                </a:solidFill>
-                <a:effectLst/>
-                <a:uLnTx/>
-                <a:uFillTx/>
-                <a:latin typeface="Calibri" panose="020F0502020204030204" pitchFamily="34" charset="0"/>
-                <a:ea typeface="+mn-ea"/>
-                <a:cs typeface="Calibri" panose="020F0502020204030204" pitchFamily="34" charset="0"/>
-              </a:rPr>
-              <a:t>Train and test the model</a:t>
-            </a:r>
-          </a:p>
-        </p:txBody>
-      </p:sp>
-      <p:sp>
-        <p:nvSpPr>
-          <p:cNvPr id="26" name="Rounded Rectangle 25"/>
-          <p:cNvSpPr/>
-          <p:nvPr/>
-        </p:nvSpPr>
-        <p:spPr>
-          <a:xfrm>
-            <a:off x="2605927" y="4483579"/>
-            <a:ext cx="1905580" cy="171725"/>
-          </a:xfrm>
-          <a:prstGeom prst="roundRect">
-            <a:avLst/>
-          </a:prstGeom>
-          <a:solidFill>
-            <a:srgbClr val="7030A0"/>
-          </a:solidFill>
-        </p:spPr>
-        <p:style>
-          <a:lnRef idx="2">
-            <a:schemeClr val="accent1">
-              <a:shade val="50000"/>
-            </a:schemeClr>
-          </a:lnRef>
-          <a:fillRef idx="1">
-            <a:schemeClr val="accent1"/>
-          </a:fillRef>
-          <a:effectRef idx="0">
-            <a:schemeClr val="accent1"/>
-          </a:effectRef>
-          <a:fontRef idx="minor">
-            <a:schemeClr val="lt1"/>
-          </a:fontRef>
-        </p:style>
-        <p:txBody>
-          <a:bodyPr rtlCol="0" anchor="ctr"/>
-          <a:lstStyle/>
-          <a:p>
-            <a:pPr marL="0" marR="0" lvl="0" indent="0" algn="ctr" defTabSz="685800" rtl="0" eaLnBrk="1" fontAlgn="auto" latinLnBrk="0" hangingPunct="1">
-              <a:lnSpc>
-                <a:spcPct val="100000"/>
-              </a:lnSpc>
-              <a:spcBef>
-                <a:spcPts val="0"/>
-              </a:spcBef>
-              <a:spcAft>
-                <a:spcPts val="0"/>
-              </a:spcAft>
-              <a:buClrTx/>
-              <a:buSzTx/>
-              <a:buFontTx/>
-              <a:buNone/>
-              <a:tabLst/>
-              <a:defRPr/>
-            </a:pPr>
-            <a:r>
-              <a:rPr kumimoji="0" lang="en-US" sz="800" b="0" i="0" u="none" strike="noStrike" kern="1200" cap="none" spc="0" normalizeH="0" baseline="0" noProof="0" dirty="0">
-                <a:ln>
-                  <a:noFill/>
-                </a:ln>
-                <a:solidFill>
-                  <a:prstClr val="white"/>
-                </a:solidFill>
-                <a:effectLst/>
-                <a:uLnTx/>
-                <a:uFillTx/>
-                <a:latin typeface="Calibri" panose="020F0502020204030204" pitchFamily="34" charset="0"/>
-                <a:ea typeface="+mn-ea"/>
-                <a:cs typeface="Calibri" panose="020F0502020204030204" pitchFamily="34" charset="0"/>
-              </a:rPr>
-              <a:t>Make Predictions</a:t>
-            </a:r>
-          </a:p>
-        </p:txBody>
-      </p:sp>
-      <p:pic>
-        <p:nvPicPr>
-          <p:cNvPr id="27" name="Picture 26" descr="Related image"/>
+          <p:cNvPr id="65" name="Picture 4" descr="Related image"/>
           <p:cNvPicPr>
             <a:picLocks noChangeAspect="1" noChangeArrowheads="1"/>
           </p:cNvPicPr>
           <p:nvPr/>
         </p:nvPicPr>
         <p:blipFill>
-          <a:blip r:embed="rId4" cstate="print">
+          <a:blip r:embed="rId8" cstate="print">
             <a:extLst>
               <a:ext uri="{28A0092B-C50C-407E-A947-70E740481C1C}">
                 <a14:useLocalDpi xmlns:a14="http://schemas.microsoft.com/office/drawing/2010/main" val="0"/>
@@ -6553,8 +9397,8 @@
         </p:blipFill>
         <p:spPr bwMode="auto">
           <a:xfrm>
-            <a:off x="4489732" y="1998163"/>
-            <a:ext cx="877135" cy="877135"/>
+            <a:off x="8234057" y="3639116"/>
+            <a:ext cx="450109" cy="450109"/>
           </a:xfrm>
           <a:prstGeom prst="rect">
             <a:avLst/>
@@ -6571,1047 +9415,10 @@
           </a:extLst>
         </p:spPr>
       </p:pic>
-      <p:sp>
-        <p:nvSpPr>
-          <p:cNvPr id="10" name="Rounded Rectangle 9"/>
-          <p:cNvSpPr/>
-          <p:nvPr/>
-        </p:nvSpPr>
-        <p:spPr>
-          <a:xfrm>
-            <a:off x="4557716" y="3034575"/>
-            <a:ext cx="799226" cy="309372"/>
-          </a:xfrm>
-          <a:prstGeom prst="roundRect">
-            <a:avLst/>
-          </a:prstGeom>
-          <a:solidFill>
-            <a:srgbClr val="92D050"/>
-          </a:solidFill>
-        </p:spPr>
-        <p:style>
-          <a:lnRef idx="2">
-            <a:schemeClr val="accent1">
-              <a:shade val="50000"/>
-            </a:schemeClr>
-          </a:lnRef>
-          <a:fillRef idx="1">
-            <a:schemeClr val="accent1"/>
-          </a:fillRef>
-          <a:effectRef idx="0">
-            <a:schemeClr val="accent1"/>
-          </a:effectRef>
-          <a:fontRef idx="minor">
-            <a:schemeClr val="lt1"/>
-          </a:fontRef>
-        </p:style>
-        <p:txBody>
-          <a:bodyPr rtlCol="0" anchor="ctr"/>
-          <a:lstStyle/>
-          <a:p>
-            <a:pPr marL="0" marR="0" lvl="0" indent="0" algn="ctr" defTabSz="685800" rtl="0" eaLnBrk="1" fontAlgn="auto" latinLnBrk="0" hangingPunct="1">
-              <a:lnSpc>
-                <a:spcPct val="100000"/>
-              </a:lnSpc>
-              <a:spcBef>
-                <a:spcPts val="0"/>
-              </a:spcBef>
-              <a:spcAft>
-                <a:spcPts val="0"/>
-              </a:spcAft>
-              <a:buClrTx/>
-              <a:buSzTx/>
-              <a:buFontTx/>
-              <a:buNone/>
-              <a:tabLst/>
-              <a:defRPr/>
-            </a:pPr>
-            <a:r>
-              <a:rPr kumimoji="0" lang="en-US" sz="1000" b="0" i="0" u="none" strike="noStrike" kern="1200" cap="none" spc="0" normalizeH="0" baseline="0" noProof="0" dirty="0" err="1">
-                <a:ln>
-                  <a:noFill/>
-                </a:ln>
-                <a:solidFill>
-                  <a:prstClr val="white"/>
-                </a:solidFill>
-                <a:effectLst/>
-                <a:uLnTx/>
-                <a:uFillTx/>
-                <a:latin typeface="Myriad Pro"/>
-                <a:ea typeface="+mn-ea"/>
-                <a:cs typeface="+mn-cs"/>
-              </a:rPr>
-              <a:t>NodeJS</a:t>
-            </a:r>
-            <a:endParaRPr kumimoji="0" lang="en-US" sz="1000" b="0" i="0" u="none" strike="noStrike" kern="1200" cap="none" spc="0" normalizeH="0" baseline="0" noProof="0" dirty="0">
-              <a:ln>
-                <a:noFill/>
-              </a:ln>
-              <a:solidFill>
-                <a:prstClr val="white"/>
-              </a:solidFill>
-              <a:effectLst/>
-              <a:uLnTx/>
-              <a:uFillTx/>
-              <a:latin typeface="Myriad Pro"/>
-              <a:ea typeface="+mn-ea"/>
-              <a:cs typeface="+mn-cs"/>
-            </a:endParaRPr>
-          </a:p>
-        </p:txBody>
-      </p:sp>
-      <p:pic>
-        <p:nvPicPr>
-          <p:cNvPr id="30" name="Picture 29"/>
-          <p:cNvPicPr>
-            <a:picLocks noChangeAspect="1"/>
-          </p:cNvPicPr>
-          <p:nvPr/>
-        </p:nvPicPr>
-        <p:blipFill>
-          <a:blip r:embed="rId2" cstate="print">
-            <a:extLst>
-              <a:ext uri="{28A0092B-C50C-407E-A947-70E740481C1C}">
-                <a14:useLocalDpi xmlns:a14="http://schemas.microsoft.com/office/drawing/2010/main" val="0"/>
-              </a:ext>
-            </a:extLst>
-          </a:blip>
-          <a:stretch>
-            <a:fillRect/>
-          </a:stretch>
-        </p:blipFill>
-        <p:spPr>
-          <a:xfrm>
-            <a:off x="7146192" y="2923433"/>
-            <a:ext cx="1852663" cy="554074"/>
-          </a:xfrm>
-          <a:prstGeom prst="rect">
-            <a:avLst/>
-          </a:prstGeom>
-        </p:spPr>
-      </p:pic>
-      <p:sp>
-        <p:nvSpPr>
-          <p:cNvPr id="31" name="TextBox 30"/>
-          <p:cNvSpPr txBox="1"/>
-          <p:nvPr/>
-        </p:nvSpPr>
-        <p:spPr>
-          <a:xfrm>
-            <a:off x="7840623" y="3019562"/>
-            <a:ext cx="801788" cy="246221"/>
-          </a:xfrm>
-          <a:prstGeom prst="rect">
-            <a:avLst/>
-          </a:prstGeom>
-          <a:noFill/>
-        </p:spPr>
-        <p:txBody>
-          <a:bodyPr wrap="square" rtlCol="0">
-            <a:spAutoFit/>
-          </a:bodyPr>
-          <a:lstStyle/>
-          <a:p>
-            <a:pPr marL="0" marR="0" lvl="0" indent="0" algn="l" defTabSz="685800" rtl="0" eaLnBrk="1" fontAlgn="auto" latinLnBrk="0" hangingPunct="1">
-              <a:lnSpc>
-                <a:spcPct val="100000"/>
-              </a:lnSpc>
-              <a:spcBef>
-                <a:spcPts val="0"/>
-              </a:spcBef>
-              <a:spcAft>
-                <a:spcPts val="0"/>
-              </a:spcAft>
-              <a:buClrTx/>
-              <a:buSzTx/>
-              <a:buFontTx/>
-              <a:buNone/>
-              <a:tabLst/>
-              <a:defRPr/>
-            </a:pPr>
-            <a:r>
-              <a:rPr kumimoji="0" lang="en-US" sz="1000" b="1" i="0" u="none" strike="noStrike" kern="1200" cap="none" spc="0" normalizeH="0" baseline="0" noProof="0" dirty="0">
-                <a:ln>
-                  <a:noFill/>
-                </a:ln>
-                <a:solidFill>
-                  <a:srgbClr val="000000"/>
-                </a:solidFill>
-                <a:effectLst/>
-                <a:uLnTx/>
-                <a:uFillTx/>
-                <a:latin typeface="Myriad Pro"/>
-                <a:ea typeface="+mn-ea"/>
-                <a:cs typeface="+mn-cs"/>
-              </a:rPr>
-              <a:t>REST API</a:t>
-            </a:r>
-          </a:p>
-        </p:txBody>
-      </p:sp>
-      <p:pic>
-        <p:nvPicPr>
-          <p:cNvPr id="32" name="Picture 48" descr="Related image"/>
-          <p:cNvPicPr>
-            <a:picLocks noChangeAspect="1" noChangeArrowheads="1"/>
-          </p:cNvPicPr>
-          <p:nvPr/>
-        </p:nvPicPr>
-        <p:blipFill>
-          <a:blip r:embed="rId5" cstate="print">
-            <a:extLst>
-              <a:ext uri="{28A0092B-C50C-407E-A947-70E740481C1C}">
-                <a14:useLocalDpi xmlns:a14="http://schemas.microsoft.com/office/drawing/2010/main" val="0"/>
-              </a:ext>
-            </a:extLst>
-          </a:blip>
-          <a:srcRect/>
-          <a:stretch>
-            <a:fillRect/>
-          </a:stretch>
-        </p:blipFill>
-        <p:spPr bwMode="auto">
-          <a:xfrm>
-            <a:off x="7222055" y="1917981"/>
-            <a:ext cx="1237136" cy="876410"/>
-          </a:xfrm>
-          <a:prstGeom prst="rect">
-            <a:avLst/>
-          </a:prstGeom>
-          <a:noFill/>
-          <a:extLst>
-            <a:ext uri="{909E8E84-426E-40DD-AFC4-6F175D3DCCD1}">
-              <a14:hiddenFill xmlns:a14="http://schemas.microsoft.com/office/drawing/2010/main">
-                <a:solidFill>
-                  <a:srgbClr val="FFFFFF"/>
-                </a:solidFill>
-              </a14:hiddenFill>
-            </a:ext>
-          </a:extLst>
-        </p:spPr>
-      </p:pic>
-      <p:cxnSp>
-        <p:nvCxnSpPr>
-          <p:cNvPr id="12" name="Straight Arrow Connector 11"/>
-          <p:cNvCxnSpPr/>
-          <p:nvPr/>
-        </p:nvCxnSpPr>
-        <p:spPr>
-          <a:xfrm flipV="1">
-            <a:off x="5373444" y="2213429"/>
-            <a:ext cx="1941756" cy="6182"/>
-          </a:xfrm>
-          <a:prstGeom prst="straightConnector1">
-            <a:avLst/>
-          </a:prstGeom>
-          <a:ln>
-            <a:tailEnd type="triangle"/>
-          </a:ln>
-        </p:spPr>
-        <p:style>
-          <a:lnRef idx="1">
-            <a:schemeClr val="accent1"/>
-          </a:lnRef>
-          <a:fillRef idx="0">
-            <a:schemeClr val="accent1"/>
-          </a:fillRef>
-          <a:effectRef idx="0">
-            <a:schemeClr val="accent1"/>
-          </a:effectRef>
-          <a:fontRef idx="minor">
-            <a:schemeClr val="tx1"/>
-          </a:fontRef>
-        </p:style>
-      </p:cxnSp>
-      <p:cxnSp>
-        <p:nvCxnSpPr>
-          <p:cNvPr id="16" name="Straight Arrow Connector 15"/>
-          <p:cNvCxnSpPr/>
-          <p:nvPr/>
-        </p:nvCxnSpPr>
-        <p:spPr>
-          <a:xfrm flipH="1">
-            <a:off x="5373444" y="2349645"/>
-            <a:ext cx="1941756" cy="0"/>
-          </a:xfrm>
-          <a:prstGeom prst="straightConnector1">
-            <a:avLst/>
-          </a:prstGeom>
-          <a:ln>
-            <a:tailEnd type="triangle"/>
-          </a:ln>
-        </p:spPr>
-        <p:style>
-          <a:lnRef idx="1">
-            <a:schemeClr val="accent1"/>
-          </a:lnRef>
-          <a:fillRef idx="0">
-            <a:schemeClr val="accent1"/>
-          </a:fillRef>
-          <a:effectRef idx="0">
-            <a:schemeClr val="accent1"/>
-          </a:effectRef>
-          <a:fontRef idx="minor">
-            <a:schemeClr val="tx1"/>
-          </a:fontRef>
-        </p:style>
-      </p:cxnSp>
-      <p:sp>
-        <p:nvSpPr>
-          <p:cNvPr id="28" name="TextBox 27"/>
-          <p:cNvSpPr txBox="1"/>
-          <p:nvPr/>
-        </p:nvSpPr>
-        <p:spPr>
-          <a:xfrm>
-            <a:off x="1360096" y="1904178"/>
-            <a:ext cx="2950175" cy="1969770"/>
-          </a:xfrm>
-          <a:prstGeom prst="rect">
-            <a:avLst/>
-          </a:prstGeom>
-          <a:noFill/>
-        </p:spPr>
-        <p:txBody>
-          <a:bodyPr wrap="square" rtlCol="0">
-            <a:spAutoFit/>
-          </a:bodyPr>
-          <a:lstStyle/>
-          <a:p>
-            <a:pPr marL="171450" marR="0" lvl="0" indent="-171450" algn="l" defTabSz="685800" rtl="0" eaLnBrk="1" fontAlgn="auto" latinLnBrk="0" hangingPunct="1">
-              <a:lnSpc>
-                <a:spcPct val="100000"/>
-              </a:lnSpc>
-              <a:spcBef>
-                <a:spcPts val="0"/>
-              </a:spcBef>
-              <a:spcAft>
-                <a:spcPts val="0"/>
-              </a:spcAft>
-              <a:buClrTx/>
-              <a:buSzTx/>
-              <a:buFont typeface="Arial" panose="020B0604020202020204" pitchFamily="34" charset="0"/>
-              <a:buChar char="•"/>
-              <a:tabLst/>
-              <a:defRPr/>
-            </a:pPr>
-            <a:r>
-              <a:rPr kumimoji="0" lang="en-US" sz="1000" b="0" i="0" u="none" strike="noStrike" kern="1200" cap="none" spc="0" normalizeH="0" baseline="0" noProof="0" dirty="0">
-                <a:ln>
-                  <a:noFill/>
-                </a:ln>
-                <a:solidFill>
-                  <a:srgbClr val="000000"/>
-                </a:solidFill>
-                <a:effectLst/>
-                <a:uLnTx/>
-                <a:uFillTx/>
-                <a:latin typeface="Myriad Pro"/>
-                <a:ea typeface="+mn-ea"/>
-                <a:cs typeface="+mn-cs"/>
-              </a:rPr>
-              <a:t>Server is core engine between UI and ARIMA service</a:t>
-            </a:r>
-          </a:p>
-          <a:p>
-            <a:pPr marL="171450" marR="0" lvl="0" indent="-171450" algn="l" defTabSz="685800" rtl="0" eaLnBrk="1" fontAlgn="auto" latinLnBrk="0" hangingPunct="1">
-              <a:lnSpc>
-                <a:spcPct val="100000"/>
-              </a:lnSpc>
-              <a:spcBef>
-                <a:spcPts val="0"/>
-              </a:spcBef>
-              <a:spcAft>
-                <a:spcPts val="0"/>
-              </a:spcAft>
-              <a:buClrTx/>
-              <a:buSzTx/>
-              <a:buFont typeface="Arial" panose="020B0604020202020204" pitchFamily="34" charset="0"/>
-              <a:buChar char="•"/>
-              <a:tabLst/>
-              <a:defRPr/>
-            </a:pPr>
-            <a:r>
-              <a:rPr kumimoji="0" lang="en-US" sz="1000" b="0" i="0" u="none" strike="noStrike" kern="1200" cap="none" spc="0" normalizeH="0" baseline="0" noProof="0" dirty="0">
-                <a:ln>
-                  <a:noFill/>
-                </a:ln>
-                <a:solidFill>
-                  <a:srgbClr val="000000"/>
-                </a:solidFill>
-                <a:effectLst/>
-                <a:uLnTx/>
-                <a:uFillTx/>
-                <a:latin typeface="Myriad Pro"/>
-                <a:ea typeface="+mn-ea"/>
-                <a:cs typeface="+mn-cs"/>
-              </a:rPr>
-              <a:t>UI calls Node server API with input data</a:t>
-            </a:r>
-          </a:p>
-          <a:p>
-            <a:pPr marL="171450" marR="0" lvl="0" indent="-171450" algn="l" defTabSz="685800" rtl="0" eaLnBrk="1" fontAlgn="auto" latinLnBrk="0" hangingPunct="1">
-              <a:lnSpc>
-                <a:spcPct val="100000"/>
-              </a:lnSpc>
-              <a:spcBef>
-                <a:spcPts val="0"/>
-              </a:spcBef>
-              <a:spcAft>
-                <a:spcPts val="0"/>
-              </a:spcAft>
-              <a:buClrTx/>
-              <a:buSzTx/>
-              <a:buFont typeface="Arial" panose="020B0604020202020204" pitchFamily="34" charset="0"/>
-              <a:buChar char="•"/>
-              <a:tabLst/>
-              <a:defRPr/>
-            </a:pPr>
-            <a:r>
-              <a:rPr kumimoji="0" lang="en-US" sz="1000" b="0" i="0" u="none" strike="noStrike" kern="1200" cap="none" spc="0" normalizeH="0" baseline="0" noProof="0" dirty="0">
-                <a:ln>
-                  <a:noFill/>
-                </a:ln>
-                <a:solidFill>
-                  <a:srgbClr val="000000"/>
-                </a:solidFill>
-                <a:effectLst/>
-                <a:uLnTx/>
-                <a:uFillTx/>
-                <a:latin typeface="Myriad Pro"/>
-                <a:ea typeface="+mn-ea"/>
-                <a:cs typeface="+mn-cs"/>
-              </a:rPr>
-              <a:t>Connects to </a:t>
-            </a:r>
-            <a:r>
-              <a:rPr kumimoji="0" lang="en-US" sz="1000" b="0" i="0" u="none" strike="noStrike" kern="1200" cap="none" spc="0" normalizeH="0" baseline="0" noProof="0" dirty="0" err="1">
-                <a:ln>
-                  <a:noFill/>
-                </a:ln>
-                <a:solidFill>
-                  <a:srgbClr val="000000"/>
-                </a:solidFill>
-                <a:effectLst/>
-                <a:uLnTx/>
-                <a:uFillTx/>
-                <a:latin typeface="Myriad Pro"/>
-                <a:ea typeface="+mn-ea"/>
-                <a:cs typeface="+mn-cs"/>
-              </a:rPr>
-              <a:t>mongodb</a:t>
-            </a:r>
-            <a:r>
-              <a:rPr kumimoji="0" lang="en-US" sz="1000" b="0" i="0" u="none" strike="noStrike" kern="1200" cap="none" spc="0" normalizeH="0" baseline="0" noProof="0" dirty="0">
-                <a:ln>
-                  <a:noFill/>
-                </a:ln>
-                <a:solidFill>
-                  <a:srgbClr val="000000"/>
-                </a:solidFill>
-                <a:effectLst/>
-                <a:uLnTx/>
-                <a:uFillTx/>
-                <a:latin typeface="Myriad Pro"/>
-                <a:ea typeface="+mn-ea"/>
-                <a:cs typeface="+mn-cs"/>
-              </a:rPr>
-              <a:t> and fetches history data</a:t>
-            </a:r>
-          </a:p>
-          <a:p>
-            <a:pPr marL="171450" marR="0" lvl="0" indent="-171450" algn="l" defTabSz="685800" rtl="0" eaLnBrk="1" fontAlgn="auto" latinLnBrk="0" hangingPunct="1">
-              <a:lnSpc>
-                <a:spcPct val="100000"/>
-              </a:lnSpc>
-              <a:spcBef>
-                <a:spcPts val="0"/>
-              </a:spcBef>
-              <a:spcAft>
-                <a:spcPts val="0"/>
-              </a:spcAft>
-              <a:buClrTx/>
-              <a:buSzTx/>
-              <a:buFont typeface="Arial" panose="020B0604020202020204" pitchFamily="34" charset="0"/>
-              <a:buChar char="•"/>
-              <a:tabLst/>
-              <a:defRPr/>
-            </a:pPr>
-            <a:r>
-              <a:rPr kumimoji="0" lang="en-US" sz="1000" b="0" i="0" u="none" strike="noStrike" kern="1200" cap="none" spc="0" normalizeH="0" baseline="0" noProof="0" dirty="0">
-                <a:ln>
-                  <a:noFill/>
-                </a:ln>
-                <a:solidFill>
-                  <a:srgbClr val="000000"/>
-                </a:solidFill>
-                <a:effectLst/>
-                <a:uLnTx/>
-                <a:uFillTx/>
-                <a:latin typeface="Myriad Pro"/>
-                <a:ea typeface="+mn-ea"/>
-                <a:cs typeface="+mn-cs"/>
-              </a:rPr>
-              <a:t>Based on history data, calls ARIMA service API</a:t>
-            </a:r>
-          </a:p>
-          <a:p>
-            <a:pPr marL="171450" marR="0" lvl="0" indent="-171450" algn="l" defTabSz="685800" rtl="0" eaLnBrk="1" fontAlgn="auto" latinLnBrk="0" hangingPunct="1">
-              <a:lnSpc>
-                <a:spcPct val="100000"/>
-              </a:lnSpc>
-              <a:spcBef>
-                <a:spcPts val="0"/>
-              </a:spcBef>
-              <a:spcAft>
-                <a:spcPts val="0"/>
-              </a:spcAft>
-              <a:buClrTx/>
-              <a:buSzTx/>
-              <a:buFont typeface="Arial" panose="020B0604020202020204" pitchFamily="34" charset="0"/>
-              <a:buChar char="•"/>
-              <a:tabLst/>
-              <a:defRPr/>
-            </a:pPr>
-            <a:r>
-              <a:rPr kumimoji="0" lang="en-US" sz="1000" b="0" i="0" u="none" strike="noStrike" kern="1200" cap="none" spc="0" normalizeH="0" baseline="0" noProof="0" dirty="0">
-                <a:ln>
-                  <a:noFill/>
-                </a:ln>
-                <a:solidFill>
-                  <a:srgbClr val="000000"/>
-                </a:solidFill>
-                <a:effectLst/>
-                <a:uLnTx/>
-                <a:uFillTx/>
-                <a:latin typeface="Myriad Pro"/>
-                <a:ea typeface="+mn-ea"/>
-                <a:cs typeface="+mn-cs"/>
-              </a:rPr>
-              <a:t>Receives forecasting data from ARIMA service</a:t>
-            </a:r>
-          </a:p>
-          <a:p>
-            <a:pPr marL="171450" marR="0" lvl="0" indent="-171450" algn="l" defTabSz="685800" rtl="0" eaLnBrk="1" fontAlgn="auto" latinLnBrk="0" hangingPunct="1">
-              <a:lnSpc>
-                <a:spcPct val="100000"/>
-              </a:lnSpc>
-              <a:spcBef>
-                <a:spcPts val="0"/>
-              </a:spcBef>
-              <a:spcAft>
-                <a:spcPts val="0"/>
-              </a:spcAft>
-              <a:buClrTx/>
-              <a:buSzTx/>
-              <a:buFont typeface="Arial" panose="020B0604020202020204" pitchFamily="34" charset="0"/>
-              <a:buChar char="•"/>
-              <a:tabLst/>
-              <a:defRPr/>
-            </a:pPr>
-            <a:r>
-              <a:rPr kumimoji="0" lang="en-US" sz="1000" b="0" i="0" u="none" strike="noStrike" kern="1200" cap="none" spc="0" normalizeH="0" baseline="0" noProof="0" dirty="0">
-                <a:ln>
-                  <a:noFill/>
-                </a:ln>
-                <a:solidFill>
-                  <a:srgbClr val="000000"/>
-                </a:solidFill>
-                <a:effectLst/>
-                <a:uLnTx/>
-                <a:uFillTx/>
-                <a:latin typeface="Myriad Pro"/>
-                <a:ea typeface="+mn-ea"/>
-                <a:cs typeface="+mn-cs"/>
-              </a:rPr>
-              <a:t>Send back the Forecasting data to UI for user</a:t>
-            </a:r>
-          </a:p>
-          <a:p>
-            <a:pPr marL="0" marR="0" lvl="0" indent="0" algn="l" defTabSz="685800" rtl="0" eaLnBrk="1" fontAlgn="auto" latinLnBrk="0" hangingPunct="1">
-              <a:lnSpc>
-                <a:spcPct val="100000"/>
-              </a:lnSpc>
-              <a:spcBef>
-                <a:spcPts val="0"/>
-              </a:spcBef>
-              <a:spcAft>
-                <a:spcPts val="0"/>
-              </a:spcAft>
-              <a:buClrTx/>
-              <a:buSzTx/>
-              <a:buFontTx/>
-              <a:buNone/>
-              <a:tabLst/>
-              <a:defRPr/>
-            </a:pPr>
-            <a:endParaRPr kumimoji="0" lang="en-US" sz="800" b="0" i="0" u="none" strike="noStrike" kern="1200" cap="none" spc="0" normalizeH="0" baseline="0" noProof="0" dirty="0">
-              <a:ln>
-                <a:noFill/>
-              </a:ln>
-              <a:solidFill>
-                <a:srgbClr val="000000"/>
-              </a:solidFill>
-              <a:effectLst/>
-              <a:uLnTx/>
-              <a:uFillTx/>
-              <a:latin typeface="Myriad Pro"/>
-              <a:ea typeface="+mn-ea"/>
-              <a:cs typeface="+mn-cs"/>
-            </a:endParaRPr>
-          </a:p>
-          <a:p>
-            <a:pPr marL="0" marR="0" lvl="0" indent="0" algn="l" defTabSz="685800" rtl="0" eaLnBrk="1" fontAlgn="auto" latinLnBrk="0" hangingPunct="1">
-              <a:lnSpc>
-                <a:spcPct val="100000"/>
-              </a:lnSpc>
-              <a:spcBef>
-                <a:spcPts val="0"/>
-              </a:spcBef>
-              <a:spcAft>
-                <a:spcPts val="0"/>
-              </a:spcAft>
-              <a:buClrTx/>
-              <a:buSzTx/>
-              <a:buFontTx/>
-              <a:buNone/>
-              <a:tabLst/>
-              <a:defRPr/>
-            </a:pPr>
-            <a:endParaRPr kumimoji="0" lang="en-US" sz="1400" b="0" i="0" u="none" strike="noStrike" kern="1200" cap="none" spc="0" normalizeH="0" baseline="0" noProof="0" dirty="0">
-              <a:ln>
-                <a:noFill/>
-              </a:ln>
-              <a:solidFill>
-                <a:srgbClr val="000000"/>
-              </a:solidFill>
-              <a:effectLst/>
-              <a:uLnTx/>
-              <a:uFillTx/>
-              <a:latin typeface="Myriad Pro"/>
-              <a:ea typeface="+mn-ea"/>
-              <a:cs typeface="+mn-cs"/>
-            </a:endParaRPr>
-          </a:p>
-        </p:txBody>
-      </p:sp>
-      <p:cxnSp>
-        <p:nvCxnSpPr>
-          <p:cNvPr id="38" name="Straight Arrow Connector 37"/>
-          <p:cNvCxnSpPr/>
-          <p:nvPr/>
-        </p:nvCxnSpPr>
-        <p:spPr>
-          <a:xfrm>
-            <a:off x="5546328" y="2575774"/>
-            <a:ext cx="1609789" cy="458730"/>
-          </a:xfrm>
-          <a:prstGeom prst="straightConnector1">
-            <a:avLst/>
-          </a:prstGeom>
-          <a:ln>
-            <a:tailEnd type="triangle"/>
-          </a:ln>
-        </p:spPr>
-        <p:style>
-          <a:lnRef idx="1">
-            <a:schemeClr val="accent1"/>
-          </a:lnRef>
-          <a:fillRef idx="0">
-            <a:schemeClr val="accent1"/>
-          </a:fillRef>
-          <a:effectRef idx="0">
-            <a:schemeClr val="accent1"/>
-          </a:effectRef>
-          <a:fontRef idx="minor">
-            <a:schemeClr val="tx1"/>
-          </a:fontRef>
-        </p:style>
-      </p:cxnSp>
-      <p:cxnSp>
-        <p:nvCxnSpPr>
-          <p:cNvPr id="42" name="Straight Arrow Connector 41"/>
-          <p:cNvCxnSpPr>
-            <a:stCxn id="30" idx="1"/>
-          </p:cNvCxnSpPr>
-          <p:nvPr/>
-        </p:nvCxnSpPr>
-        <p:spPr>
-          <a:xfrm flipH="1" flipV="1">
-            <a:off x="5453491" y="2705809"/>
-            <a:ext cx="1692701" cy="494661"/>
-          </a:xfrm>
-          <a:prstGeom prst="straightConnector1">
-            <a:avLst/>
-          </a:prstGeom>
-          <a:ln>
-            <a:tailEnd type="triangle"/>
-          </a:ln>
-        </p:spPr>
-        <p:style>
-          <a:lnRef idx="1">
-            <a:schemeClr val="accent1"/>
-          </a:lnRef>
-          <a:fillRef idx="0">
-            <a:schemeClr val="accent1"/>
-          </a:fillRef>
-          <a:effectRef idx="0">
-            <a:schemeClr val="accent1"/>
-          </a:effectRef>
-          <a:fontRef idx="minor">
-            <a:schemeClr val="tx1"/>
-          </a:fontRef>
-        </p:style>
-      </p:cxnSp>
-      <p:sp>
-        <p:nvSpPr>
-          <p:cNvPr id="7" name="Rectangle 6">
-            <a:extLst>
-              <a:ext uri="{FF2B5EF4-FFF2-40B4-BE49-F238E27FC236}">
-                <a16:creationId xmlns:a16="http://schemas.microsoft.com/office/drawing/2014/main" id="{9828734F-A4AD-4021-B82B-F514E9C3E52D}"/>
-              </a:ext>
-            </a:extLst>
-          </p:cNvPr>
-          <p:cNvSpPr/>
-          <p:nvPr/>
-        </p:nvSpPr>
-        <p:spPr>
-          <a:xfrm>
-            <a:off x="1343775" y="963900"/>
-            <a:ext cx="4572000" cy="707886"/>
-          </a:xfrm>
-          <a:prstGeom prst="rect">
-            <a:avLst/>
-          </a:prstGeom>
-        </p:spPr>
-        <p:txBody>
-          <a:bodyPr>
-            <a:spAutoFit/>
-          </a:bodyPr>
-          <a:lstStyle/>
-          <a:p>
-            <a:pPr marL="171450" marR="0" lvl="0" indent="-171450" algn="l" defTabSz="685800" rtl="0" eaLnBrk="1" fontAlgn="auto" latinLnBrk="0" hangingPunct="1">
-              <a:lnSpc>
-                <a:spcPct val="100000"/>
-              </a:lnSpc>
-              <a:spcBef>
-                <a:spcPts val="0"/>
-              </a:spcBef>
-              <a:spcAft>
-                <a:spcPts val="0"/>
-              </a:spcAft>
-              <a:buClrTx/>
-              <a:buSzTx/>
-              <a:buFont typeface="Arial" panose="020B0604020202020204" pitchFamily="34" charset="0"/>
-              <a:buChar char="•"/>
-              <a:tabLst/>
-              <a:defRPr/>
-            </a:pPr>
-            <a:r>
-              <a:rPr kumimoji="0" lang="en-US" sz="1000" b="0" i="0" u="none" strike="noStrike" kern="1200" cap="none" spc="0" normalizeH="0" baseline="0" noProof="0" dirty="0">
-                <a:ln>
-                  <a:noFill/>
-                </a:ln>
-                <a:solidFill>
-                  <a:srgbClr val="000000"/>
-                </a:solidFill>
-                <a:effectLst/>
-                <a:uLnTx/>
-                <a:uFillTx/>
-                <a:latin typeface="Myriad Pro"/>
-                <a:ea typeface="+mn-ea"/>
-                <a:cs typeface="+mn-cs"/>
-              </a:rPr>
-              <a:t>In UI , the user </a:t>
-            </a:r>
-            <a:r>
-              <a:rPr lang="en-US" sz="1000" dirty="0" smtClean="0">
-                <a:solidFill>
-                  <a:srgbClr val="000000"/>
-                </a:solidFill>
-                <a:latin typeface="Myriad Pro"/>
-              </a:rPr>
-              <a:t>requests </a:t>
-            </a:r>
-            <a:r>
-              <a:rPr kumimoji="0" lang="en-US" sz="1000" b="0" i="0" u="none" strike="noStrike" kern="1200" cap="none" spc="0" normalizeH="0" baseline="0" noProof="0" dirty="0" smtClean="0">
-                <a:ln>
-                  <a:noFill/>
-                </a:ln>
-                <a:solidFill>
-                  <a:srgbClr val="000000"/>
-                </a:solidFill>
-                <a:effectLst/>
-                <a:uLnTx/>
-                <a:uFillTx/>
-                <a:latin typeface="Myriad Pro"/>
-                <a:ea typeface="+mn-ea"/>
-                <a:cs typeface="+mn-cs"/>
-              </a:rPr>
-              <a:t>forecasting </a:t>
-            </a:r>
-            <a:r>
-              <a:rPr kumimoji="0" lang="en-US" sz="1000" b="0" i="0" u="none" strike="noStrike" kern="1200" cap="none" spc="0" normalizeH="0" baseline="0" noProof="0" dirty="0">
-                <a:ln>
-                  <a:noFill/>
-                </a:ln>
-                <a:solidFill>
-                  <a:srgbClr val="000000"/>
-                </a:solidFill>
-                <a:effectLst/>
-                <a:uLnTx/>
-                <a:uFillTx/>
-                <a:latin typeface="Myriad Pro"/>
-                <a:ea typeface="+mn-ea"/>
-                <a:cs typeface="+mn-cs"/>
-              </a:rPr>
-              <a:t>by selecting the history </a:t>
-            </a:r>
-            <a:r>
-              <a:rPr kumimoji="0" lang="en-US" sz="1000" b="0" i="0" u="none" strike="noStrike" kern="1200" cap="none" spc="0" normalizeH="0" baseline="0" noProof="0" dirty="0" smtClean="0">
-                <a:ln>
-                  <a:noFill/>
-                </a:ln>
-                <a:solidFill>
-                  <a:srgbClr val="000000"/>
-                </a:solidFill>
-                <a:effectLst/>
-                <a:uLnTx/>
-                <a:uFillTx/>
-                <a:latin typeface="Myriad Pro"/>
-                <a:ea typeface="+mn-ea"/>
-                <a:cs typeface="+mn-cs"/>
-              </a:rPr>
-              <a:t>dates, </a:t>
-            </a:r>
-            <a:r>
-              <a:rPr kumimoji="0" lang="en-US" sz="1000" b="0" i="0" u="none" strike="noStrike" kern="1200" cap="none" spc="0" normalizeH="0" baseline="0" noProof="0" dirty="0">
-                <a:ln>
-                  <a:noFill/>
-                </a:ln>
-                <a:solidFill>
-                  <a:srgbClr val="000000"/>
-                </a:solidFill>
-                <a:effectLst/>
-                <a:uLnTx/>
-                <a:uFillTx/>
-                <a:latin typeface="Myriad Pro"/>
-                <a:ea typeface="+mn-ea"/>
-                <a:cs typeface="+mn-cs"/>
-              </a:rPr>
-              <a:t>the dates which user would like to view and the number of weeks</a:t>
-            </a:r>
-          </a:p>
-          <a:p>
-            <a:pPr marL="171450" marR="0" lvl="0" indent="-171450" algn="l" defTabSz="685800" rtl="0" eaLnBrk="1" fontAlgn="auto" latinLnBrk="0" hangingPunct="1">
-              <a:lnSpc>
-                <a:spcPct val="100000"/>
-              </a:lnSpc>
-              <a:spcBef>
-                <a:spcPts val="0"/>
-              </a:spcBef>
-              <a:spcAft>
-                <a:spcPts val="0"/>
-              </a:spcAft>
-              <a:buClrTx/>
-              <a:buSzTx/>
-              <a:buFont typeface="Arial" panose="020B0604020202020204" pitchFamily="34" charset="0"/>
-              <a:buChar char="•"/>
-              <a:tabLst/>
-              <a:defRPr/>
-            </a:pPr>
-            <a:r>
-              <a:rPr kumimoji="0" lang="en-US" sz="1000" b="0" i="0" u="none" strike="noStrike" kern="1200" cap="none" spc="0" normalizeH="0" baseline="0" noProof="0" dirty="0">
-                <a:ln>
-                  <a:noFill/>
-                </a:ln>
-                <a:solidFill>
-                  <a:srgbClr val="000000"/>
-                </a:solidFill>
-                <a:effectLst/>
-                <a:uLnTx/>
-                <a:uFillTx/>
-                <a:latin typeface="Myriad Pro"/>
-                <a:ea typeface="+mn-ea"/>
-                <a:cs typeface="+mn-cs"/>
-              </a:rPr>
-              <a:t>The channel could be online</a:t>
-            </a:r>
-            <a:r>
-              <a:rPr kumimoji="0" lang="en-US" sz="1000" b="0" i="0" u="none" strike="noStrike" kern="1200" cap="none" spc="0" normalizeH="0" baseline="0" noProof="0" dirty="0" smtClean="0">
-                <a:ln>
-                  <a:noFill/>
-                </a:ln>
-                <a:solidFill>
-                  <a:srgbClr val="000000"/>
-                </a:solidFill>
-                <a:effectLst/>
-                <a:uLnTx/>
-                <a:uFillTx/>
-                <a:latin typeface="Myriad Pro"/>
-                <a:ea typeface="+mn-ea"/>
-                <a:cs typeface="+mn-cs"/>
-              </a:rPr>
-              <a:t>, </a:t>
-            </a:r>
-            <a:r>
-              <a:rPr kumimoji="0" lang="en-US" sz="1000" b="0" i="0" u="none" strike="noStrike" kern="1200" cap="none" spc="0" normalizeH="0" baseline="0" noProof="0" dirty="0" err="1" smtClean="0">
-                <a:ln>
-                  <a:noFill/>
-                </a:ln>
-                <a:solidFill>
-                  <a:srgbClr val="000000"/>
-                </a:solidFill>
-                <a:effectLst/>
-                <a:uLnTx/>
-                <a:uFillTx/>
-                <a:latin typeface="Myriad Pro"/>
-                <a:ea typeface="+mn-ea"/>
-                <a:cs typeface="+mn-cs"/>
-              </a:rPr>
-              <a:t>instore</a:t>
-            </a:r>
-            <a:r>
-              <a:rPr kumimoji="0" lang="en-US" sz="1000" b="0" i="0" u="none" strike="noStrike" kern="1200" cap="none" spc="0" normalizeH="0" baseline="0" noProof="0" dirty="0" smtClean="0">
-                <a:ln>
-                  <a:noFill/>
-                </a:ln>
-                <a:solidFill>
-                  <a:srgbClr val="000000"/>
-                </a:solidFill>
-                <a:effectLst/>
-                <a:uLnTx/>
-                <a:uFillTx/>
-                <a:latin typeface="Myriad Pro"/>
-                <a:ea typeface="+mn-ea"/>
-                <a:cs typeface="+mn-cs"/>
-              </a:rPr>
-              <a:t> </a:t>
-            </a:r>
-            <a:r>
-              <a:rPr kumimoji="0" lang="en-US" sz="1000" b="0" i="0" u="none" strike="noStrike" kern="1200" cap="none" spc="0" normalizeH="0" baseline="0" noProof="0" dirty="0">
-                <a:ln>
-                  <a:noFill/>
-                </a:ln>
-                <a:solidFill>
-                  <a:srgbClr val="000000"/>
-                </a:solidFill>
-                <a:effectLst/>
-                <a:uLnTx/>
-                <a:uFillTx/>
-                <a:latin typeface="Myriad Pro"/>
-                <a:ea typeface="+mn-ea"/>
-                <a:cs typeface="+mn-cs"/>
-              </a:rPr>
-              <a:t>or phone</a:t>
-            </a:r>
-          </a:p>
-          <a:p>
-            <a:pPr marL="171450" marR="0" lvl="0" indent="-171450" algn="l" defTabSz="685800" rtl="0" eaLnBrk="1" fontAlgn="auto" latinLnBrk="0" hangingPunct="1">
-              <a:lnSpc>
-                <a:spcPct val="100000"/>
-              </a:lnSpc>
-              <a:spcBef>
-                <a:spcPts val="0"/>
-              </a:spcBef>
-              <a:spcAft>
-                <a:spcPts val="0"/>
-              </a:spcAft>
-              <a:buClrTx/>
-              <a:buSzTx/>
-              <a:buFont typeface="Arial" panose="020B0604020202020204" pitchFamily="34" charset="0"/>
-              <a:buChar char="•"/>
-              <a:tabLst/>
-              <a:defRPr/>
-            </a:pPr>
-            <a:r>
-              <a:rPr kumimoji="0" lang="en-US" sz="1000" b="0" i="0" u="none" strike="noStrike" kern="1200" cap="none" spc="0" normalizeH="0" baseline="0" noProof="0" dirty="0">
-                <a:ln>
-                  <a:noFill/>
-                </a:ln>
-                <a:solidFill>
-                  <a:srgbClr val="000000"/>
-                </a:solidFill>
-                <a:effectLst/>
-                <a:uLnTx/>
-                <a:uFillTx/>
-                <a:latin typeface="Myriad Pro"/>
-                <a:ea typeface="+mn-ea"/>
-                <a:cs typeface="+mn-cs"/>
-              </a:rPr>
-              <a:t>By clicking on submit an </a:t>
-            </a:r>
-            <a:r>
-              <a:rPr kumimoji="0" lang="en-US" sz="1000" b="0" i="0" u="none" strike="noStrike" kern="1200" cap="none" spc="0" normalizeH="0" baseline="0" noProof="0" dirty="0" err="1">
-                <a:ln>
-                  <a:noFill/>
-                </a:ln>
-                <a:solidFill>
-                  <a:srgbClr val="000000"/>
-                </a:solidFill>
-                <a:effectLst/>
-                <a:uLnTx/>
-                <a:uFillTx/>
-                <a:latin typeface="Myriad Pro"/>
-                <a:ea typeface="+mn-ea"/>
-                <a:cs typeface="+mn-cs"/>
-              </a:rPr>
-              <a:t>api</a:t>
-            </a:r>
-            <a:r>
-              <a:rPr kumimoji="0" lang="en-US" sz="1000" b="0" i="0" u="none" strike="noStrike" kern="1200" cap="none" spc="0" normalizeH="0" baseline="0" noProof="0" dirty="0">
-                <a:ln>
-                  <a:noFill/>
-                </a:ln>
-                <a:solidFill>
-                  <a:srgbClr val="000000"/>
-                </a:solidFill>
-                <a:effectLst/>
-                <a:uLnTx/>
-                <a:uFillTx/>
-                <a:latin typeface="Myriad Pro"/>
-                <a:ea typeface="+mn-ea"/>
-                <a:cs typeface="+mn-cs"/>
-              </a:rPr>
-              <a:t> call is made by passing this data to the server.</a:t>
-            </a:r>
-          </a:p>
-        </p:txBody>
-      </p:sp>
-      <p:pic>
-        <p:nvPicPr>
-          <p:cNvPr id="11" name="Picture 10">
-            <a:extLst>
-              <a:ext uri="{FF2B5EF4-FFF2-40B4-BE49-F238E27FC236}">
-                <a16:creationId xmlns:a16="http://schemas.microsoft.com/office/drawing/2014/main" id="{2C443C11-67E9-4F4F-B942-DF1D11E038A8}"/>
-              </a:ext>
-            </a:extLst>
-          </p:cNvPr>
-          <p:cNvPicPr>
-            <a:picLocks noChangeAspect="1"/>
-          </p:cNvPicPr>
-          <p:nvPr/>
-        </p:nvPicPr>
-        <p:blipFill>
-          <a:blip r:embed="rId6"/>
-          <a:stretch>
-            <a:fillRect/>
-          </a:stretch>
-        </p:blipFill>
-        <p:spPr>
-          <a:xfrm>
-            <a:off x="6004831" y="918517"/>
-            <a:ext cx="2880904" cy="948145"/>
-          </a:xfrm>
-          <a:prstGeom prst="rect">
-            <a:avLst/>
-          </a:prstGeom>
-        </p:spPr>
-      </p:pic>
     </p:spTree>
     <p:extLst>
       <p:ext uri="{BB962C8B-B14F-4D97-AF65-F5344CB8AC3E}">
-        <p14:creationId xmlns:p14="http://schemas.microsoft.com/office/powerpoint/2010/main" val="33950850"/>
+        <p14:creationId xmlns:p14="http://schemas.microsoft.com/office/powerpoint/2010/main" val="1416315618"/>
       </p:ext>
     </p:extLst>
   </p:cSld>
@@ -7647,6 +9454,494 @@
       </p:grpSpPr>
       <p:sp>
         <p:nvSpPr>
+          <p:cNvPr id="3" name="Text Placeholder 2">
+            <a:extLst>
+              <a:ext uri="{FF2B5EF4-FFF2-40B4-BE49-F238E27FC236}">
+                <a16:creationId xmlns:a16="http://schemas.microsoft.com/office/drawing/2014/main" id="{A42A8A70-7637-4BC1-965E-708BD66D7B01}"/>
+              </a:ext>
+            </a:extLst>
+          </p:cNvPr>
+          <p:cNvSpPr>
+            <a:spLocks noGrp="1"/>
+          </p:cNvSpPr>
+          <p:nvPr>
+            <p:ph type="body" sz="quarter" idx="14"/>
+          </p:nvPr>
+        </p:nvSpPr>
+        <p:spPr/>
+        <p:txBody>
+          <a:bodyPr/>
+          <a:lstStyle/>
+          <a:p>
+            <a:endParaRPr lang="en-US"/>
+          </a:p>
+        </p:txBody>
+      </p:sp>
+      <p:sp>
+        <p:nvSpPr>
+          <p:cNvPr id="4" name="Content Placeholder 3">
+            <a:extLst>
+              <a:ext uri="{FF2B5EF4-FFF2-40B4-BE49-F238E27FC236}">
+                <a16:creationId xmlns:a16="http://schemas.microsoft.com/office/drawing/2014/main" id="{1CBD2DBB-598F-4F2C-8F73-3E25641634E1}"/>
+              </a:ext>
+            </a:extLst>
+          </p:cNvPr>
+          <p:cNvSpPr>
+            <a:spLocks noGrp="1"/>
+          </p:cNvSpPr>
+          <p:nvPr>
+            <p:ph idx="1"/>
+          </p:nvPr>
+        </p:nvSpPr>
+        <p:spPr>
+          <a:xfrm>
+            <a:off x="281279" y="574475"/>
+            <a:ext cx="6147442" cy="3693833"/>
+          </a:xfrm>
+        </p:spPr>
+        <p:txBody>
+          <a:bodyPr>
+            <a:noAutofit/>
+          </a:bodyPr>
+          <a:lstStyle/>
+          <a:p>
+            <a:pPr marL="0" indent="0" algn="just">
+              <a:buNone/>
+            </a:pPr>
+            <a:r>
+              <a:rPr lang="en-US" sz="1250" dirty="0" smtClean="0">
+                <a:solidFill>
+                  <a:schemeClr val="tx2">
+                    <a:lumMod val="75000"/>
+                  </a:schemeClr>
+                </a:solidFill>
+                <a:cs typeface="Calibri" panose="020F0502020204030204" pitchFamily="34" charset="0"/>
+              </a:rPr>
+              <a:t>UI</a:t>
+            </a:r>
+            <a:r>
+              <a:rPr lang="en-US" sz="1250" dirty="0">
+                <a:solidFill>
+                  <a:schemeClr val="tx2">
+                    <a:lumMod val="75000"/>
+                  </a:schemeClr>
+                </a:solidFill>
+                <a:cs typeface="Calibri" panose="020F0502020204030204" pitchFamily="34" charset="0"/>
+              </a:rPr>
+              <a:t>: </a:t>
+            </a:r>
+          </a:p>
+          <a:p>
+            <a:pPr algn="just"/>
+            <a:r>
+              <a:rPr lang="en-US" sz="1250" dirty="0" smtClean="0">
+                <a:solidFill>
+                  <a:schemeClr val="tx2">
+                    <a:lumMod val="75000"/>
+                  </a:schemeClr>
+                </a:solidFill>
+                <a:cs typeface="Calibri" panose="020F0502020204030204" pitchFamily="34" charset="0"/>
+              </a:rPr>
+              <a:t>Sales Forecasting page is part of an existing application and doesn’t need an Authorization/Login Page to navigate.</a:t>
+            </a:r>
+          </a:p>
+          <a:p>
+            <a:pPr algn="just"/>
+            <a:r>
+              <a:rPr lang="en-US" sz="1250" dirty="0" smtClean="0">
+                <a:solidFill>
+                  <a:schemeClr val="tx2">
+                    <a:lumMod val="75000"/>
+                  </a:schemeClr>
+                </a:solidFill>
+                <a:cs typeface="Calibri" panose="020F0502020204030204" pitchFamily="34" charset="0"/>
+              </a:rPr>
+              <a:t>History data weeks selection would be minimum of 1 week</a:t>
+            </a:r>
+          </a:p>
+          <a:p>
+            <a:pPr algn="just"/>
+            <a:r>
+              <a:rPr lang="en-US" sz="1250" dirty="0" smtClean="0">
+                <a:solidFill>
+                  <a:schemeClr val="tx2">
+                    <a:lumMod val="75000"/>
+                  </a:schemeClr>
+                </a:solidFill>
+                <a:cs typeface="Calibri" panose="020F0502020204030204" pitchFamily="34" charset="0"/>
+              </a:rPr>
+              <a:t>Forecast data week selection should be less than or equal to history data weeks</a:t>
+            </a:r>
+          </a:p>
+          <a:p>
+            <a:pPr algn="just"/>
+            <a:r>
+              <a:rPr lang="en-US" sz="1250" dirty="0" smtClean="0">
+                <a:solidFill>
+                  <a:schemeClr val="tx2">
+                    <a:lumMod val="75000"/>
+                  </a:schemeClr>
+                </a:solidFill>
+                <a:cs typeface="Calibri" panose="020F0502020204030204" pitchFamily="34" charset="0"/>
+              </a:rPr>
+              <a:t>History start date cannot be a future date and Forecast start date cannot be a past date</a:t>
+            </a:r>
+            <a:endParaRPr lang="en-US" sz="1250" dirty="0">
+              <a:solidFill>
+                <a:schemeClr val="tx2">
+                  <a:lumMod val="75000"/>
+                </a:schemeClr>
+              </a:solidFill>
+              <a:cs typeface="Calibri" panose="020F0502020204030204" pitchFamily="34" charset="0"/>
+            </a:endParaRPr>
+          </a:p>
+          <a:p>
+            <a:pPr marL="0" indent="0" algn="just">
+              <a:buFont typeface="Arial" pitchFamily="34" charset="0"/>
+              <a:buNone/>
+            </a:pPr>
+            <a:r>
+              <a:rPr lang="en-US" sz="1250" dirty="0">
+                <a:solidFill>
+                  <a:schemeClr val="tx2">
+                    <a:lumMod val="75000"/>
+                  </a:schemeClr>
+                </a:solidFill>
+                <a:cs typeface="Calibri" panose="020F0502020204030204" pitchFamily="34" charset="0"/>
+              </a:rPr>
+              <a:t>Node JS: </a:t>
+            </a:r>
+            <a:endParaRPr lang="en-US" sz="1250" dirty="0" smtClean="0">
+              <a:solidFill>
+                <a:schemeClr val="tx2">
+                  <a:lumMod val="75000"/>
+                </a:schemeClr>
+              </a:solidFill>
+              <a:cs typeface="Calibri" panose="020F0502020204030204" pitchFamily="34" charset="0"/>
+            </a:endParaRPr>
+          </a:p>
+          <a:p>
+            <a:pPr algn="just"/>
+            <a:r>
+              <a:rPr lang="en-US" sz="1250" dirty="0" smtClean="0">
+                <a:solidFill>
+                  <a:schemeClr val="tx2">
+                    <a:lumMod val="75000"/>
+                  </a:schemeClr>
+                </a:solidFill>
+                <a:cs typeface="Calibri" panose="020F0502020204030204" pitchFamily="34" charset="0"/>
+              </a:rPr>
+              <a:t>Forecasting data need not be stored in the database (Mongo DB) and always going to calculate dynamically based on the history data selection</a:t>
+            </a:r>
+          </a:p>
+          <a:p>
+            <a:pPr algn="just"/>
+            <a:r>
+              <a:rPr lang="en-US" sz="1250" dirty="0" smtClean="0">
+                <a:solidFill>
+                  <a:schemeClr val="tx2">
+                    <a:lumMod val="75000"/>
+                  </a:schemeClr>
+                </a:solidFill>
+                <a:cs typeface="Calibri" panose="020F0502020204030204" pitchFamily="34" charset="0"/>
+              </a:rPr>
+              <a:t>Start Date and No of weeks values for both Historical and Forecasting data will always be received as an input from UI </a:t>
+            </a:r>
+          </a:p>
+          <a:p>
+            <a:pPr marL="0" indent="0" algn="just">
+              <a:buNone/>
+            </a:pPr>
+            <a:r>
+              <a:rPr lang="en-US" sz="1250" dirty="0" smtClean="0">
+                <a:solidFill>
+                  <a:schemeClr val="tx2">
+                    <a:lumMod val="75000"/>
+                  </a:schemeClr>
+                </a:solidFill>
+                <a:cs typeface="Calibri" panose="020F0502020204030204" pitchFamily="34" charset="0"/>
+              </a:rPr>
+              <a:t>ARIMA: </a:t>
+            </a:r>
+          </a:p>
+          <a:p>
+            <a:pPr algn="just"/>
+            <a:r>
+              <a:rPr lang="en-US" sz="1250" dirty="0" smtClean="0">
+                <a:solidFill>
+                  <a:schemeClr val="tx2">
+                    <a:lumMod val="75000"/>
+                  </a:schemeClr>
+                </a:solidFill>
+                <a:cs typeface="Calibri" panose="020F0502020204030204" pitchFamily="34" charset="0"/>
+              </a:rPr>
+              <a:t>Considered one year of Day-wise sales data as history data for two items and three channels</a:t>
+            </a:r>
+          </a:p>
+          <a:p>
+            <a:pPr algn="just"/>
+            <a:r>
+              <a:rPr lang="en-US" sz="1250" dirty="0" smtClean="0">
+                <a:solidFill>
+                  <a:schemeClr val="tx2">
+                    <a:lumMod val="75000"/>
+                  </a:schemeClr>
+                </a:solidFill>
+                <a:cs typeface="Calibri" panose="020F0502020204030204" pitchFamily="34" charset="0"/>
+              </a:rPr>
+              <a:t>There are no missing values in the Time-Series data, hence data cleaning is not in scope </a:t>
+            </a:r>
+          </a:p>
+          <a:p>
+            <a:pPr algn="just"/>
+            <a:r>
+              <a:rPr lang="en-US" sz="1250" dirty="0" smtClean="0">
+                <a:solidFill>
+                  <a:schemeClr val="tx2">
+                    <a:lumMod val="75000"/>
+                  </a:schemeClr>
+                </a:solidFill>
+                <a:cs typeface="Calibri" panose="020F0502020204030204" pitchFamily="34" charset="0"/>
+              </a:rPr>
+              <a:t>Current designed model is best-fit for the existing data and has not been tested with outside of the current time-series</a:t>
+            </a:r>
+          </a:p>
+          <a:p>
+            <a:pPr algn="just"/>
+            <a:r>
+              <a:rPr lang="en-US" sz="1250" dirty="0" smtClean="0">
+                <a:solidFill>
+                  <a:schemeClr val="tx2">
+                    <a:lumMod val="75000"/>
+                  </a:schemeClr>
+                </a:solidFill>
+                <a:cs typeface="Calibri" panose="020F0502020204030204" pitchFamily="34" charset="0"/>
+              </a:rPr>
+              <a:t>History data considered is already stationary in nature and mean, variance and auto-correlation are always constant overtime</a:t>
+            </a:r>
+          </a:p>
+        </p:txBody>
+      </p:sp>
+      <p:sp>
+        <p:nvSpPr>
+          <p:cNvPr id="7" name="Title 6"/>
+          <p:cNvSpPr>
+            <a:spLocks noGrp="1"/>
+          </p:cNvSpPr>
+          <p:nvPr>
+            <p:ph type="title"/>
+          </p:nvPr>
+        </p:nvSpPr>
+        <p:spPr>
+          <a:xfrm>
+            <a:off x="358150" y="92490"/>
+            <a:ext cx="6244784" cy="481985"/>
+          </a:xfrm>
+        </p:spPr>
+        <p:txBody>
+          <a:bodyPr wrap="square">
+            <a:normAutofit fontScale="92500"/>
+          </a:bodyPr>
+          <a:lstStyle/>
+          <a:p>
+            <a:r>
+              <a:rPr lang="en-US" sz="2400" dirty="0" smtClean="0">
+                <a:solidFill>
+                  <a:schemeClr val="tx2"/>
+                </a:solidFill>
+                <a:cs typeface="Arial" pitchFamily="34" charset="0"/>
+              </a:rPr>
+              <a:t>Assumptions</a:t>
+            </a:r>
+            <a:endParaRPr lang="en-US" sz="2400" dirty="0">
+              <a:solidFill>
+                <a:schemeClr val="tx2"/>
+              </a:solidFill>
+              <a:cs typeface="Arial" pitchFamily="34" charset="0"/>
+            </a:endParaRPr>
+          </a:p>
+        </p:txBody>
+      </p:sp>
+      <p:pic>
+        <p:nvPicPr>
+          <p:cNvPr id="13" name="Picture 12"/>
+          <p:cNvPicPr>
+            <a:picLocks noChangeAspect="1"/>
+          </p:cNvPicPr>
+          <p:nvPr/>
+        </p:nvPicPr>
+        <p:blipFill>
+          <a:blip r:embed="rId2"/>
+          <a:stretch>
+            <a:fillRect/>
+          </a:stretch>
+        </p:blipFill>
+        <p:spPr>
+          <a:xfrm>
+            <a:off x="7044562" y="1689946"/>
+            <a:ext cx="1744214" cy="1462889"/>
+          </a:xfrm>
+          <a:prstGeom prst="rect">
+            <a:avLst/>
+          </a:prstGeom>
+        </p:spPr>
+      </p:pic>
+    </p:spTree>
+    <p:extLst>
+      <p:ext uri="{BB962C8B-B14F-4D97-AF65-F5344CB8AC3E}">
+        <p14:creationId xmlns:p14="http://schemas.microsoft.com/office/powerpoint/2010/main" val="2788469073"/>
+      </p:ext>
+    </p:extLst>
+  </p:cSld>
+  <p:clrMapOvr>
+    <a:masterClrMapping/>
+  </p:clrMapOvr>
+  <p:timing>
+    <p:tnLst>
+      <p:par>
+        <p:cTn id="1" dur="indefinite" restart="never" nodeType="tmRoot"/>
+      </p:par>
+    </p:tnLst>
+  </p:timing>
+</p:sld>
+</file>
+
+<file path=ppt/slides/slide7.xml><?xml version="1.0" encoding="utf-8"?>
+<p:sld xmlns:a="http://schemas.openxmlformats.org/drawingml/2006/main" xmlns:r="http://schemas.openxmlformats.org/officeDocument/2006/relationships" xmlns:p="http://schemas.openxmlformats.org/presentationml/2006/main">
+  <p:cSld>
+    <p:spTree>
+      <p:nvGrpSpPr>
+        <p:cNvPr id="1" name=""/>
+        <p:cNvGrpSpPr/>
+        <p:nvPr/>
+      </p:nvGrpSpPr>
+      <p:grpSpPr>
+        <a:xfrm>
+          <a:off x="0" y="0"/>
+          <a:ext cx="0" cy="0"/>
+          <a:chOff x="0" y="0"/>
+          <a:chExt cx="0" cy="0"/>
+        </a:xfrm>
+      </p:grpSpPr>
+      <p:pic>
+        <p:nvPicPr>
+          <p:cNvPr id="5122" name="Picture 2" descr="Image result for DEMO"/>
+          <p:cNvPicPr>
+            <a:picLocks noChangeAspect="1" noChangeArrowheads="1"/>
+          </p:cNvPicPr>
+          <p:nvPr/>
+        </p:nvPicPr>
+        <p:blipFill>
+          <a:blip r:embed="rId2">
+            <a:extLst>
+              <a:ext uri="{28A0092B-C50C-407E-A947-70E740481C1C}">
+                <a14:useLocalDpi xmlns:a14="http://schemas.microsoft.com/office/drawing/2010/main" val="0"/>
+              </a:ext>
+            </a:extLst>
+          </a:blip>
+          <a:srcRect/>
+          <a:stretch>
+            <a:fillRect/>
+          </a:stretch>
+        </p:blipFill>
+        <p:spPr bwMode="auto">
+          <a:xfrm>
+            <a:off x="2961597" y="1570789"/>
+            <a:ext cx="2857500" cy="2095501"/>
+          </a:xfrm>
+          <a:prstGeom prst="rect">
+            <a:avLst/>
+          </a:prstGeom>
+          <a:noFill/>
+          <a:extLst>
+            <a:ext uri="{909E8E84-426E-40DD-AFC4-6F175D3DCCD1}">
+              <a14:hiddenFill xmlns:a14="http://schemas.microsoft.com/office/drawing/2010/main">
+                <a:solidFill>
+                  <a:srgbClr val="FFFFFF"/>
+                </a:solidFill>
+              </a14:hiddenFill>
+            </a:ext>
+          </a:extLst>
+        </p:spPr>
+      </p:pic>
+      <p:sp>
+        <p:nvSpPr>
+          <p:cNvPr id="7" name="Title 1">
+            <a:extLst>
+              <a:ext uri="{FF2B5EF4-FFF2-40B4-BE49-F238E27FC236}">
+                <a16:creationId xmlns:a16="http://schemas.microsoft.com/office/drawing/2014/main" id="{643C8D8D-7962-4C43-AEE0-F47FA2F063C6}"/>
+              </a:ext>
+            </a:extLst>
+          </p:cNvPr>
+          <p:cNvSpPr>
+            <a:spLocks noGrp="1"/>
+          </p:cNvSpPr>
+          <p:nvPr>
+            <p:ph type="title"/>
+          </p:nvPr>
+        </p:nvSpPr>
+        <p:spPr>
+          <a:xfrm>
+            <a:off x="403761" y="45555"/>
+            <a:ext cx="6244784" cy="481985"/>
+          </a:xfrm>
+        </p:spPr>
+        <p:txBody>
+          <a:bodyPr wrap="square">
+            <a:normAutofit fontScale="92500"/>
+          </a:bodyPr>
+          <a:lstStyle/>
+          <a:p>
+            <a:r>
+              <a:rPr lang="en-US" sz="2400" dirty="0" smtClean="0">
+                <a:solidFill>
+                  <a:schemeClr val="tx2"/>
+                </a:solidFill>
+                <a:cs typeface="Arial" pitchFamily="34" charset="0"/>
+              </a:rPr>
+              <a:t>DEMO</a:t>
+            </a:r>
+            <a:endParaRPr lang="en-US" sz="2400" dirty="0">
+              <a:solidFill>
+                <a:schemeClr val="tx2"/>
+              </a:solidFill>
+              <a:cs typeface="Arial" pitchFamily="34" charset="0"/>
+            </a:endParaRPr>
+          </a:p>
+        </p:txBody>
+      </p:sp>
+    </p:spTree>
+    <p:extLst>
+      <p:ext uri="{BB962C8B-B14F-4D97-AF65-F5344CB8AC3E}">
+        <p14:creationId xmlns:p14="http://schemas.microsoft.com/office/powerpoint/2010/main" val="802800604"/>
+      </p:ext>
+    </p:extLst>
+  </p:cSld>
+  <p:clrMapOvr>
+    <a:masterClrMapping/>
+  </p:clrMapOvr>
+</p:sld>
+</file>
+
+<file path=ppt/slides/slide8.xml><?xml version="1.0" encoding="utf-8"?>
+<p:sld xmlns:a="http://schemas.openxmlformats.org/drawingml/2006/main" xmlns:r="http://schemas.openxmlformats.org/officeDocument/2006/relationships" xmlns:p="http://schemas.openxmlformats.org/presentationml/2006/main">
+  <p:cSld>
+    <p:spTree>
+      <p:nvGrpSpPr>
+        <p:cNvPr id="1" name=""/>
+        <p:cNvGrpSpPr/>
+        <p:nvPr/>
+      </p:nvGrpSpPr>
+      <p:grpSpPr>
+        <a:xfrm>
+          <a:off x="0" y="0"/>
+          <a:ext cx="0" cy="0"/>
+          <a:chOff x="0" y="0"/>
+          <a:chExt cx="0" cy="0"/>
+        </a:xfrm>
+      </p:grpSpPr>
+      <p:sp>
+        <p:nvSpPr>
           <p:cNvPr id="100" name="Title 1"/>
           <p:cNvSpPr>
             <a:spLocks noGrp="1"/>
@@ -7690,7 +9985,7 @@
           <a:p>
             <a:fld id="{8712066D-149E-4AF1-BC1B-BA2B9DE4955E}" type="datetime4">
               <a:rPr lang="en-US" smtClean="0"/>
-              <a:t>November 13, 2019</a:t>
+              <a:t>November 17, 2019</a:t>
             </a:fld>
             <a:endParaRPr lang="en-US" dirty="0"/>
           </a:p>
